--- a/Agent/ICSA26.pptx
+++ b/Agent/ICSA26.pptx
@@ -5,16 +5,17 @@
     <p:sldMasterId id="2147483648" r:id="rId1"/>
   </p:sldMasterIdLst>
   <p:notesMasterIdLst>
-    <p:notesMasterId r:id="rId9"/>
+    <p:notesMasterId r:id="rId10"/>
   </p:notesMasterIdLst>
   <p:sldIdLst>
     <p:sldId id="256" r:id="rId2"/>
     <p:sldId id="260" r:id="rId3"/>
     <p:sldId id="258" r:id="rId4"/>
     <p:sldId id="259" r:id="rId5"/>
-    <p:sldId id="261" r:id="rId6"/>
-    <p:sldId id="262" r:id="rId7"/>
-    <p:sldId id="263" r:id="rId8"/>
+    <p:sldId id="262" r:id="rId6"/>
+    <p:sldId id="263" r:id="rId7"/>
+    <p:sldId id="264" r:id="rId8"/>
+    <p:sldId id="265" r:id="rId9"/>
   </p:sldIdLst>
   <p:sldSz cx="12192000" cy="6858000"/>
   <p:notesSz cx="6858000" cy="9144000"/>
@@ -203,7 +204,7 @@
           <a:p>
             <a:fld id="{28969827-7A52-E846-A985-BA418795AE7E}" type="datetimeFigureOut">
               <a:rPr lang="it-IT" smtClean="0"/>
-              <a:t>02/10/25</a:t>
+              <a:t>22/10/25</a:t>
             </a:fld>
             <a:endParaRPr lang="it-IT"/>
           </a:p>
@@ -498,6 +499,13 @@
           </p:nvPr>
         </p:nvSpPr>
         <p:spPr/>
+        <p:txBody>
+          <a:bodyPr/>
+          <a:lstStyle/>
+          <a:p>
+            <a:endParaRPr lang="it-IT"/>
+          </a:p>
+        </p:txBody>
       </p:sp>
       <p:sp>
         <p:nvSpPr>
@@ -582,6 +590,13 @@
           </p:nvPr>
         </p:nvSpPr>
         <p:spPr/>
+        <p:txBody>
+          <a:bodyPr/>
+          <a:lstStyle/>
+          <a:p>
+            <a:endParaRPr lang="it-IT"/>
+          </a:p>
+        </p:txBody>
       </p:sp>
       <p:sp>
         <p:nvSpPr>
@@ -619,7 +634,7 @@
           <a:p>
             <a:fld id="{34359C4C-DACB-0444-B93C-24A10E0746A7}" type="slidenum">
               <a:rPr lang="it-IT" smtClean="0"/>
-              <a:t>6</a:t>
+              <a:t>5</a:t>
             </a:fld>
             <a:endParaRPr lang="it-IT"/>
           </a:p>
@@ -785,7 +800,7 @@
           <a:p>
             <a:fld id="{F7780F00-E3F4-264D-8668-8D6905897A40}" type="datetimeFigureOut">
               <a:rPr lang="it-IT" smtClean="0"/>
-              <a:t>02/10/25</a:t>
+              <a:t>22/10/25</a:t>
             </a:fld>
             <a:endParaRPr lang="it-IT"/>
           </a:p>
@@ -983,7 +998,7 @@
           <a:p>
             <a:fld id="{F7780F00-E3F4-264D-8668-8D6905897A40}" type="datetimeFigureOut">
               <a:rPr lang="it-IT" smtClean="0"/>
-              <a:t>02/10/25</a:t>
+              <a:t>22/10/25</a:t>
             </a:fld>
             <a:endParaRPr lang="it-IT"/>
           </a:p>
@@ -1191,7 +1206,7 @@
           <a:p>
             <a:fld id="{F7780F00-E3F4-264D-8668-8D6905897A40}" type="datetimeFigureOut">
               <a:rPr lang="it-IT" smtClean="0"/>
-              <a:t>02/10/25</a:t>
+              <a:t>22/10/25</a:t>
             </a:fld>
             <a:endParaRPr lang="it-IT"/>
           </a:p>
@@ -1389,7 +1404,7 @@
           <a:p>
             <a:fld id="{F7780F00-E3F4-264D-8668-8D6905897A40}" type="datetimeFigureOut">
               <a:rPr lang="it-IT" smtClean="0"/>
-              <a:t>02/10/25</a:t>
+              <a:t>22/10/25</a:t>
             </a:fld>
             <a:endParaRPr lang="it-IT"/>
           </a:p>
@@ -1664,7 +1679,7 @@
           <a:p>
             <a:fld id="{F7780F00-E3F4-264D-8668-8D6905897A40}" type="datetimeFigureOut">
               <a:rPr lang="it-IT" smtClean="0"/>
-              <a:t>02/10/25</a:t>
+              <a:t>22/10/25</a:t>
             </a:fld>
             <a:endParaRPr lang="it-IT"/>
           </a:p>
@@ -1929,7 +1944,7 @@
           <a:p>
             <a:fld id="{F7780F00-E3F4-264D-8668-8D6905897A40}" type="datetimeFigureOut">
               <a:rPr lang="it-IT" smtClean="0"/>
-              <a:t>02/10/25</a:t>
+              <a:t>22/10/25</a:t>
             </a:fld>
             <a:endParaRPr lang="it-IT"/>
           </a:p>
@@ -2341,7 +2356,7 @@
           <a:p>
             <a:fld id="{F7780F00-E3F4-264D-8668-8D6905897A40}" type="datetimeFigureOut">
               <a:rPr lang="it-IT" smtClean="0"/>
-              <a:t>02/10/25</a:t>
+              <a:t>22/10/25</a:t>
             </a:fld>
             <a:endParaRPr lang="it-IT"/>
           </a:p>
@@ -2482,7 +2497,7 @@
           <a:p>
             <a:fld id="{F7780F00-E3F4-264D-8668-8D6905897A40}" type="datetimeFigureOut">
               <a:rPr lang="it-IT" smtClean="0"/>
-              <a:t>02/10/25</a:t>
+              <a:t>22/10/25</a:t>
             </a:fld>
             <a:endParaRPr lang="it-IT"/>
           </a:p>
@@ -2595,7 +2610,7 @@
           <a:p>
             <a:fld id="{F7780F00-E3F4-264D-8668-8D6905897A40}" type="datetimeFigureOut">
               <a:rPr lang="it-IT" smtClean="0"/>
-              <a:t>02/10/25</a:t>
+              <a:t>22/10/25</a:t>
             </a:fld>
             <a:endParaRPr lang="it-IT"/>
           </a:p>
@@ -2906,7 +2921,7 @@
           <a:p>
             <a:fld id="{F7780F00-E3F4-264D-8668-8D6905897A40}" type="datetimeFigureOut">
               <a:rPr lang="it-IT" smtClean="0"/>
-              <a:t>02/10/25</a:t>
+              <a:t>22/10/25</a:t>
             </a:fld>
             <a:endParaRPr lang="it-IT"/>
           </a:p>
@@ -3194,7 +3209,7 @@
           <a:p>
             <a:fld id="{F7780F00-E3F4-264D-8668-8D6905897A40}" type="datetimeFigureOut">
               <a:rPr lang="it-IT" smtClean="0"/>
-              <a:t>02/10/25</a:t>
+              <a:t>22/10/25</a:t>
             </a:fld>
             <a:endParaRPr lang="it-IT"/>
           </a:p>
@@ -3435,7 +3450,7 @@
           <a:p>
             <a:fld id="{F7780F00-E3F4-264D-8668-8D6905897A40}" type="datetimeFigureOut">
               <a:rPr lang="it-IT" smtClean="0"/>
-              <a:t>02/10/25</a:t>
+              <a:t>22/10/25</a:t>
             </a:fld>
             <a:endParaRPr lang="it-IT"/>
           </a:p>
@@ -5056,813 +5071,6 @@
         <p:cNvPr id="1" name="">
           <a:extLst>
             <a:ext uri="{FF2B5EF4-FFF2-40B4-BE49-F238E27FC236}">
-              <a16:creationId xmlns:a16="http://schemas.microsoft.com/office/drawing/2014/main" id="{E992FA9F-0FDC-1AE0-B492-9FD6FFB44162}"/>
-            </a:ext>
-          </a:extLst>
-        </p:cNvPr>
-        <p:cNvGrpSpPr/>
-        <p:nvPr/>
-      </p:nvGrpSpPr>
-      <p:grpSpPr>
-        <a:xfrm>
-          <a:off x="0" y="0"/>
-          <a:ext cx="0" cy="0"/>
-          <a:chOff x="0" y="0"/>
-          <a:chExt cx="0" cy="0"/>
-        </a:xfrm>
-      </p:grpSpPr>
-      <p:pic>
-        <p:nvPicPr>
-          <p:cNvPr id="3" name="Immagine 2">
-            <a:extLst>
-              <a:ext uri="{FF2B5EF4-FFF2-40B4-BE49-F238E27FC236}">
-                <a16:creationId xmlns:a16="http://schemas.microsoft.com/office/drawing/2014/main" id="{AA37F4CF-9443-B945-E0EF-DC27563EB980}"/>
-              </a:ext>
-            </a:extLst>
-          </p:cNvPr>
-          <p:cNvPicPr>
-            <a:picLocks noChangeAspect="1"/>
-          </p:cNvPicPr>
-          <p:nvPr/>
-        </p:nvPicPr>
-        <p:blipFill>
-          <a:blip r:embed="rId2"/>
-          <a:stretch>
-            <a:fillRect/>
-          </a:stretch>
-        </p:blipFill>
-        <p:spPr>
-          <a:xfrm>
-            <a:off x="4882725" y="3770985"/>
-            <a:ext cx="1316027" cy="1316027"/>
-          </a:xfrm>
-          <a:prstGeom prst="rect">
-            <a:avLst/>
-          </a:prstGeom>
-        </p:spPr>
-      </p:pic>
-      <p:sp>
-        <p:nvSpPr>
-          <p:cNvPr id="4" name="CasellaDiTesto 3">
-            <a:extLst>
-              <a:ext uri="{FF2B5EF4-FFF2-40B4-BE49-F238E27FC236}">
-                <a16:creationId xmlns:a16="http://schemas.microsoft.com/office/drawing/2014/main" id="{AFC1278D-F051-68FD-4D7F-7DE84B374E71}"/>
-              </a:ext>
-            </a:extLst>
-          </p:cNvPr>
-          <p:cNvSpPr txBox="1"/>
-          <p:nvPr/>
-        </p:nvSpPr>
-        <p:spPr>
-          <a:xfrm>
-            <a:off x="4827677" y="5211350"/>
-            <a:ext cx="1419843" cy="584775"/>
-          </a:xfrm>
-          <a:prstGeom prst="rect">
-            <a:avLst/>
-          </a:prstGeom>
-          <a:noFill/>
-        </p:spPr>
-        <p:txBody>
-          <a:bodyPr wrap="square" rtlCol="0">
-            <a:spAutoFit/>
-          </a:bodyPr>
-          <a:lstStyle/>
-          <a:p>
-            <a:pPr algn="ctr"/>
-            <a:r>
-              <a:rPr lang="it-IT" sz="1600" b="1" dirty="0">
-                <a:latin typeface="Helvetica" pitchFamily="2" charset="0"/>
-                <a:ea typeface="CMU SERIF ROMAN" panose="02000603000000000000" pitchFamily="2" charset="0"/>
-                <a:cs typeface="CMU SERIF ROMAN" panose="02000603000000000000" pitchFamily="2" charset="0"/>
-              </a:rPr>
-              <a:t>AI Agent</a:t>
-            </a:r>
-          </a:p>
-          <a:p>
-            <a:pPr algn="ctr"/>
-            <a:r>
-              <a:rPr lang="it-IT" sz="1600" b="1" dirty="0">
-                <a:latin typeface="Helvetica" pitchFamily="2" charset="0"/>
-                <a:ea typeface="CMU SERIF ROMAN" panose="02000603000000000000" pitchFamily="2" charset="0"/>
-                <a:cs typeface="CMU SERIF ROMAN" panose="02000603000000000000" pitchFamily="2" charset="0"/>
-              </a:rPr>
-              <a:t>(Manager)</a:t>
-            </a:r>
-          </a:p>
-        </p:txBody>
-      </p:sp>
-      <p:pic>
-        <p:nvPicPr>
-          <p:cNvPr id="21" name="Immagine 20">
-            <a:extLst>
-              <a:ext uri="{FF2B5EF4-FFF2-40B4-BE49-F238E27FC236}">
-                <a16:creationId xmlns:a16="http://schemas.microsoft.com/office/drawing/2014/main" id="{E4FD1B60-44CA-7087-6865-60246BD94958}"/>
-              </a:ext>
-            </a:extLst>
-          </p:cNvPr>
-          <p:cNvPicPr>
-            <a:picLocks noChangeAspect="1"/>
-          </p:cNvPicPr>
-          <p:nvPr/>
-        </p:nvPicPr>
-        <p:blipFill>
-          <a:blip r:embed="rId3"/>
-          <a:srcRect l="61633" t="27703" r="12779" b="29729"/>
-          <a:stretch>
-            <a:fillRect/>
-          </a:stretch>
-        </p:blipFill>
-        <p:spPr>
-          <a:xfrm>
-            <a:off x="6293242" y="4138723"/>
-            <a:ext cx="1402080" cy="877824"/>
-          </a:xfrm>
-          <a:prstGeom prst="rect">
-            <a:avLst/>
-          </a:prstGeom>
-        </p:spPr>
-      </p:pic>
-      <p:pic>
-        <p:nvPicPr>
-          <p:cNvPr id="35" name="Immagine 34">
-            <a:extLst>
-              <a:ext uri="{FF2B5EF4-FFF2-40B4-BE49-F238E27FC236}">
-                <a16:creationId xmlns:a16="http://schemas.microsoft.com/office/drawing/2014/main" id="{F3EAE699-E810-3933-2A1B-1C125DB25C40}"/>
-              </a:ext>
-            </a:extLst>
-          </p:cNvPr>
-          <p:cNvPicPr>
-            <a:picLocks noChangeAspect="1"/>
-          </p:cNvPicPr>
-          <p:nvPr/>
-        </p:nvPicPr>
-        <p:blipFill>
-          <a:blip r:embed="rId4"/>
-          <a:srcRect l="8221" t="6241" r="5899"/>
-          <a:stretch>
-            <a:fillRect/>
-          </a:stretch>
-        </p:blipFill>
-        <p:spPr>
-          <a:xfrm>
-            <a:off x="9680570" y="3801323"/>
-            <a:ext cx="1727569" cy="1293159"/>
-          </a:xfrm>
-          <a:prstGeom prst="rect">
-            <a:avLst/>
-          </a:prstGeom>
-        </p:spPr>
-      </p:pic>
-      <p:sp>
-        <p:nvSpPr>
-          <p:cNvPr id="36" name="CasellaDiTesto 35">
-            <a:extLst>
-              <a:ext uri="{FF2B5EF4-FFF2-40B4-BE49-F238E27FC236}">
-                <a16:creationId xmlns:a16="http://schemas.microsoft.com/office/drawing/2014/main" id="{F40CF01C-F07D-37EF-C99D-873127AD196F}"/>
-              </a:ext>
-            </a:extLst>
-          </p:cNvPr>
-          <p:cNvSpPr txBox="1"/>
-          <p:nvPr/>
-        </p:nvSpPr>
-        <p:spPr>
-          <a:xfrm>
-            <a:off x="9847879" y="5211350"/>
-            <a:ext cx="1419843" cy="338554"/>
-          </a:xfrm>
-          <a:prstGeom prst="rect">
-            <a:avLst/>
-          </a:prstGeom>
-          <a:noFill/>
-        </p:spPr>
-        <p:txBody>
-          <a:bodyPr wrap="square" rtlCol="0">
-            <a:spAutoFit/>
-          </a:bodyPr>
-          <a:lstStyle/>
-          <a:p>
-            <a:pPr algn="ctr"/>
-            <a:r>
-              <a:rPr lang="it-IT" sz="1600" b="1" dirty="0">
-                <a:latin typeface="Helvetica" pitchFamily="2" charset="0"/>
-                <a:ea typeface="CMU SERIF ROMAN" panose="02000603000000000000" pitchFamily="2" charset="0"/>
-                <a:cs typeface="CMU SERIF ROMAN" panose="02000603000000000000" pitchFamily="2" charset="0"/>
-              </a:rPr>
-              <a:t>Tool</a:t>
-            </a:r>
-          </a:p>
-        </p:txBody>
-      </p:sp>
-      <p:pic>
-        <p:nvPicPr>
-          <p:cNvPr id="37" name="Immagine 36">
-            <a:extLst>
-              <a:ext uri="{FF2B5EF4-FFF2-40B4-BE49-F238E27FC236}">
-                <a16:creationId xmlns:a16="http://schemas.microsoft.com/office/drawing/2014/main" id="{53ADC585-3C06-778E-037F-B81659849723}"/>
-              </a:ext>
-            </a:extLst>
-          </p:cNvPr>
-          <p:cNvPicPr>
-            <a:picLocks noChangeAspect="1"/>
-          </p:cNvPicPr>
-          <p:nvPr/>
-        </p:nvPicPr>
-        <p:blipFill>
-          <a:blip r:embed="rId5">
-            <a:extLst>
-              <a:ext uri="{BEBA8EAE-BF5A-486C-A8C5-ECC9F3942E4B}">
-                <a14:imgProps xmlns:a14="http://schemas.microsoft.com/office/drawing/2010/main">
-                  <a14:imgLayer r:embed="rId6">
-                    <a14:imgEffect>
-                      <a14:colorTemperature colorTemp="11200"/>
-                    </a14:imgEffect>
-                  </a14:imgLayer>
-                </a14:imgProps>
-              </a:ext>
-            </a:extLst>
-          </a:blip>
-          <a:stretch>
-            <a:fillRect/>
-          </a:stretch>
-        </p:blipFill>
-        <p:spPr>
-          <a:xfrm>
-            <a:off x="7993537" y="4157596"/>
-            <a:ext cx="689310" cy="689310"/>
-          </a:xfrm>
-          <a:prstGeom prst="rect">
-            <a:avLst/>
-          </a:prstGeom>
-        </p:spPr>
-      </p:pic>
-      <p:sp>
-        <p:nvSpPr>
-          <p:cNvPr id="2" name="CasellaDiTesto 1">
-            <a:extLst>
-              <a:ext uri="{FF2B5EF4-FFF2-40B4-BE49-F238E27FC236}">
-                <a16:creationId xmlns:a16="http://schemas.microsoft.com/office/drawing/2014/main" id="{57C76C19-0494-5DBE-B3F2-2A758C08D4B8}"/>
-              </a:ext>
-            </a:extLst>
-          </p:cNvPr>
-          <p:cNvSpPr txBox="1"/>
-          <p:nvPr/>
-        </p:nvSpPr>
-        <p:spPr>
-          <a:xfrm>
-            <a:off x="7532345" y="4941163"/>
-            <a:ext cx="1634472" cy="523220"/>
-          </a:xfrm>
-          <a:prstGeom prst="rect">
-            <a:avLst/>
-          </a:prstGeom>
-          <a:noFill/>
-        </p:spPr>
-        <p:txBody>
-          <a:bodyPr wrap="square" rtlCol="0">
-            <a:spAutoFit/>
-          </a:bodyPr>
-          <a:lstStyle/>
-          <a:p>
-            <a:pPr algn="ctr"/>
-            <a:r>
-              <a:rPr lang="it-IT" sz="1400" b="1" dirty="0">
-                <a:latin typeface="Helvetica" pitchFamily="2" charset="0"/>
-                <a:ea typeface="CMU SERIF ROMAN" panose="02000603000000000000" pitchFamily="2" charset="0"/>
-                <a:cs typeface="CMU SERIF ROMAN" panose="02000603000000000000" pitchFamily="2" charset="0"/>
-              </a:rPr>
-              <a:t>Configuration</a:t>
-            </a:r>
-          </a:p>
-          <a:p>
-            <a:pPr algn="ctr"/>
-            <a:r>
-              <a:rPr lang="it-IT" sz="1400" b="1" dirty="0">
-                <a:latin typeface="Helvetica" pitchFamily="2" charset="0"/>
-                <a:ea typeface="CMU SERIF ROMAN" panose="02000603000000000000" pitchFamily="2" charset="0"/>
-                <a:cs typeface="CMU SERIF ROMAN" panose="02000603000000000000" pitchFamily="2" charset="0"/>
-              </a:rPr>
-              <a:t>File</a:t>
-            </a:r>
-          </a:p>
-        </p:txBody>
-      </p:sp>
-      <p:pic>
-        <p:nvPicPr>
-          <p:cNvPr id="5" name="Immagine 4">
-            <a:extLst>
-              <a:ext uri="{FF2B5EF4-FFF2-40B4-BE49-F238E27FC236}">
-                <a16:creationId xmlns:a16="http://schemas.microsoft.com/office/drawing/2014/main" id="{9012B6A5-E460-7CF5-9685-EB09F03173B2}"/>
-              </a:ext>
-            </a:extLst>
-          </p:cNvPr>
-          <p:cNvPicPr>
-            <a:picLocks noChangeAspect="1"/>
-          </p:cNvPicPr>
-          <p:nvPr/>
-        </p:nvPicPr>
-        <p:blipFill>
-          <a:blip r:embed="rId3"/>
-          <a:srcRect l="30187" t="13014" r="61844" b="16316"/>
-          <a:stretch>
-            <a:fillRect/>
-          </a:stretch>
-        </p:blipFill>
-        <p:spPr>
-          <a:xfrm>
-            <a:off x="4107426" y="3130557"/>
-            <a:ext cx="831171" cy="2773977"/>
-          </a:xfrm>
-          <a:prstGeom prst="rect">
-            <a:avLst/>
-          </a:prstGeom>
-        </p:spPr>
-      </p:pic>
-      <p:cxnSp>
-        <p:nvCxnSpPr>
-          <p:cNvPr id="6" name="Connettore 1 5">
-            <a:extLst>
-              <a:ext uri="{FF2B5EF4-FFF2-40B4-BE49-F238E27FC236}">
-                <a16:creationId xmlns:a16="http://schemas.microsoft.com/office/drawing/2014/main" id="{3660A2B1-9A3A-D72E-F60C-1E68C30072DD}"/>
-              </a:ext>
-            </a:extLst>
-          </p:cNvPr>
-          <p:cNvCxnSpPr>
-            <a:cxnSpLocks/>
-          </p:cNvCxnSpPr>
-          <p:nvPr/>
-        </p:nvCxnSpPr>
-        <p:spPr>
-          <a:xfrm>
-            <a:off x="8818724" y="4564188"/>
-            <a:ext cx="681062" cy="0"/>
-          </a:xfrm>
-          <a:prstGeom prst="line">
-            <a:avLst/>
-          </a:prstGeom>
-          <a:ln w="22225" cap="rnd">
-            <a:tailEnd type="stealth"/>
-          </a:ln>
-        </p:spPr>
-        <p:style>
-          <a:lnRef idx="1">
-            <a:schemeClr val="dk1"/>
-          </a:lnRef>
-          <a:fillRef idx="0">
-            <a:schemeClr val="dk1"/>
-          </a:fillRef>
-          <a:effectRef idx="0">
-            <a:schemeClr val="dk1"/>
-          </a:effectRef>
-          <a:fontRef idx="minor">
-            <a:schemeClr val="tx1"/>
-          </a:fontRef>
-        </p:style>
-      </p:cxnSp>
-      <p:sp>
-        <p:nvSpPr>
-          <p:cNvPr id="22" name="CasellaDiTesto 21">
-            <a:extLst>
-              <a:ext uri="{FF2B5EF4-FFF2-40B4-BE49-F238E27FC236}">
-                <a16:creationId xmlns:a16="http://schemas.microsoft.com/office/drawing/2014/main" id="{5BF94E36-91D8-7F98-238E-65EF00D5F4EA}"/>
-              </a:ext>
-            </a:extLst>
-          </p:cNvPr>
-          <p:cNvSpPr txBox="1"/>
-          <p:nvPr/>
-        </p:nvSpPr>
-        <p:spPr>
-          <a:xfrm>
-            <a:off x="563592" y="4233784"/>
-            <a:ext cx="1419843" cy="338554"/>
-          </a:xfrm>
-          <a:prstGeom prst="rect">
-            <a:avLst/>
-          </a:prstGeom>
-          <a:noFill/>
-        </p:spPr>
-        <p:txBody>
-          <a:bodyPr wrap="square" rtlCol="0">
-            <a:spAutoFit/>
-          </a:bodyPr>
-          <a:lstStyle/>
-          <a:p>
-            <a:pPr algn="ctr"/>
-            <a:r>
-              <a:rPr lang="it-IT" sz="1600" b="1" dirty="0">
-                <a:latin typeface="Helvetica" pitchFamily="2" charset="0"/>
-                <a:ea typeface="CMU SERIF ROMAN" panose="02000603000000000000" pitchFamily="2" charset="0"/>
-                <a:cs typeface="CMU SERIF ROMAN" panose="02000603000000000000" pitchFamily="2" charset="0"/>
-              </a:rPr>
-              <a:t>AI Agent</a:t>
-            </a:r>
-          </a:p>
-        </p:txBody>
-      </p:sp>
-      <p:pic>
-        <p:nvPicPr>
-          <p:cNvPr id="23" name="Immagine 22">
-            <a:extLst>
-              <a:ext uri="{FF2B5EF4-FFF2-40B4-BE49-F238E27FC236}">
-                <a16:creationId xmlns:a16="http://schemas.microsoft.com/office/drawing/2014/main" id="{B81BFABC-1AAF-2650-E495-38D98694D0F2}"/>
-              </a:ext>
-            </a:extLst>
-          </p:cNvPr>
-          <p:cNvPicPr>
-            <a:picLocks noChangeAspect="1"/>
-          </p:cNvPicPr>
-          <p:nvPr/>
-        </p:nvPicPr>
-        <p:blipFill>
-          <a:blip r:embed="rId7"/>
-          <a:stretch>
-            <a:fillRect/>
-          </a:stretch>
-        </p:blipFill>
-        <p:spPr>
-          <a:xfrm>
-            <a:off x="753462" y="3193682"/>
-            <a:ext cx="1040102" cy="1040102"/>
-          </a:xfrm>
-          <a:prstGeom prst="rect">
-            <a:avLst/>
-          </a:prstGeom>
-        </p:spPr>
-      </p:pic>
-      <p:sp>
-        <p:nvSpPr>
-          <p:cNvPr id="24" name="CasellaDiTesto 23">
-            <a:extLst>
-              <a:ext uri="{FF2B5EF4-FFF2-40B4-BE49-F238E27FC236}">
-                <a16:creationId xmlns:a16="http://schemas.microsoft.com/office/drawing/2014/main" id="{165CAC24-EA44-EC7C-4DBB-3CCE1A41335E}"/>
-              </a:ext>
-            </a:extLst>
-          </p:cNvPr>
-          <p:cNvSpPr txBox="1"/>
-          <p:nvPr/>
-        </p:nvSpPr>
-        <p:spPr>
-          <a:xfrm>
-            <a:off x="2623992" y="4233784"/>
-            <a:ext cx="1419843" cy="338554"/>
-          </a:xfrm>
-          <a:prstGeom prst="rect">
-            <a:avLst/>
-          </a:prstGeom>
-          <a:noFill/>
-        </p:spPr>
-        <p:txBody>
-          <a:bodyPr wrap="square" rtlCol="0">
-            <a:spAutoFit/>
-          </a:bodyPr>
-          <a:lstStyle/>
-          <a:p>
-            <a:pPr algn="ctr"/>
-            <a:r>
-              <a:rPr lang="it-IT" sz="1600" b="1" dirty="0">
-                <a:latin typeface="Helvetica" pitchFamily="2" charset="0"/>
-                <a:ea typeface="CMU SERIF ROMAN" panose="02000603000000000000" pitchFamily="2" charset="0"/>
-                <a:cs typeface="CMU SERIF ROMAN" panose="02000603000000000000" pitchFamily="2" charset="0"/>
-              </a:rPr>
-              <a:t>AI Agent</a:t>
-            </a:r>
-          </a:p>
-        </p:txBody>
-      </p:sp>
-      <p:pic>
-        <p:nvPicPr>
-          <p:cNvPr id="25" name="Immagine 24">
-            <a:extLst>
-              <a:ext uri="{FF2B5EF4-FFF2-40B4-BE49-F238E27FC236}">
-                <a16:creationId xmlns:a16="http://schemas.microsoft.com/office/drawing/2014/main" id="{847AFD86-414C-9372-8C1B-27EF1CE35063}"/>
-              </a:ext>
-            </a:extLst>
-          </p:cNvPr>
-          <p:cNvPicPr>
-            <a:picLocks noChangeAspect="1"/>
-          </p:cNvPicPr>
-          <p:nvPr/>
-        </p:nvPicPr>
-        <p:blipFill>
-          <a:blip r:embed="rId7"/>
-          <a:stretch>
-            <a:fillRect/>
-          </a:stretch>
-        </p:blipFill>
-        <p:spPr>
-          <a:xfrm>
-            <a:off x="2813862" y="3193682"/>
-            <a:ext cx="1040102" cy="1040102"/>
-          </a:xfrm>
-          <a:prstGeom prst="rect">
-            <a:avLst/>
-          </a:prstGeom>
-        </p:spPr>
-      </p:pic>
-      <p:sp>
-        <p:nvSpPr>
-          <p:cNvPr id="26" name="CasellaDiTesto 25">
-            <a:extLst>
-              <a:ext uri="{FF2B5EF4-FFF2-40B4-BE49-F238E27FC236}">
-                <a16:creationId xmlns:a16="http://schemas.microsoft.com/office/drawing/2014/main" id="{DABDD881-DD38-B191-3EB0-C5FD2FE839DA}"/>
-              </a:ext>
-            </a:extLst>
-          </p:cNvPr>
-          <p:cNvSpPr txBox="1"/>
-          <p:nvPr/>
-        </p:nvSpPr>
-        <p:spPr>
-          <a:xfrm>
-            <a:off x="1593792" y="5618001"/>
-            <a:ext cx="1419843" cy="338554"/>
-          </a:xfrm>
-          <a:prstGeom prst="rect">
-            <a:avLst/>
-          </a:prstGeom>
-          <a:noFill/>
-        </p:spPr>
-        <p:txBody>
-          <a:bodyPr wrap="square" rtlCol="0">
-            <a:spAutoFit/>
-          </a:bodyPr>
-          <a:lstStyle/>
-          <a:p>
-            <a:pPr algn="ctr"/>
-            <a:r>
-              <a:rPr lang="it-IT" sz="1600" b="1" dirty="0">
-                <a:latin typeface="Helvetica" pitchFamily="2" charset="0"/>
-                <a:ea typeface="CMU SERIF ROMAN" panose="02000603000000000000" pitchFamily="2" charset="0"/>
-                <a:cs typeface="CMU SERIF ROMAN" panose="02000603000000000000" pitchFamily="2" charset="0"/>
-              </a:rPr>
-              <a:t>AI Agent</a:t>
-            </a:r>
-          </a:p>
-        </p:txBody>
-      </p:sp>
-      <p:pic>
-        <p:nvPicPr>
-          <p:cNvPr id="27" name="Immagine 26">
-            <a:extLst>
-              <a:ext uri="{FF2B5EF4-FFF2-40B4-BE49-F238E27FC236}">
-                <a16:creationId xmlns:a16="http://schemas.microsoft.com/office/drawing/2014/main" id="{98004B21-55D5-AA87-80B8-4BE530D31555}"/>
-              </a:ext>
-            </a:extLst>
-          </p:cNvPr>
-          <p:cNvPicPr>
-            <a:picLocks noChangeAspect="1"/>
-          </p:cNvPicPr>
-          <p:nvPr/>
-        </p:nvPicPr>
-        <p:blipFill>
-          <a:blip r:embed="rId7"/>
-          <a:stretch>
-            <a:fillRect/>
-          </a:stretch>
-        </p:blipFill>
-        <p:spPr>
-          <a:xfrm>
-            <a:off x="1783662" y="4577899"/>
-            <a:ext cx="1040102" cy="1040102"/>
-          </a:xfrm>
-          <a:prstGeom prst="rect">
-            <a:avLst/>
-          </a:prstGeom>
-        </p:spPr>
-      </p:pic>
-      <p:pic>
-        <p:nvPicPr>
-          <p:cNvPr id="31" name="Immagine 30">
-            <a:extLst>
-              <a:ext uri="{FF2B5EF4-FFF2-40B4-BE49-F238E27FC236}">
-                <a16:creationId xmlns:a16="http://schemas.microsoft.com/office/drawing/2014/main" id="{6C8B7181-C0E5-FD10-F0B0-870347892539}"/>
-              </a:ext>
-            </a:extLst>
-          </p:cNvPr>
-          <p:cNvPicPr>
-            <a:picLocks noChangeAspect="1"/>
-          </p:cNvPicPr>
-          <p:nvPr/>
-        </p:nvPicPr>
-        <p:blipFill>
-          <a:blip r:embed="rId8"/>
-          <a:stretch>
-            <a:fillRect/>
-          </a:stretch>
-        </p:blipFill>
-        <p:spPr>
-          <a:xfrm>
-            <a:off x="3744226" y="1112440"/>
-            <a:ext cx="1047279" cy="1047279"/>
-          </a:xfrm>
-          <a:prstGeom prst="rect">
-            <a:avLst/>
-          </a:prstGeom>
-        </p:spPr>
-      </p:pic>
-      <p:pic>
-        <p:nvPicPr>
-          <p:cNvPr id="32" name="Immagine 31">
-            <a:extLst>
-              <a:ext uri="{FF2B5EF4-FFF2-40B4-BE49-F238E27FC236}">
-                <a16:creationId xmlns:a16="http://schemas.microsoft.com/office/drawing/2014/main" id="{442059E8-1E64-39B1-9DC0-EC509ADD5397}"/>
-              </a:ext>
-            </a:extLst>
-          </p:cNvPr>
-          <p:cNvPicPr>
-            <a:picLocks noChangeAspect="1"/>
-          </p:cNvPicPr>
-          <p:nvPr/>
-        </p:nvPicPr>
-        <p:blipFill>
-          <a:blip r:embed="rId9"/>
-          <a:stretch>
-            <a:fillRect/>
-          </a:stretch>
-        </p:blipFill>
-        <p:spPr>
-          <a:xfrm>
-            <a:off x="6479854" y="1301479"/>
-            <a:ext cx="814661" cy="814661"/>
-          </a:xfrm>
-          <a:prstGeom prst="rect">
-            <a:avLst/>
-          </a:prstGeom>
-        </p:spPr>
-      </p:pic>
-      <p:sp>
-        <p:nvSpPr>
-          <p:cNvPr id="33" name="CasellaDiTesto 32">
-            <a:extLst>
-              <a:ext uri="{FF2B5EF4-FFF2-40B4-BE49-F238E27FC236}">
-                <a16:creationId xmlns:a16="http://schemas.microsoft.com/office/drawing/2014/main" id="{5EC7628A-6142-6657-558B-2ADB493FB7AB}"/>
-              </a:ext>
-            </a:extLst>
-          </p:cNvPr>
-          <p:cNvSpPr txBox="1"/>
-          <p:nvPr/>
-        </p:nvSpPr>
-        <p:spPr>
-          <a:xfrm>
-            <a:off x="3557943" y="2159719"/>
-            <a:ext cx="1419843" cy="584775"/>
-          </a:xfrm>
-          <a:prstGeom prst="rect">
-            <a:avLst/>
-          </a:prstGeom>
-          <a:noFill/>
-        </p:spPr>
-        <p:txBody>
-          <a:bodyPr wrap="square" rtlCol="0">
-            <a:spAutoFit/>
-          </a:bodyPr>
-          <a:lstStyle/>
-          <a:p>
-            <a:pPr algn="ctr"/>
-            <a:r>
-              <a:rPr lang="it-IT" sz="1600" b="1" dirty="0">
-                <a:latin typeface="Helvetica" pitchFamily="2" charset="0"/>
-                <a:ea typeface="CMU SERIF ROMAN" panose="02000603000000000000" pitchFamily="2" charset="0"/>
-                <a:cs typeface="CMU SERIF ROMAN" panose="02000603000000000000" pitchFamily="2" charset="0"/>
-              </a:rPr>
-              <a:t>Reasoning Model</a:t>
-            </a:r>
-          </a:p>
-        </p:txBody>
-      </p:sp>
-      <p:sp>
-        <p:nvSpPr>
-          <p:cNvPr id="34" name="CasellaDiTesto 33">
-            <a:extLst>
-              <a:ext uri="{FF2B5EF4-FFF2-40B4-BE49-F238E27FC236}">
-                <a16:creationId xmlns:a16="http://schemas.microsoft.com/office/drawing/2014/main" id="{BE050C21-3026-42E4-65A4-D3D42EC86DDE}"/>
-              </a:ext>
-            </a:extLst>
-          </p:cNvPr>
-          <p:cNvSpPr txBox="1"/>
-          <p:nvPr/>
-        </p:nvSpPr>
-        <p:spPr>
-          <a:xfrm>
-            <a:off x="5903541" y="2154637"/>
-            <a:ext cx="1830970" cy="584775"/>
-          </a:xfrm>
-          <a:prstGeom prst="rect">
-            <a:avLst/>
-          </a:prstGeom>
-          <a:noFill/>
-        </p:spPr>
-        <p:txBody>
-          <a:bodyPr wrap="square" rtlCol="0">
-            <a:spAutoFit/>
-          </a:bodyPr>
-          <a:lstStyle/>
-          <a:p>
-            <a:pPr algn="ctr"/>
-            <a:r>
-              <a:rPr lang="it-IT" sz="1600" b="1" dirty="0">
-                <a:latin typeface="Helvetica" pitchFamily="2" charset="0"/>
-                <a:ea typeface="CMU SERIF ROMAN" panose="02000603000000000000" pitchFamily="2" charset="0"/>
-                <a:cs typeface="CMU SERIF ROMAN" panose="02000603000000000000" pitchFamily="2" charset="0"/>
-              </a:rPr>
-              <a:t>Instructions &amp;</a:t>
-            </a:r>
-          </a:p>
-          <a:p>
-            <a:pPr algn="ctr"/>
-            <a:r>
-              <a:rPr lang="it-IT" sz="1600" b="1" dirty="0">
-                <a:latin typeface="Helvetica" pitchFamily="2" charset="0"/>
-                <a:ea typeface="CMU SERIF ROMAN" panose="02000603000000000000" pitchFamily="2" charset="0"/>
-                <a:cs typeface="CMU SERIF ROMAN" panose="02000603000000000000" pitchFamily="2" charset="0"/>
-              </a:rPr>
-              <a:t>Guardrails</a:t>
-            </a:r>
-          </a:p>
-        </p:txBody>
-      </p:sp>
-      <p:pic>
-        <p:nvPicPr>
-          <p:cNvPr id="41" name="Immagine 40">
-            <a:extLst>
-              <a:ext uri="{FF2B5EF4-FFF2-40B4-BE49-F238E27FC236}">
-                <a16:creationId xmlns:a16="http://schemas.microsoft.com/office/drawing/2014/main" id="{35B9BFD1-F4B5-5DB5-5473-6E5A0996F7A5}"/>
-              </a:ext>
-            </a:extLst>
-          </p:cNvPr>
-          <p:cNvPicPr>
-            <a:picLocks noChangeAspect="1"/>
-          </p:cNvPicPr>
-          <p:nvPr/>
-        </p:nvPicPr>
-        <p:blipFill>
-          <a:blip r:embed="rId3"/>
-          <a:srcRect l="23135" t="13014" r="73619" b="16316"/>
-          <a:stretch>
-            <a:fillRect/>
-          </a:stretch>
-        </p:blipFill>
-        <p:spPr>
-          <a:xfrm rot="5400000">
-            <a:off x="5393503" y="1554296"/>
-            <a:ext cx="338555" cy="2773977"/>
-          </a:xfrm>
-          <a:prstGeom prst="rect">
-            <a:avLst/>
-          </a:prstGeom>
-        </p:spPr>
-      </p:pic>
-      <p:pic>
-        <p:nvPicPr>
-          <p:cNvPr id="42" name="Immagine 41">
-            <a:extLst>
-              <a:ext uri="{FF2B5EF4-FFF2-40B4-BE49-F238E27FC236}">
-                <a16:creationId xmlns:a16="http://schemas.microsoft.com/office/drawing/2014/main" id="{2526E4D4-98E4-A53F-0607-51D49C42D4AC}"/>
-              </a:ext>
-            </a:extLst>
-          </p:cNvPr>
-          <p:cNvPicPr>
-            <a:picLocks noChangeAspect="1"/>
-          </p:cNvPicPr>
-          <p:nvPr/>
-        </p:nvPicPr>
-        <p:blipFill>
-          <a:blip r:embed="rId3"/>
-          <a:srcRect l="32394" t="13014" r="61844" b="16316"/>
-          <a:stretch>
-            <a:fillRect/>
-          </a:stretch>
-        </p:blipFill>
-        <p:spPr>
-          <a:xfrm rot="5400000">
-            <a:off x="5260958" y="1906501"/>
-            <a:ext cx="600988" cy="2773977"/>
-          </a:xfrm>
-          <a:prstGeom prst="rect">
-            <a:avLst/>
-          </a:prstGeom>
-        </p:spPr>
-      </p:pic>
-    </p:spTree>
-    <p:extLst>
-      <p:ext uri="{BB962C8B-B14F-4D97-AF65-F5344CB8AC3E}">
-        <p14:creationId xmlns:p14="http://schemas.microsoft.com/office/powerpoint/2010/main" val="583202527"/>
-      </p:ext>
-    </p:extLst>
-  </p:cSld>
-  <p:clrMapOvr>
-    <a:masterClrMapping/>
-  </p:clrMapOvr>
-</p:sld>
-</file>
-
-<file path=ppt/slides/slide6.xml><?xml version="1.0" encoding="utf-8"?>
-<p:sld xmlns:a="http://schemas.openxmlformats.org/drawingml/2006/main" xmlns:r="http://schemas.openxmlformats.org/officeDocument/2006/relationships" xmlns:p="http://schemas.openxmlformats.org/presentationml/2006/main">
-  <p:cSld>
-    <p:spTree>
-      <p:nvGrpSpPr>
-        <p:cNvPr id="1" name="">
-          <a:extLst>
-            <a:ext uri="{FF2B5EF4-FFF2-40B4-BE49-F238E27FC236}">
               <a16:creationId xmlns:a16="http://schemas.microsoft.com/office/drawing/2014/main" id="{A340B34C-1078-6914-2EA2-8655AB41E4BA}"/>
             </a:ext>
           </a:extLst>
@@ -5909,37 +5117,6 @@
           </a:prstGeom>
         </p:spPr>
       </p:pic>
-      <p:pic>
-        <p:nvPicPr>
-          <p:cNvPr id="35" name="Immagine 34">
-            <a:extLst>
-              <a:ext uri="{FF2B5EF4-FFF2-40B4-BE49-F238E27FC236}">
-                <a16:creationId xmlns:a16="http://schemas.microsoft.com/office/drawing/2014/main" id="{00878C5B-FBFA-9289-CCF5-41176E91E9AC}"/>
-              </a:ext>
-            </a:extLst>
-          </p:cNvPr>
-          <p:cNvPicPr>
-            <a:picLocks noChangeAspect="1"/>
-          </p:cNvPicPr>
-          <p:nvPr/>
-        </p:nvPicPr>
-        <p:blipFill>
-          <a:blip r:embed="rId4"/>
-          <a:srcRect l="8221" t="6241" r="5899"/>
-          <a:stretch>
-            <a:fillRect/>
-          </a:stretch>
-        </p:blipFill>
-        <p:spPr>
-          <a:xfrm>
-            <a:off x="9680570" y="2782420"/>
-            <a:ext cx="1727569" cy="1293159"/>
-          </a:xfrm>
-          <a:prstGeom prst="rect">
-            <a:avLst/>
-          </a:prstGeom>
-        </p:spPr>
-      </p:pic>
       <p:sp>
         <p:nvSpPr>
           <p:cNvPr id="36" name="CasellaDiTesto 35">
@@ -5954,8 +5131,8 @@
         </p:nvSpPr>
         <p:spPr>
           <a:xfrm>
-            <a:off x="9847879" y="4192447"/>
-            <a:ext cx="1419843" cy="338554"/>
+            <a:off x="9512278" y="3903905"/>
+            <a:ext cx="1419843" cy="830997"/>
           </a:xfrm>
           <a:prstGeom prst="rect">
             <a:avLst/>
@@ -5970,12 +5147,20 @@
           <a:p>
             <a:pPr algn="ctr"/>
             <a:r>
+              <a:rPr lang="it-IT" sz="1600" b="1" dirty="0" err="1">
+                <a:latin typeface="Helvetica" pitchFamily="2" charset="0"/>
+                <a:ea typeface="CMU SERIF ROMAN" panose="02000603000000000000" pitchFamily="2" charset="0"/>
+                <a:cs typeface="CMU SERIF ROMAN" panose="02000603000000000000" pitchFamily="2" charset="0"/>
+              </a:rPr>
+              <a:t>Federated</a:t>
+            </a:r>
+            <a:r>
               <a:rPr lang="it-IT" sz="1600" b="1" dirty="0">
                 <a:latin typeface="Helvetica" pitchFamily="2" charset="0"/>
                 <a:ea typeface="CMU SERIF ROMAN" panose="02000603000000000000" pitchFamily="2" charset="0"/>
                 <a:cs typeface="CMU SERIF ROMAN" panose="02000603000000000000" pitchFamily="2" charset="0"/>
               </a:rPr>
-              <a:t>Tool</a:t>
+              <a:t> Learning Tool</a:t>
             </a:r>
           </a:p>
         </p:txBody>
@@ -5995,11 +5180,11 @@
           <p:nvPr/>
         </p:nvPicPr>
         <p:blipFill>
-          <a:blip r:embed="rId5">
+          <a:blip r:embed="rId4">
             <a:extLst>
               <a:ext uri="{BEBA8EAE-BF5A-486C-A8C5-ECC9F3942E4B}">
                 <a14:imgProps xmlns:a14="http://schemas.microsoft.com/office/drawing/2010/main">
-                  <a14:imgLayer r:embed="rId6">
+                  <a14:imgLayer r:embed="rId5">
                     <a14:imgEffect>
                       <a14:colorTemperature colorTemp="11200"/>
                     </a14:imgEffect>
@@ -6129,7 +5314,7 @@
           <p:nvPr/>
         </p:nvPicPr>
         <p:blipFill>
-          <a:blip r:embed="rId7"/>
+          <a:blip r:embed="rId6"/>
           <a:stretch>
             <a:fillRect/>
           </a:stretch>
@@ -6158,8 +5343,8 @@
         </p:nvSpPr>
         <p:spPr>
           <a:xfrm>
-            <a:off x="4876240" y="4121982"/>
-            <a:ext cx="1419843" cy="584775"/>
+            <a:off x="4815478" y="4116749"/>
+            <a:ext cx="1526279" cy="584775"/>
           </a:xfrm>
           <a:prstGeom prst="rect">
             <a:avLst/>
@@ -6190,7 +5375,7 @@
                 <a:ea typeface="CMU SERIF ROMAN" panose="02000603000000000000" pitchFamily="2" charset="0"/>
                 <a:cs typeface="CMU SERIF ROMAN" panose="02000603000000000000" pitchFamily="2" charset="0"/>
               </a:rPr>
-              <a:t>(Manager)</a:t>
+              <a:t>(Coordinator)</a:t>
             </a:r>
           </a:p>
         </p:txBody>
@@ -6363,7 +5548,7 @@
             <p:nvPr/>
           </p:nvPicPr>
           <p:blipFill>
-            <a:blip r:embed="rId8"/>
+            <a:blip r:embed="rId7"/>
             <a:stretch>
               <a:fillRect/>
             </a:stretch>
@@ -6393,7 +5578,7 @@
             <p:nvPr/>
           </p:nvPicPr>
           <p:blipFill>
-            <a:blip r:embed="rId9"/>
+            <a:blip r:embed="rId8"/>
             <a:stretch>
               <a:fillRect/>
             </a:stretch>
@@ -6514,7 +5699,7 @@
             <p:nvPr/>
           </p:nvPicPr>
           <p:blipFill>
-            <a:blip r:embed="rId10"/>
+            <a:blip r:embed="rId9"/>
             <a:stretch>
               <a:fillRect/>
             </a:stretch>
@@ -6728,7 +5913,7 @@
             <p:nvPr/>
           </p:nvPicPr>
           <p:blipFill>
-            <a:blip r:embed="rId11"/>
+            <a:blip r:embed="rId10"/>
             <a:srcRect l="12256" t="8455" r="13013" b="8033"/>
             <a:stretch>
               <a:fillRect/>
@@ -6790,7 +5975,7 @@
             <p:nvPr/>
           </p:nvPicPr>
           <p:blipFill>
-            <a:blip r:embed="rId12"/>
+            <a:blip r:embed="rId11"/>
             <a:stretch>
               <a:fillRect/>
             </a:stretch>
@@ -6972,7 +6157,7 @@
             <p:nvPr/>
           </p:nvPicPr>
           <p:blipFill>
-            <a:blip r:embed="rId8"/>
+            <a:blip r:embed="rId7"/>
             <a:stretch>
               <a:fillRect/>
             </a:stretch>
@@ -7002,7 +6187,7 @@
             <p:nvPr/>
           </p:nvPicPr>
           <p:blipFill>
-            <a:blip r:embed="rId9"/>
+            <a:blip r:embed="rId8"/>
             <a:stretch>
               <a:fillRect/>
             </a:stretch>
@@ -7123,7 +6308,7 @@
             <p:nvPr/>
           </p:nvPicPr>
           <p:blipFill>
-            <a:blip r:embed="rId10"/>
+            <a:blip r:embed="rId9"/>
             <a:stretch>
               <a:fillRect/>
             </a:stretch>
@@ -7337,7 +6522,7 @@
             <p:nvPr/>
           </p:nvPicPr>
           <p:blipFill>
-            <a:blip r:embed="rId11"/>
+            <a:blip r:embed="rId10"/>
             <a:srcRect l="12256" t="8455" r="13013" b="8033"/>
             <a:stretch>
               <a:fillRect/>
@@ -7399,7 +6584,7 @@
             <p:nvPr/>
           </p:nvPicPr>
           <p:blipFill>
-            <a:blip r:embed="rId12"/>
+            <a:blip r:embed="rId11"/>
             <a:stretch>
               <a:fillRect/>
             </a:stretch>
@@ -7515,6 +6700,36 @@
           </a:p>
         </p:txBody>
       </p:sp>
+      <p:pic>
+        <p:nvPicPr>
+          <p:cNvPr id="5" name="Immagine 4">
+            <a:extLst>
+              <a:ext uri="{FF2B5EF4-FFF2-40B4-BE49-F238E27FC236}">
+                <a16:creationId xmlns:a16="http://schemas.microsoft.com/office/drawing/2014/main" id="{E9A0FDE9-6A75-A025-387E-3271FCD75A33}"/>
+              </a:ext>
+            </a:extLst>
+          </p:cNvPr>
+          <p:cNvPicPr>
+            <a:picLocks noChangeAspect="1"/>
+          </p:cNvPicPr>
+          <p:nvPr/>
+        </p:nvPicPr>
+        <p:blipFill>
+          <a:blip r:embed="rId12"/>
+          <a:stretch>
+            <a:fillRect/>
+          </a:stretch>
+        </p:blipFill>
+        <p:spPr>
+          <a:xfrm>
+            <a:off x="9785079" y="3068038"/>
+            <a:ext cx="830620" cy="830620"/>
+          </a:xfrm>
+          <a:prstGeom prst="rect">
+            <a:avLst/>
+          </a:prstGeom>
+        </p:spPr>
+      </p:pic>
     </p:spTree>
     <p:extLst>
       <p:ext uri="{BB962C8B-B14F-4D97-AF65-F5344CB8AC3E}">
@@ -7528,7 +6743,7 @@
 </p:sld>
 </file>
 
-<file path=ppt/slides/slide7.xml><?xml version="1.0" encoding="utf-8"?>
+<file path=ppt/slides/slide6.xml><?xml version="1.0" encoding="utf-8"?>
 <p:sld xmlns:a="http://schemas.openxmlformats.org/drawingml/2006/main" xmlns:r="http://schemas.openxmlformats.org/officeDocument/2006/relationships" xmlns:p="http://schemas.openxmlformats.org/presentationml/2006/main">
   <p:cSld>
     <p:spTree>
@@ -8776,6 +7991,4562 @@
 </p:sld>
 </file>
 
+<file path=ppt/slides/slide7.xml><?xml version="1.0" encoding="utf-8"?>
+<p:sld xmlns:a="http://schemas.openxmlformats.org/drawingml/2006/main" xmlns:r="http://schemas.openxmlformats.org/officeDocument/2006/relationships" xmlns:p="http://schemas.openxmlformats.org/presentationml/2006/main">
+  <p:cSld>
+    <p:spTree>
+      <p:nvGrpSpPr>
+        <p:cNvPr id="1" name=""/>
+        <p:cNvGrpSpPr/>
+        <p:nvPr/>
+      </p:nvGrpSpPr>
+      <p:grpSpPr>
+        <a:xfrm>
+          <a:off x="0" y="0"/>
+          <a:ext cx="0" cy="0"/>
+          <a:chOff x="0" y="0"/>
+          <a:chExt cx="0" cy="0"/>
+        </a:xfrm>
+      </p:grpSpPr>
+      <p:pic>
+        <p:nvPicPr>
+          <p:cNvPr id="4" name="Immagine 3">
+            <a:extLst>
+              <a:ext uri="{FF2B5EF4-FFF2-40B4-BE49-F238E27FC236}">
+                <a16:creationId xmlns:a16="http://schemas.microsoft.com/office/drawing/2014/main" id="{9DF90C48-3011-FE95-A1E5-912AB7D41F3C}"/>
+              </a:ext>
+            </a:extLst>
+          </p:cNvPr>
+          <p:cNvPicPr>
+            <a:picLocks noChangeAspect="1"/>
+          </p:cNvPicPr>
+          <p:nvPr/>
+        </p:nvPicPr>
+        <p:blipFill>
+          <a:blip r:embed="rId2"/>
+          <a:stretch>
+            <a:fillRect/>
+          </a:stretch>
+        </p:blipFill>
+        <p:spPr>
+          <a:xfrm>
+            <a:off x="363934" y="948930"/>
+            <a:ext cx="539068" cy="539068"/>
+          </a:xfrm>
+          <a:prstGeom prst="rect">
+            <a:avLst/>
+          </a:prstGeom>
+        </p:spPr>
+      </p:pic>
+      <p:pic>
+        <p:nvPicPr>
+          <p:cNvPr id="8" name="Immagine 7">
+            <a:extLst>
+              <a:ext uri="{FF2B5EF4-FFF2-40B4-BE49-F238E27FC236}">
+                <a16:creationId xmlns:a16="http://schemas.microsoft.com/office/drawing/2014/main" id="{568F1FBD-FC12-97CF-B662-EE80945A7D92}"/>
+              </a:ext>
+            </a:extLst>
+          </p:cNvPr>
+          <p:cNvPicPr>
+            <a:picLocks noChangeAspect="1"/>
+          </p:cNvPicPr>
+          <p:nvPr/>
+        </p:nvPicPr>
+        <p:blipFill>
+          <a:blip r:embed="rId3"/>
+          <a:stretch>
+            <a:fillRect/>
+          </a:stretch>
+        </p:blipFill>
+        <p:spPr>
+          <a:xfrm>
+            <a:off x="2396818" y="1830113"/>
+            <a:ext cx="609600" cy="609600"/>
+          </a:xfrm>
+          <a:prstGeom prst="rect">
+            <a:avLst/>
+          </a:prstGeom>
+        </p:spPr>
+      </p:pic>
+      <p:sp>
+        <p:nvSpPr>
+          <p:cNvPr id="9" name="CasellaDiTesto 8">
+            <a:extLst>
+              <a:ext uri="{FF2B5EF4-FFF2-40B4-BE49-F238E27FC236}">
+                <a16:creationId xmlns:a16="http://schemas.microsoft.com/office/drawing/2014/main" id="{1125562E-EDED-9AE6-4944-226699776191}"/>
+              </a:ext>
+            </a:extLst>
+          </p:cNvPr>
+          <p:cNvSpPr txBox="1"/>
+          <p:nvPr/>
+        </p:nvSpPr>
+        <p:spPr>
+          <a:xfrm>
+            <a:off x="1884382" y="2444722"/>
+            <a:ext cx="1634472" cy="523220"/>
+          </a:xfrm>
+          <a:prstGeom prst="rect">
+            <a:avLst/>
+          </a:prstGeom>
+          <a:noFill/>
+        </p:spPr>
+        <p:txBody>
+          <a:bodyPr wrap="square" rtlCol="0">
+            <a:spAutoFit/>
+          </a:bodyPr>
+          <a:lstStyle/>
+          <a:p>
+            <a:pPr algn="ctr"/>
+            <a:r>
+              <a:rPr lang="it-IT" sz="1400" b="1" dirty="0">
+                <a:latin typeface="CMU SERIF ROMAN" panose="02000603000000000000" pitchFamily="2" charset="0"/>
+                <a:ea typeface="CMU SERIF ROMAN" panose="02000603000000000000" pitchFamily="2" charset="0"/>
+                <a:cs typeface="CMU SERIF ROMAN" panose="02000603000000000000" pitchFamily="2" charset="0"/>
+              </a:rPr>
+              <a:t>Coordinator</a:t>
+            </a:r>
+          </a:p>
+          <a:p>
+            <a:pPr algn="ctr"/>
+            <a:r>
+              <a:rPr lang="it-IT" sz="1400" b="1" dirty="0">
+                <a:latin typeface="CMU SERIF ROMAN" panose="02000603000000000000" pitchFamily="2" charset="0"/>
+                <a:ea typeface="CMU SERIF ROMAN" panose="02000603000000000000" pitchFamily="2" charset="0"/>
+                <a:cs typeface="CMU SERIF ROMAN" panose="02000603000000000000" pitchFamily="2" charset="0"/>
+              </a:rPr>
+              <a:t>Agent</a:t>
+            </a:r>
+          </a:p>
+        </p:txBody>
+      </p:sp>
+      <p:sp>
+        <p:nvSpPr>
+          <p:cNvPr id="10" name="CasellaDiTesto 9">
+            <a:extLst>
+              <a:ext uri="{FF2B5EF4-FFF2-40B4-BE49-F238E27FC236}">
+                <a16:creationId xmlns:a16="http://schemas.microsoft.com/office/drawing/2014/main" id="{CBD3F9B1-493C-FA05-8026-89BD0FDF3937}"/>
+              </a:ext>
+            </a:extLst>
+          </p:cNvPr>
+          <p:cNvSpPr txBox="1"/>
+          <p:nvPr/>
+        </p:nvSpPr>
+        <p:spPr>
+          <a:xfrm>
+            <a:off x="-183768" y="1512925"/>
+            <a:ext cx="1634472" cy="307777"/>
+          </a:xfrm>
+          <a:prstGeom prst="rect">
+            <a:avLst/>
+          </a:prstGeom>
+          <a:noFill/>
+        </p:spPr>
+        <p:txBody>
+          <a:bodyPr wrap="square" rtlCol="0">
+            <a:spAutoFit/>
+          </a:bodyPr>
+          <a:lstStyle/>
+          <a:p>
+            <a:pPr algn="ctr"/>
+            <a:r>
+              <a:rPr lang="it-IT" sz="1400" b="1" dirty="0">
+                <a:latin typeface="CMU SERIF ROMAN" panose="02000603000000000000" pitchFamily="2" charset="0"/>
+                <a:ea typeface="CMU SERIF ROMAN" panose="02000603000000000000" pitchFamily="2" charset="0"/>
+                <a:cs typeface="CMU SERIF ROMAN" panose="02000603000000000000" pitchFamily="2" charset="0"/>
+              </a:rPr>
+              <a:t>Agent 1</a:t>
+            </a:r>
+          </a:p>
+        </p:txBody>
+      </p:sp>
+      <p:pic>
+        <p:nvPicPr>
+          <p:cNvPr id="13" name="Immagine 12">
+            <a:extLst>
+              <a:ext uri="{FF2B5EF4-FFF2-40B4-BE49-F238E27FC236}">
+                <a16:creationId xmlns:a16="http://schemas.microsoft.com/office/drawing/2014/main" id="{B03CB86B-0A3E-6660-7F68-43683F49C4F6}"/>
+              </a:ext>
+            </a:extLst>
+          </p:cNvPr>
+          <p:cNvPicPr>
+            <a:picLocks noChangeAspect="1"/>
+          </p:cNvPicPr>
+          <p:nvPr/>
+        </p:nvPicPr>
+        <p:blipFill>
+          <a:blip r:embed="rId2"/>
+          <a:stretch>
+            <a:fillRect/>
+          </a:stretch>
+        </p:blipFill>
+        <p:spPr>
+          <a:xfrm>
+            <a:off x="363934" y="2009367"/>
+            <a:ext cx="539068" cy="539068"/>
+          </a:xfrm>
+          <a:prstGeom prst="rect">
+            <a:avLst/>
+          </a:prstGeom>
+        </p:spPr>
+      </p:pic>
+      <p:sp>
+        <p:nvSpPr>
+          <p:cNvPr id="14" name="CasellaDiTesto 13">
+            <a:extLst>
+              <a:ext uri="{FF2B5EF4-FFF2-40B4-BE49-F238E27FC236}">
+                <a16:creationId xmlns:a16="http://schemas.microsoft.com/office/drawing/2014/main" id="{B67F24CE-EF3C-125F-8FD6-8E1485136A80}"/>
+              </a:ext>
+            </a:extLst>
+          </p:cNvPr>
+          <p:cNvSpPr txBox="1"/>
+          <p:nvPr/>
+        </p:nvSpPr>
+        <p:spPr>
+          <a:xfrm>
+            <a:off x="-183768" y="2573362"/>
+            <a:ext cx="1634472" cy="307777"/>
+          </a:xfrm>
+          <a:prstGeom prst="rect">
+            <a:avLst/>
+          </a:prstGeom>
+          <a:noFill/>
+        </p:spPr>
+        <p:txBody>
+          <a:bodyPr wrap="square" rtlCol="0">
+            <a:spAutoFit/>
+          </a:bodyPr>
+          <a:lstStyle/>
+          <a:p>
+            <a:pPr algn="ctr"/>
+            <a:r>
+              <a:rPr lang="it-IT" sz="1400" b="1" dirty="0">
+                <a:latin typeface="CMU SERIF ROMAN" panose="02000603000000000000" pitchFamily="2" charset="0"/>
+                <a:ea typeface="CMU SERIF ROMAN" panose="02000603000000000000" pitchFamily="2" charset="0"/>
+                <a:cs typeface="CMU SERIF ROMAN" panose="02000603000000000000" pitchFamily="2" charset="0"/>
+              </a:rPr>
+              <a:t>Agent 2</a:t>
+            </a:r>
+          </a:p>
+        </p:txBody>
+      </p:sp>
+      <p:pic>
+        <p:nvPicPr>
+          <p:cNvPr id="15" name="Immagine 14">
+            <a:extLst>
+              <a:ext uri="{FF2B5EF4-FFF2-40B4-BE49-F238E27FC236}">
+                <a16:creationId xmlns:a16="http://schemas.microsoft.com/office/drawing/2014/main" id="{0B374724-A956-1B08-B9D6-1C55D37C000D}"/>
+              </a:ext>
+            </a:extLst>
+          </p:cNvPr>
+          <p:cNvPicPr>
+            <a:picLocks noChangeAspect="1"/>
+          </p:cNvPicPr>
+          <p:nvPr/>
+        </p:nvPicPr>
+        <p:blipFill>
+          <a:blip r:embed="rId2"/>
+          <a:stretch>
+            <a:fillRect/>
+          </a:stretch>
+        </p:blipFill>
+        <p:spPr>
+          <a:xfrm>
+            <a:off x="363934" y="3069804"/>
+            <a:ext cx="539068" cy="539068"/>
+          </a:xfrm>
+          <a:prstGeom prst="rect">
+            <a:avLst/>
+          </a:prstGeom>
+        </p:spPr>
+      </p:pic>
+      <p:sp>
+        <p:nvSpPr>
+          <p:cNvPr id="16" name="CasellaDiTesto 15">
+            <a:extLst>
+              <a:ext uri="{FF2B5EF4-FFF2-40B4-BE49-F238E27FC236}">
+                <a16:creationId xmlns:a16="http://schemas.microsoft.com/office/drawing/2014/main" id="{40ED0DED-3D23-1DE6-8E4C-37406C0549F0}"/>
+              </a:ext>
+            </a:extLst>
+          </p:cNvPr>
+          <p:cNvSpPr txBox="1"/>
+          <p:nvPr/>
+        </p:nvSpPr>
+        <p:spPr>
+          <a:xfrm>
+            <a:off x="-183768" y="3633799"/>
+            <a:ext cx="1634472" cy="307777"/>
+          </a:xfrm>
+          <a:prstGeom prst="rect">
+            <a:avLst/>
+          </a:prstGeom>
+          <a:noFill/>
+        </p:spPr>
+        <p:txBody>
+          <a:bodyPr wrap="square" rtlCol="0">
+            <a:spAutoFit/>
+          </a:bodyPr>
+          <a:lstStyle/>
+          <a:p>
+            <a:pPr algn="ctr"/>
+            <a:r>
+              <a:rPr lang="it-IT" sz="1400" b="1" dirty="0">
+                <a:latin typeface="CMU SERIF ROMAN" panose="02000603000000000000" pitchFamily="2" charset="0"/>
+                <a:ea typeface="CMU SERIF ROMAN" panose="02000603000000000000" pitchFamily="2" charset="0"/>
+                <a:cs typeface="CMU SERIF ROMAN" panose="02000603000000000000" pitchFamily="2" charset="0"/>
+              </a:rPr>
+              <a:t>Agent </a:t>
+            </a:r>
+            <a:r>
+              <a:rPr lang="it-IT" sz="1400" b="1" dirty="0" err="1">
+                <a:latin typeface="CMU SERIF ROMAN" panose="02000603000000000000" pitchFamily="2" charset="0"/>
+                <a:ea typeface="CMU SERIF ROMAN" panose="02000603000000000000" pitchFamily="2" charset="0"/>
+                <a:cs typeface="CMU SERIF ROMAN" panose="02000603000000000000" pitchFamily="2" charset="0"/>
+              </a:rPr>
+              <a:t>n</a:t>
+            </a:r>
+            <a:endParaRPr lang="it-IT" sz="1400" b="1" dirty="0">
+              <a:latin typeface="CMU SERIF ROMAN" panose="02000603000000000000" pitchFamily="2" charset="0"/>
+              <a:ea typeface="CMU SERIF ROMAN" panose="02000603000000000000" pitchFamily="2" charset="0"/>
+              <a:cs typeface="CMU SERIF ROMAN" panose="02000603000000000000" pitchFamily="2" charset="0"/>
+            </a:endParaRPr>
+          </a:p>
+        </p:txBody>
+      </p:sp>
+      <p:cxnSp>
+        <p:nvCxnSpPr>
+          <p:cNvPr id="17" name="Connettore 1 55">
+            <a:extLst>
+              <a:ext uri="{FF2B5EF4-FFF2-40B4-BE49-F238E27FC236}">
+                <a16:creationId xmlns:a16="http://schemas.microsoft.com/office/drawing/2014/main" id="{31DA3411-7356-DBDE-BFA6-E59010BA5371}"/>
+              </a:ext>
+            </a:extLst>
+          </p:cNvPr>
+          <p:cNvCxnSpPr>
+            <a:cxnSpLocks/>
+          </p:cNvCxnSpPr>
+          <p:nvPr/>
+        </p:nvCxnSpPr>
+        <p:spPr>
+          <a:xfrm>
+            <a:off x="1130702" y="1367186"/>
+            <a:ext cx="909928" cy="605834"/>
+          </a:xfrm>
+          <a:prstGeom prst="line">
+            <a:avLst/>
+          </a:prstGeom>
+          <a:ln w="12700" cap="rnd">
+            <a:tailEnd type="arrow"/>
+          </a:ln>
+        </p:spPr>
+        <p:style>
+          <a:lnRef idx="1">
+            <a:schemeClr val="dk1"/>
+          </a:lnRef>
+          <a:fillRef idx="0">
+            <a:schemeClr val="dk1"/>
+          </a:fillRef>
+          <a:effectRef idx="0">
+            <a:schemeClr val="dk1"/>
+          </a:effectRef>
+          <a:fontRef idx="minor">
+            <a:schemeClr val="tx1"/>
+          </a:fontRef>
+        </p:style>
+      </p:cxnSp>
+      <p:cxnSp>
+        <p:nvCxnSpPr>
+          <p:cNvPr id="18" name="Connettore 1 55">
+            <a:extLst>
+              <a:ext uri="{FF2B5EF4-FFF2-40B4-BE49-F238E27FC236}">
+                <a16:creationId xmlns:a16="http://schemas.microsoft.com/office/drawing/2014/main" id="{1E78C5AA-B93D-F6A2-0755-CEB012510D97}"/>
+              </a:ext>
+            </a:extLst>
+          </p:cNvPr>
+          <p:cNvCxnSpPr>
+            <a:cxnSpLocks/>
+          </p:cNvCxnSpPr>
+          <p:nvPr/>
+        </p:nvCxnSpPr>
+        <p:spPr>
+          <a:xfrm>
+            <a:off x="1040963" y="2463576"/>
+            <a:ext cx="1007416" cy="0"/>
+          </a:xfrm>
+          <a:prstGeom prst="line">
+            <a:avLst/>
+          </a:prstGeom>
+          <a:ln w="12700" cap="rnd">
+            <a:tailEnd type="arrow"/>
+          </a:ln>
+        </p:spPr>
+        <p:style>
+          <a:lnRef idx="1">
+            <a:schemeClr val="dk1"/>
+          </a:lnRef>
+          <a:fillRef idx="0">
+            <a:schemeClr val="dk1"/>
+          </a:fillRef>
+          <a:effectRef idx="0">
+            <a:schemeClr val="dk1"/>
+          </a:effectRef>
+          <a:fontRef idx="minor">
+            <a:schemeClr val="tx1"/>
+          </a:fontRef>
+        </p:style>
+      </p:cxnSp>
+      <p:cxnSp>
+        <p:nvCxnSpPr>
+          <p:cNvPr id="20" name="Connettore 1 52">
+            <a:extLst>
+              <a:ext uri="{FF2B5EF4-FFF2-40B4-BE49-F238E27FC236}">
+                <a16:creationId xmlns:a16="http://schemas.microsoft.com/office/drawing/2014/main" id="{86387140-759F-8AB9-B803-AB4A99F3CC22}"/>
+              </a:ext>
+            </a:extLst>
+          </p:cNvPr>
+          <p:cNvCxnSpPr>
+            <a:cxnSpLocks/>
+          </p:cNvCxnSpPr>
+          <p:nvPr/>
+        </p:nvCxnSpPr>
+        <p:spPr>
+          <a:xfrm flipV="1">
+            <a:off x="1151053" y="2886609"/>
+            <a:ext cx="905075" cy="565836"/>
+          </a:xfrm>
+          <a:prstGeom prst="line">
+            <a:avLst/>
+          </a:prstGeom>
+          <a:ln w="12700" cap="rnd">
+            <a:tailEnd type="arrow"/>
+          </a:ln>
+        </p:spPr>
+        <p:style>
+          <a:lnRef idx="1">
+            <a:schemeClr val="dk1"/>
+          </a:lnRef>
+          <a:fillRef idx="0">
+            <a:schemeClr val="dk1"/>
+          </a:fillRef>
+          <a:effectRef idx="0">
+            <a:schemeClr val="dk1"/>
+          </a:effectRef>
+          <a:fontRef idx="minor">
+            <a:schemeClr val="tx1"/>
+          </a:fontRef>
+        </p:style>
+      </p:cxnSp>
+      <p:cxnSp>
+        <p:nvCxnSpPr>
+          <p:cNvPr id="22" name="Connettore 1 55">
+            <a:extLst>
+              <a:ext uri="{FF2B5EF4-FFF2-40B4-BE49-F238E27FC236}">
+                <a16:creationId xmlns:a16="http://schemas.microsoft.com/office/drawing/2014/main" id="{79BAA660-95FC-E0AB-3A87-6C3731980654}"/>
+              </a:ext>
+            </a:extLst>
+          </p:cNvPr>
+          <p:cNvCxnSpPr>
+            <a:cxnSpLocks/>
+          </p:cNvCxnSpPr>
+          <p:nvPr/>
+        </p:nvCxnSpPr>
+        <p:spPr>
+          <a:xfrm>
+            <a:off x="3304148" y="2534806"/>
+            <a:ext cx="750754" cy="0"/>
+          </a:xfrm>
+          <a:prstGeom prst="line">
+            <a:avLst/>
+          </a:prstGeom>
+          <a:ln w="12700" cap="rnd">
+            <a:tailEnd type="arrow"/>
+          </a:ln>
+        </p:spPr>
+        <p:style>
+          <a:lnRef idx="1">
+            <a:schemeClr val="dk1"/>
+          </a:lnRef>
+          <a:fillRef idx="0">
+            <a:schemeClr val="dk1"/>
+          </a:fillRef>
+          <a:effectRef idx="0">
+            <a:schemeClr val="dk1"/>
+          </a:effectRef>
+          <a:fontRef idx="minor">
+            <a:schemeClr val="tx1"/>
+          </a:fontRef>
+        </p:style>
+      </p:cxnSp>
+      <p:cxnSp>
+        <p:nvCxnSpPr>
+          <p:cNvPr id="24" name="Connettore 1 55">
+            <a:extLst>
+              <a:ext uri="{FF2B5EF4-FFF2-40B4-BE49-F238E27FC236}">
+                <a16:creationId xmlns:a16="http://schemas.microsoft.com/office/drawing/2014/main" id="{FAE950F3-FB72-C114-F593-155322717678}"/>
+              </a:ext>
+            </a:extLst>
+          </p:cNvPr>
+          <p:cNvCxnSpPr>
+            <a:cxnSpLocks/>
+          </p:cNvCxnSpPr>
+          <p:nvPr/>
+        </p:nvCxnSpPr>
+        <p:spPr>
+          <a:xfrm flipH="1">
+            <a:off x="3304148" y="2347730"/>
+            <a:ext cx="701940" cy="0"/>
+          </a:xfrm>
+          <a:prstGeom prst="line">
+            <a:avLst/>
+          </a:prstGeom>
+          <a:ln w="12700" cap="rnd">
+            <a:tailEnd type="arrow"/>
+          </a:ln>
+        </p:spPr>
+        <p:style>
+          <a:lnRef idx="1">
+            <a:schemeClr val="dk1"/>
+          </a:lnRef>
+          <a:fillRef idx="0">
+            <a:schemeClr val="dk1"/>
+          </a:fillRef>
+          <a:effectRef idx="0">
+            <a:schemeClr val="dk1"/>
+          </a:effectRef>
+          <a:fontRef idx="minor">
+            <a:schemeClr val="tx1"/>
+          </a:fontRef>
+        </p:style>
+      </p:cxnSp>
+      <p:sp>
+        <p:nvSpPr>
+          <p:cNvPr id="27" name="CasellaDiTesto 26">
+            <a:extLst>
+              <a:ext uri="{FF2B5EF4-FFF2-40B4-BE49-F238E27FC236}">
+                <a16:creationId xmlns:a16="http://schemas.microsoft.com/office/drawing/2014/main" id="{411EE7BD-DCF8-2254-DF47-71009F719DA9}"/>
+              </a:ext>
+            </a:extLst>
+          </p:cNvPr>
+          <p:cNvSpPr txBox="1"/>
+          <p:nvPr/>
+        </p:nvSpPr>
+        <p:spPr>
+          <a:xfrm>
+            <a:off x="801193" y="2230918"/>
+            <a:ext cx="1634472" cy="261610"/>
+          </a:xfrm>
+          <a:prstGeom prst="rect">
+            <a:avLst/>
+          </a:prstGeom>
+          <a:noFill/>
+        </p:spPr>
+        <p:txBody>
+          <a:bodyPr wrap="square" rtlCol="0">
+            <a:spAutoFit/>
+          </a:bodyPr>
+          <a:lstStyle/>
+          <a:p>
+            <a:pPr algn="ctr"/>
+            <a:r>
+              <a:rPr lang="it-IT" sz="1100" i="1" dirty="0">
+                <a:latin typeface="CMU SERIF ROMAN" panose="02000603000000000000" pitchFamily="2" charset="0"/>
+                <a:ea typeface="CMU SERIF ROMAN" panose="02000603000000000000" pitchFamily="2" charset="0"/>
+                <a:cs typeface="CMU SERIF ROMAN" panose="02000603000000000000" pitchFamily="2" charset="0"/>
+              </a:rPr>
+              <a:t>Submit vote</a:t>
+            </a:r>
+          </a:p>
+        </p:txBody>
+      </p:sp>
+      <p:sp>
+        <p:nvSpPr>
+          <p:cNvPr id="28" name="CasellaDiTesto 27">
+            <a:extLst>
+              <a:ext uri="{FF2B5EF4-FFF2-40B4-BE49-F238E27FC236}">
+                <a16:creationId xmlns:a16="http://schemas.microsoft.com/office/drawing/2014/main" id="{D76C26BE-1203-0062-F73D-F9638C5D53FF}"/>
+              </a:ext>
+            </a:extLst>
+          </p:cNvPr>
+          <p:cNvSpPr txBox="1"/>
+          <p:nvPr/>
+        </p:nvSpPr>
+        <p:spPr>
+          <a:xfrm>
+            <a:off x="2837882" y="2564338"/>
+            <a:ext cx="1634472" cy="261610"/>
+          </a:xfrm>
+          <a:prstGeom prst="rect">
+            <a:avLst/>
+          </a:prstGeom>
+          <a:noFill/>
+        </p:spPr>
+        <p:txBody>
+          <a:bodyPr wrap="square" rtlCol="0">
+            <a:spAutoFit/>
+          </a:bodyPr>
+          <a:lstStyle/>
+          <a:p>
+            <a:pPr algn="ctr"/>
+            <a:r>
+              <a:rPr lang="it-IT" sz="1100" i="1" dirty="0">
+                <a:latin typeface="CMU SERIF ROMAN" panose="02000603000000000000" pitchFamily="2" charset="0"/>
+                <a:ea typeface="CMU SERIF ROMAN" panose="02000603000000000000" pitchFamily="2" charset="0"/>
+                <a:cs typeface="CMU SERIF ROMAN" panose="02000603000000000000" pitchFamily="2" charset="0"/>
+              </a:rPr>
+              <a:t>Result</a:t>
+            </a:r>
+          </a:p>
+        </p:txBody>
+      </p:sp>
+      <p:sp>
+        <p:nvSpPr>
+          <p:cNvPr id="29" name="CasellaDiTesto 28">
+            <a:extLst>
+              <a:ext uri="{FF2B5EF4-FFF2-40B4-BE49-F238E27FC236}">
+                <a16:creationId xmlns:a16="http://schemas.microsoft.com/office/drawing/2014/main" id="{DAFD7C36-62A7-B090-A450-CC0F7434CBC7}"/>
+              </a:ext>
+            </a:extLst>
+          </p:cNvPr>
+          <p:cNvSpPr txBox="1"/>
+          <p:nvPr/>
+        </p:nvSpPr>
+        <p:spPr>
+          <a:xfrm>
+            <a:off x="2862289" y="2035988"/>
+            <a:ext cx="1634472" cy="261610"/>
+          </a:xfrm>
+          <a:prstGeom prst="rect">
+            <a:avLst/>
+          </a:prstGeom>
+          <a:noFill/>
+        </p:spPr>
+        <p:txBody>
+          <a:bodyPr wrap="square" rtlCol="0">
+            <a:spAutoFit/>
+          </a:bodyPr>
+          <a:lstStyle/>
+          <a:p>
+            <a:pPr algn="ctr"/>
+            <a:r>
+              <a:rPr lang="it-IT" sz="1100" i="1" dirty="0">
+                <a:latin typeface="CMU SERIF ROMAN" panose="02000603000000000000" pitchFamily="2" charset="0"/>
+                <a:ea typeface="CMU SERIF ROMAN" panose="02000603000000000000" pitchFamily="2" charset="0"/>
+                <a:cs typeface="CMU SERIF ROMAN" panose="02000603000000000000" pitchFamily="2" charset="0"/>
+              </a:rPr>
+              <a:t>Prompt</a:t>
+            </a:r>
+          </a:p>
+        </p:txBody>
+      </p:sp>
+      <p:pic>
+        <p:nvPicPr>
+          <p:cNvPr id="33" name="Immagine 32">
+            <a:extLst>
+              <a:ext uri="{FF2B5EF4-FFF2-40B4-BE49-F238E27FC236}">
+                <a16:creationId xmlns:a16="http://schemas.microsoft.com/office/drawing/2014/main" id="{FC49CDA3-ED82-6FF8-7694-4CD9813F5F52}"/>
+              </a:ext>
+            </a:extLst>
+          </p:cNvPr>
+          <p:cNvPicPr>
+            <a:picLocks noChangeAspect="1"/>
+          </p:cNvPicPr>
+          <p:nvPr/>
+        </p:nvPicPr>
+        <p:blipFill>
+          <a:blip r:embed="rId4"/>
+          <a:stretch>
+            <a:fillRect/>
+          </a:stretch>
+        </p:blipFill>
+        <p:spPr>
+          <a:xfrm>
+            <a:off x="4234281" y="1954524"/>
+            <a:ext cx="635000" cy="635000"/>
+          </a:xfrm>
+          <a:prstGeom prst="rect">
+            <a:avLst/>
+          </a:prstGeom>
+        </p:spPr>
+      </p:pic>
+      <p:sp>
+        <p:nvSpPr>
+          <p:cNvPr id="34" name="CasellaDiTesto 33">
+            <a:extLst>
+              <a:ext uri="{FF2B5EF4-FFF2-40B4-BE49-F238E27FC236}">
+                <a16:creationId xmlns:a16="http://schemas.microsoft.com/office/drawing/2014/main" id="{CAE6890F-C604-441B-500C-EEF1FE20A424}"/>
+              </a:ext>
+            </a:extLst>
+          </p:cNvPr>
+          <p:cNvSpPr txBox="1"/>
+          <p:nvPr/>
+        </p:nvSpPr>
+        <p:spPr>
+          <a:xfrm>
+            <a:off x="3745178" y="2546452"/>
+            <a:ext cx="1634472" cy="307777"/>
+          </a:xfrm>
+          <a:prstGeom prst="rect">
+            <a:avLst/>
+          </a:prstGeom>
+          <a:noFill/>
+        </p:spPr>
+        <p:txBody>
+          <a:bodyPr wrap="square" rtlCol="0">
+            <a:spAutoFit/>
+          </a:bodyPr>
+          <a:lstStyle/>
+          <a:p>
+            <a:pPr algn="ctr"/>
+            <a:r>
+              <a:rPr lang="it-IT" sz="1400" b="1" dirty="0">
+                <a:latin typeface="CMU SERIF ROMAN" panose="02000603000000000000" pitchFamily="2" charset="0"/>
+                <a:ea typeface="CMU SERIF ROMAN" panose="02000603000000000000" pitchFamily="2" charset="0"/>
+                <a:cs typeface="CMU SERIF ROMAN" panose="02000603000000000000" pitchFamily="2" charset="0"/>
+              </a:rPr>
+              <a:t>Tool</a:t>
+            </a:r>
+          </a:p>
+        </p:txBody>
+      </p:sp>
+      <p:pic>
+        <p:nvPicPr>
+          <p:cNvPr id="38" name="Immagine 37">
+            <a:extLst>
+              <a:ext uri="{FF2B5EF4-FFF2-40B4-BE49-F238E27FC236}">
+                <a16:creationId xmlns:a16="http://schemas.microsoft.com/office/drawing/2014/main" id="{88C3D2B1-60FA-3C63-298C-72FEB15885FB}"/>
+              </a:ext>
+            </a:extLst>
+          </p:cNvPr>
+          <p:cNvPicPr>
+            <a:picLocks noChangeAspect="1"/>
+          </p:cNvPicPr>
+          <p:nvPr/>
+        </p:nvPicPr>
+        <p:blipFill>
+          <a:blip r:embed="rId5"/>
+          <a:stretch>
+            <a:fillRect/>
+          </a:stretch>
+        </p:blipFill>
+        <p:spPr>
+          <a:xfrm>
+            <a:off x="3540130" y="2824541"/>
+            <a:ext cx="261610" cy="261610"/>
+          </a:xfrm>
+          <a:prstGeom prst="rect">
+            <a:avLst/>
+          </a:prstGeom>
+        </p:spPr>
+      </p:pic>
+      <p:pic>
+        <p:nvPicPr>
+          <p:cNvPr id="40" name="Immagine 39">
+            <a:extLst>
+              <a:ext uri="{FF2B5EF4-FFF2-40B4-BE49-F238E27FC236}">
+                <a16:creationId xmlns:a16="http://schemas.microsoft.com/office/drawing/2014/main" id="{7670AD25-2684-ADE3-60F3-F8D714D6D7EA}"/>
+              </a:ext>
+            </a:extLst>
+          </p:cNvPr>
+          <p:cNvPicPr>
+            <a:picLocks noChangeAspect="1"/>
+          </p:cNvPicPr>
+          <p:nvPr/>
+        </p:nvPicPr>
+        <p:blipFill>
+          <a:blip r:embed="rId6"/>
+          <a:stretch>
+            <a:fillRect/>
+          </a:stretch>
+        </p:blipFill>
+        <p:spPr>
+          <a:xfrm>
+            <a:off x="3549344" y="1775549"/>
+            <a:ext cx="279824" cy="279824"/>
+          </a:xfrm>
+          <a:prstGeom prst="rect">
+            <a:avLst/>
+          </a:prstGeom>
+        </p:spPr>
+      </p:pic>
+      <p:pic>
+        <p:nvPicPr>
+          <p:cNvPr id="41" name="Immagine 40">
+            <a:extLst>
+              <a:ext uri="{FF2B5EF4-FFF2-40B4-BE49-F238E27FC236}">
+                <a16:creationId xmlns:a16="http://schemas.microsoft.com/office/drawing/2014/main" id="{71907A5F-9D1F-43AF-1F07-56346FC9BDBC}"/>
+              </a:ext>
+            </a:extLst>
+          </p:cNvPr>
+          <p:cNvPicPr>
+            <a:picLocks noChangeAspect="1"/>
+          </p:cNvPicPr>
+          <p:nvPr/>
+        </p:nvPicPr>
+        <p:blipFill>
+          <a:blip r:embed="rId7"/>
+          <a:stretch>
+            <a:fillRect/>
+          </a:stretch>
+        </p:blipFill>
+        <p:spPr>
+          <a:xfrm>
+            <a:off x="993184" y="2212467"/>
+            <a:ext cx="245008" cy="245008"/>
+          </a:xfrm>
+          <a:prstGeom prst="rect">
+            <a:avLst/>
+          </a:prstGeom>
+        </p:spPr>
+      </p:pic>
+      <p:sp>
+        <p:nvSpPr>
+          <p:cNvPr id="42" name="CasellaDiTesto 41">
+            <a:extLst>
+              <a:ext uri="{FF2B5EF4-FFF2-40B4-BE49-F238E27FC236}">
+                <a16:creationId xmlns:a16="http://schemas.microsoft.com/office/drawing/2014/main" id="{D29C5BA2-A108-29BA-B038-F1F74F1E2612}"/>
+              </a:ext>
+            </a:extLst>
+          </p:cNvPr>
+          <p:cNvSpPr txBox="1"/>
+          <p:nvPr/>
+        </p:nvSpPr>
+        <p:spPr>
+          <a:xfrm rot="19646011">
+            <a:off x="781878" y="2917240"/>
+            <a:ext cx="1634472" cy="261610"/>
+          </a:xfrm>
+          <a:prstGeom prst="rect">
+            <a:avLst/>
+          </a:prstGeom>
+          <a:noFill/>
+        </p:spPr>
+        <p:txBody>
+          <a:bodyPr wrap="square" rtlCol="0">
+            <a:spAutoFit/>
+          </a:bodyPr>
+          <a:lstStyle/>
+          <a:p>
+            <a:pPr algn="ctr"/>
+            <a:r>
+              <a:rPr lang="it-IT" sz="1100" i="1" dirty="0">
+                <a:latin typeface="CMU SERIF ROMAN" panose="02000603000000000000" pitchFamily="2" charset="0"/>
+                <a:ea typeface="CMU SERIF ROMAN" panose="02000603000000000000" pitchFamily="2" charset="0"/>
+                <a:cs typeface="CMU SERIF ROMAN" panose="02000603000000000000" pitchFamily="2" charset="0"/>
+              </a:rPr>
+              <a:t>Submit vote</a:t>
+            </a:r>
+          </a:p>
+        </p:txBody>
+      </p:sp>
+      <p:pic>
+        <p:nvPicPr>
+          <p:cNvPr id="43" name="Immagine 42">
+            <a:extLst>
+              <a:ext uri="{FF2B5EF4-FFF2-40B4-BE49-F238E27FC236}">
+                <a16:creationId xmlns:a16="http://schemas.microsoft.com/office/drawing/2014/main" id="{E87A36C9-C314-45C1-5015-B0AC9BB0247C}"/>
+              </a:ext>
+            </a:extLst>
+          </p:cNvPr>
+          <p:cNvPicPr>
+            <a:picLocks noChangeAspect="1"/>
+          </p:cNvPicPr>
+          <p:nvPr/>
+        </p:nvPicPr>
+        <p:blipFill>
+          <a:blip r:embed="rId7"/>
+          <a:stretch>
+            <a:fillRect/>
+          </a:stretch>
+        </p:blipFill>
+        <p:spPr>
+          <a:xfrm rot="19566245">
+            <a:off x="1028549" y="3165408"/>
+            <a:ext cx="245008" cy="245008"/>
+          </a:xfrm>
+          <a:prstGeom prst="rect">
+            <a:avLst/>
+          </a:prstGeom>
+        </p:spPr>
+      </p:pic>
+      <p:sp>
+        <p:nvSpPr>
+          <p:cNvPr id="44" name="CasellaDiTesto 43">
+            <a:extLst>
+              <a:ext uri="{FF2B5EF4-FFF2-40B4-BE49-F238E27FC236}">
+                <a16:creationId xmlns:a16="http://schemas.microsoft.com/office/drawing/2014/main" id="{F8B661A6-BDC6-C552-2D5B-EA7B9CC5DD76}"/>
+              </a:ext>
+            </a:extLst>
+          </p:cNvPr>
+          <p:cNvSpPr txBox="1"/>
+          <p:nvPr/>
+        </p:nvSpPr>
+        <p:spPr>
+          <a:xfrm rot="2033710">
+            <a:off x="856440" y="1491688"/>
+            <a:ext cx="1634472" cy="261610"/>
+          </a:xfrm>
+          <a:prstGeom prst="rect">
+            <a:avLst/>
+          </a:prstGeom>
+          <a:noFill/>
+        </p:spPr>
+        <p:txBody>
+          <a:bodyPr wrap="square" rtlCol="0">
+            <a:spAutoFit/>
+          </a:bodyPr>
+          <a:lstStyle/>
+          <a:p>
+            <a:pPr algn="ctr"/>
+            <a:r>
+              <a:rPr lang="it-IT" sz="1100" i="1" dirty="0">
+                <a:latin typeface="CMU SERIF ROMAN" panose="02000603000000000000" pitchFamily="2" charset="0"/>
+                <a:ea typeface="CMU SERIF ROMAN" panose="02000603000000000000" pitchFamily="2" charset="0"/>
+                <a:cs typeface="CMU SERIF ROMAN" panose="02000603000000000000" pitchFamily="2" charset="0"/>
+              </a:rPr>
+              <a:t>Submit vote</a:t>
+            </a:r>
+          </a:p>
+        </p:txBody>
+      </p:sp>
+      <p:pic>
+        <p:nvPicPr>
+          <p:cNvPr id="45" name="Immagine 44">
+            <a:extLst>
+              <a:ext uri="{FF2B5EF4-FFF2-40B4-BE49-F238E27FC236}">
+                <a16:creationId xmlns:a16="http://schemas.microsoft.com/office/drawing/2014/main" id="{B8FC9C7F-AE9A-26BB-59DC-806DB31E7CB9}"/>
+              </a:ext>
+            </a:extLst>
+          </p:cNvPr>
+          <p:cNvPicPr>
+            <a:picLocks noChangeAspect="1"/>
+          </p:cNvPicPr>
+          <p:nvPr/>
+        </p:nvPicPr>
+        <p:blipFill>
+          <a:blip r:embed="rId7"/>
+          <a:stretch>
+            <a:fillRect/>
+          </a:stretch>
+        </p:blipFill>
+        <p:spPr>
+          <a:xfrm rot="2205567">
+            <a:off x="1168550" y="1175599"/>
+            <a:ext cx="245008" cy="245008"/>
+          </a:xfrm>
+          <a:prstGeom prst="rect">
+            <a:avLst/>
+          </a:prstGeom>
+        </p:spPr>
+      </p:pic>
+      <p:pic>
+        <p:nvPicPr>
+          <p:cNvPr id="49" name="Immagine 48">
+            <a:extLst>
+              <a:ext uri="{FF2B5EF4-FFF2-40B4-BE49-F238E27FC236}">
+                <a16:creationId xmlns:a16="http://schemas.microsoft.com/office/drawing/2014/main" id="{0501858B-38C1-36EB-DA8B-2591D2571D03}"/>
+              </a:ext>
+            </a:extLst>
+          </p:cNvPr>
+          <p:cNvPicPr>
+            <a:picLocks noChangeAspect="1"/>
+          </p:cNvPicPr>
+          <p:nvPr/>
+        </p:nvPicPr>
+        <p:blipFill>
+          <a:blip r:embed="rId2"/>
+          <a:stretch>
+            <a:fillRect/>
+          </a:stretch>
+        </p:blipFill>
+        <p:spPr>
+          <a:xfrm>
+            <a:off x="1690642" y="4400710"/>
+            <a:ext cx="449627" cy="449627"/>
+          </a:xfrm>
+          <a:prstGeom prst="rect">
+            <a:avLst/>
+          </a:prstGeom>
+        </p:spPr>
+      </p:pic>
+      <p:sp>
+        <p:nvSpPr>
+          <p:cNvPr id="50" name="CasellaDiTesto 49">
+            <a:extLst>
+              <a:ext uri="{FF2B5EF4-FFF2-40B4-BE49-F238E27FC236}">
+                <a16:creationId xmlns:a16="http://schemas.microsoft.com/office/drawing/2014/main" id="{6F9FE77A-A1BE-85FA-9A36-D7D9E4081552}"/>
+              </a:ext>
+            </a:extLst>
+          </p:cNvPr>
+          <p:cNvSpPr txBox="1"/>
+          <p:nvPr/>
+        </p:nvSpPr>
+        <p:spPr>
+          <a:xfrm>
+            <a:off x="1118797" y="4843261"/>
+            <a:ext cx="1634472" cy="307777"/>
+          </a:xfrm>
+          <a:prstGeom prst="rect">
+            <a:avLst/>
+          </a:prstGeom>
+          <a:noFill/>
+        </p:spPr>
+        <p:txBody>
+          <a:bodyPr wrap="square" rtlCol="0">
+            <a:spAutoFit/>
+          </a:bodyPr>
+          <a:lstStyle/>
+          <a:p>
+            <a:pPr algn="ctr"/>
+            <a:r>
+              <a:rPr lang="it-IT" sz="1400" b="1" dirty="0">
+                <a:latin typeface="CMU SERIF ROMAN" panose="02000603000000000000" pitchFamily="2" charset="0"/>
+                <a:ea typeface="CMU SERIF ROMAN" panose="02000603000000000000" pitchFamily="2" charset="0"/>
+                <a:cs typeface="CMU SERIF ROMAN" panose="02000603000000000000" pitchFamily="2" charset="0"/>
+              </a:rPr>
+              <a:t>Agent 1</a:t>
+            </a:r>
+          </a:p>
+        </p:txBody>
+      </p:sp>
+      <p:sp>
+        <p:nvSpPr>
+          <p:cNvPr id="52" name="CasellaDiTesto 51">
+            <a:extLst>
+              <a:ext uri="{FF2B5EF4-FFF2-40B4-BE49-F238E27FC236}">
+                <a16:creationId xmlns:a16="http://schemas.microsoft.com/office/drawing/2014/main" id="{55F998DA-AD2C-C626-1CD8-2A948FAA7E73}"/>
+              </a:ext>
+            </a:extLst>
+          </p:cNvPr>
+          <p:cNvSpPr txBox="1"/>
+          <p:nvPr/>
+        </p:nvSpPr>
+        <p:spPr>
+          <a:xfrm>
+            <a:off x="2649498" y="4843261"/>
+            <a:ext cx="1634472" cy="307777"/>
+          </a:xfrm>
+          <a:prstGeom prst="rect">
+            <a:avLst/>
+          </a:prstGeom>
+          <a:noFill/>
+        </p:spPr>
+        <p:txBody>
+          <a:bodyPr wrap="square" rtlCol="0">
+            <a:spAutoFit/>
+          </a:bodyPr>
+          <a:lstStyle/>
+          <a:p>
+            <a:pPr algn="ctr"/>
+            <a:r>
+              <a:rPr lang="it-IT" sz="1400" b="1" dirty="0">
+                <a:latin typeface="CMU SERIF ROMAN" panose="02000603000000000000" pitchFamily="2" charset="0"/>
+                <a:ea typeface="CMU SERIF ROMAN" panose="02000603000000000000" pitchFamily="2" charset="0"/>
+                <a:cs typeface="CMU SERIF ROMAN" panose="02000603000000000000" pitchFamily="2" charset="0"/>
+              </a:rPr>
+              <a:t>Agent 2</a:t>
+            </a:r>
+          </a:p>
+        </p:txBody>
+      </p:sp>
+      <p:sp>
+        <p:nvSpPr>
+          <p:cNvPr id="54" name="CasellaDiTesto 53">
+            <a:extLst>
+              <a:ext uri="{FF2B5EF4-FFF2-40B4-BE49-F238E27FC236}">
+                <a16:creationId xmlns:a16="http://schemas.microsoft.com/office/drawing/2014/main" id="{B06F0561-9970-D245-65EA-27CA96D5CB81}"/>
+              </a:ext>
+            </a:extLst>
+          </p:cNvPr>
+          <p:cNvSpPr txBox="1"/>
+          <p:nvPr/>
+        </p:nvSpPr>
+        <p:spPr>
+          <a:xfrm>
+            <a:off x="1889657" y="6148381"/>
+            <a:ext cx="1634472" cy="307777"/>
+          </a:xfrm>
+          <a:prstGeom prst="rect">
+            <a:avLst/>
+          </a:prstGeom>
+          <a:noFill/>
+        </p:spPr>
+        <p:txBody>
+          <a:bodyPr wrap="square" rtlCol="0">
+            <a:spAutoFit/>
+          </a:bodyPr>
+          <a:lstStyle/>
+          <a:p>
+            <a:pPr algn="ctr"/>
+            <a:r>
+              <a:rPr lang="it-IT" sz="1400" b="1" dirty="0">
+                <a:latin typeface="CMU SERIF ROMAN" panose="02000603000000000000" pitchFamily="2" charset="0"/>
+                <a:ea typeface="CMU SERIF ROMAN" panose="02000603000000000000" pitchFamily="2" charset="0"/>
+                <a:cs typeface="CMU SERIF ROMAN" panose="02000603000000000000" pitchFamily="2" charset="0"/>
+              </a:rPr>
+              <a:t>Agent </a:t>
+            </a:r>
+            <a:r>
+              <a:rPr lang="it-IT" sz="1400" b="1" dirty="0" err="1">
+                <a:latin typeface="CMU SERIF ROMAN" panose="02000603000000000000" pitchFamily="2" charset="0"/>
+                <a:ea typeface="CMU SERIF ROMAN" panose="02000603000000000000" pitchFamily="2" charset="0"/>
+                <a:cs typeface="CMU SERIF ROMAN" panose="02000603000000000000" pitchFamily="2" charset="0"/>
+              </a:rPr>
+              <a:t>n</a:t>
+            </a:r>
+            <a:endParaRPr lang="it-IT" sz="1400" b="1" dirty="0">
+              <a:latin typeface="CMU SERIF ROMAN" panose="02000603000000000000" pitchFamily="2" charset="0"/>
+              <a:ea typeface="CMU SERIF ROMAN" panose="02000603000000000000" pitchFamily="2" charset="0"/>
+              <a:cs typeface="CMU SERIF ROMAN" panose="02000603000000000000" pitchFamily="2" charset="0"/>
+            </a:endParaRPr>
+          </a:p>
+        </p:txBody>
+      </p:sp>
+      <p:cxnSp>
+        <p:nvCxnSpPr>
+          <p:cNvPr id="55" name="Connettore 1 55">
+            <a:extLst>
+              <a:ext uri="{FF2B5EF4-FFF2-40B4-BE49-F238E27FC236}">
+                <a16:creationId xmlns:a16="http://schemas.microsoft.com/office/drawing/2014/main" id="{5F76717B-5FB1-1214-104A-B0AB06CC4AD6}"/>
+              </a:ext>
+            </a:extLst>
+          </p:cNvPr>
+          <p:cNvCxnSpPr>
+            <a:cxnSpLocks/>
+          </p:cNvCxnSpPr>
+          <p:nvPr/>
+        </p:nvCxnSpPr>
+        <p:spPr>
+          <a:xfrm>
+            <a:off x="4046853" y="5459909"/>
+            <a:ext cx="750754" cy="0"/>
+          </a:xfrm>
+          <a:prstGeom prst="line">
+            <a:avLst/>
+          </a:prstGeom>
+          <a:ln w="12700" cap="rnd">
+            <a:tailEnd type="arrow"/>
+          </a:ln>
+        </p:spPr>
+        <p:style>
+          <a:lnRef idx="1">
+            <a:schemeClr val="dk1"/>
+          </a:lnRef>
+          <a:fillRef idx="0">
+            <a:schemeClr val="dk1"/>
+          </a:fillRef>
+          <a:effectRef idx="0">
+            <a:schemeClr val="dk1"/>
+          </a:effectRef>
+          <a:fontRef idx="minor">
+            <a:schemeClr val="tx1"/>
+          </a:fontRef>
+        </p:style>
+      </p:cxnSp>
+      <p:cxnSp>
+        <p:nvCxnSpPr>
+          <p:cNvPr id="56" name="Connettore 1 55">
+            <a:extLst>
+              <a:ext uri="{FF2B5EF4-FFF2-40B4-BE49-F238E27FC236}">
+                <a16:creationId xmlns:a16="http://schemas.microsoft.com/office/drawing/2014/main" id="{ED030BEF-4E79-D6A1-4EAD-06F65DF54447}"/>
+              </a:ext>
+            </a:extLst>
+          </p:cNvPr>
+          <p:cNvCxnSpPr>
+            <a:cxnSpLocks/>
+          </p:cNvCxnSpPr>
+          <p:nvPr/>
+        </p:nvCxnSpPr>
+        <p:spPr>
+          <a:xfrm flipH="1">
+            <a:off x="4046853" y="5272833"/>
+            <a:ext cx="701940" cy="0"/>
+          </a:xfrm>
+          <a:prstGeom prst="line">
+            <a:avLst/>
+          </a:prstGeom>
+          <a:ln w="12700" cap="rnd">
+            <a:tailEnd type="arrow"/>
+          </a:ln>
+        </p:spPr>
+        <p:style>
+          <a:lnRef idx="1">
+            <a:schemeClr val="dk1"/>
+          </a:lnRef>
+          <a:fillRef idx="0">
+            <a:schemeClr val="dk1"/>
+          </a:fillRef>
+          <a:effectRef idx="0">
+            <a:schemeClr val="dk1"/>
+          </a:effectRef>
+          <a:fontRef idx="minor">
+            <a:schemeClr val="tx1"/>
+          </a:fontRef>
+        </p:style>
+      </p:cxnSp>
+      <p:sp>
+        <p:nvSpPr>
+          <p:cNvPr id="57" name="CasellaDiTesto 56">
+            <a:extLst>
+              <a:ext uri="{FF2B5EF4-FFF2-40B4-BE49-F238E27FC236}">
+                <a16:creationId xmlns:a16="http://schemas.microsoft.com/office/drawing/2014/main" id="{6178D58A-4EA5-9290-4D03-DFE8A27AA7AC}"/>
+              </a:ext>
+            </a:extLst>
+          </p:cNvPr>
+          <p:cNvSpPr txBox="1"/>
+          <p:nvPr/>
+        </p:nvSpPr>
+        <p:spPr>
+          <a:xfrm>
+            <a:off x="3580587" y="5489441"/>
+            <a:ext cx="1634472" cy="261610"/>
+          </a:xfrm>
+          <a:prstGeom prst="rect">
+            <a:avLst/>
+          </a:prstGeom>
+          <a:noFill/>
+        </p:spPr>
+        <p:txBody>
+          <a:bodyPr wrap="square" rtlCol="0">
+            <a:spAutoFit/>
+          </a:bodyPr>
+          <a:lstStyle/>
+          <a:p>
+            <a:pPr algn="ctr"/>
+            <a:r>
+              <a:rPr lang="it-IT" sz="1100" i="1" dirty="0">
+                <a:latin typeface="CMU SERIF ROMAN" panose="02000603000000000000" pitchFamily="2" charset="0"/>
+                <a:ea typeface="CMU SERIF ROMAN" panose="02000603000000000000" pitchFamily="2" charset="0"/>
+                <a:cs typeface="CMU SERIF ROMAN" panose="02000603000000000000" pitchFamily="2" charset="0"/>
+              </a:rPr>
+              <a:t>Result</a:t>
+            </a:r>
+          </a:p>
+        </p:txBody>
+      </p:sp>
+      <p:sp>
+        <p:nvSpPr>
+          <p:cNvPr id="58" name="CasellaDiTesto 57">
+            <a:extLst>
+              <a:ext uri="{FF2B5EF4-FFF2-40B4-BE49-F238E27FC236}">
+                <a16:creationId xmlns:a16="http://schemas.microsoft.com/office/drawing/2014/main" id="{46F724A4-DB15-A8E4-F427-050F4A723A46}"/>
+              </a:ext>
+            </a:extLst>
+          </p:cNvPr>
+          <p:cNvSpPr txBox="1"/>
+          <p:nvPr/>
+        </p:nvSpPr>
+        <p:spPr>
+          <a:xfrm>
+            <a:off x="3604994" y="4961091"/>
+            <a:ext cx="1634472" cy="261610"/>
+          </a:xfrm>
+          <a:prstGeom prst="rect">
+            <a:avLst/>
+          </a:prstGeom>
+          <a:noFill/>
+        </p:spPr>
+        <p:txBody>
+          <a:bodyPr wrap="square" rtlCol="0">
+            <a:spAutoFit/>
+          </a:bodyPr>
+          <a:lstStyle/>
+          <a:p>
+            <a:pPr algn="ctr"/>
+            <a:r>
+              <a:rPr lang="it-IT" sz="1100" i="1" dirty="0">
+                <a:latin typeface="CMU SERIF ROMAN" panose="02000603000000000000" pitchFamily="2" charset="0"/>
+                <a:ea typeface="CMU SERIF ROMAN" panose="02000603000000000000" pitchFamily="2" charset="0"/>
+                <a:cs typeface="CMU SERIF ROMAN" panose="02000603000000000000" pitchFamily="2" charset="0"/>
+              </a:rPr>
+              <a:t>Prompt</a:t>
+            </a:r>
+          </a:p>
+        </p:txBody>
+      </p:sp>
+      <p:pic>
+        <p:nvPicPr>
+          <p:cNvPr id="59" name="Immagine 58">
+            <a:extLst>
+              <a:ext uri="{FF2B5EF4-FFF2-40B4-BE49-F238E27FC236}">
+                <a16:creationId xmlns:a16="http://schemas.microsoft.com/office/drawing/2014/main" id="{8ADD3810-76CE-AC2E-8C14-484FAE9B4BE0}"/>
+              </a:ext>
+            </a:extLst>
+          </p:cNvPr>
+          <p:cNvPicPr>
+            <a:picLocks noChangeAspect="1"/>
+          </p:cNvPicPr>
+          <p:nvPr/>
+        </p:nvPicPr>
+        <p:blipFill>
+          <a:blip r:embed="rId4"/>
+          <a:stretch>
+            <a:fillRect/>
+          </a:stretch>
+        </p:blipFill>
+        <p:spPr>
+          <a:xfrm>
+            <a:off x="4876729" y="4902915"/>
+            <a:ext cx="635000" cy="635000"/>
+          </a:xfrm>
+          <a:prstGeom prst="rect">
+            <a:avLst/>
+          </a:prstGeom>
+        </p:spPr>
+      </p:pic>
+      <p:pic>
+        <p:nvPicPr>
+          <p:cNvPr id="60" name="Immagine 59">
+            <a:extLst>
+              <a:ext uri="{FF2B5EF4-FFF2-40B4-BE49-F238E27FC236}">
+                <a16:creationId xmlns:a16="http://schemas.microsoft.com/office/drawing/2014/main" id="{C188F30F-DAD9-95C0-BC51-5A76C928370C}"/>
+              </a:ext>
+            </a:extLst>
+          </p:cNvPr>
+          <p:cNvPicPr>
+            <a:picLocks noChangeAspect="1"/>
+          </p:cNvPicPr>
+          <p:nvPr/>
+        </p:nvPicPr>
+        <p:blipFill>
+          <a:blip r:embed="rId6"/>
+          <a:stretch>
+            <a:fillRect/>
+          </a:stretch>
+        </p:blipFill>
+        <p:spPr>
+          <a:xfrm>
+            <a:off x="4292049" y="4700652"/>
+            <a:ext cx="279824" cy="279824"/>
+          </a:xfrm>
+          <a:prstGeom prst="rect">
+            <a:avLst/>
+          </a:prstGeom>
+        </p:spPr>
+      </p:pic>
+      <p:grpSp>
+        <p:nvGrpSpPr>
+          <p:cNvPr id="62" name="Gruppo 61">
+            <a:extLst>
+              <a:ext uri="{FF2B5EF4-FFF2-40B4-BE49-F238E27FC236}">
+                <a16:creationId xmlns:a16="http://schemas.microsoft.com/office/drawing/2014/main" id="{647F99C2-E568-1E47-0A2E-54119AA3ABB7}"/>
+              </a:ext>
+            </a:extLst>
+          </p:cNvPr>
+          <p:cNvGrpSpPr/>
+          <p:nvPr/>
+        </p:nvGrpSpPr>
+        <p:grpSpPr>
+          <a:xfrm rot="3073150">
+            <a:off x="1791858" y="5427203"/>
+            <a:ext cx="578240" cy="187076"/>
+            <a:chOff x="619241" y="2178955"/>
+            <a:chExt cx="578240" cy="187076"/>
+          </a:xfrm>
+        </p:grpSpPr>
+        <p:cxnSp>
+          <p:nvCxnSpPr>
+            <p:cNvPr id="63" name="Connettore 1 55">
+              <a:extLst>
+                <a:ext uri="{FF2B5EF4-FFF2-40B4-BE49-F238E27FC236}">
+                  <a16:creationId xmlns:a16="http://schemas.microsoft.com/office/drawing/2014/main" id="{424CA15A-2D20-AAD2-FC33-1001D2657956}"/>
+                </a:ext>
+              </a:extLst>
+            </p:cNvPr>
+            <p:cNvCxnSpPr>
+              <a:cxnSpLocks/>
+            </p:cNvCxnSpPr>
+            <p:nvPr/>
+          </p:nvCxnSpPr>
+          <p:spPr>
+            <a:xfrm>
+              <a:off x="629874" y="2366031"/>
+              <a:ext cx="567607" cy="0"/>
+            </a:xfrm>
+            <a:prstGeom prst="line">
+              <a:avLst/>
+            </a:prstGeom>
+            <a:ln w="12700" cap="rnd">
+              <a:tailEnd type="arrow"/>
+            </a:ln>
+          </p:spPr>
+          <p:style>
+            <a:lnRef idx="1">
+              <a:schemeClr val="dk1"/>
+            </a:lnRef>
+            <a:fillRef idx="0">
+              <a:schemeClr val="dk1"/>
+            </a:fillRef>
+            <a:effectRef idx="0">
+              <a:schemeClr val="dk1"/>
+            </a:effectRef>
+            <a:fontRef idx="minor">
+              <a:schemeClr val="tx1"/>
+            </a:fontRef>
+          </p:style>
+        </p:cxnSp>
+        <p:cxnSp>
+          <p:nvCxnSpPr>
+            <p:cNvPr id="64" name="Connettore 1 55">
+              <a:extLst>
+                <a:ext uri="{FF2B5EF4-FFF2-40B4-BE49-F238E27FC236}">
+                  <a16:creationId xmlns:a16="http://schemas.microsoft.com/office/drawing/2014/main" id="{B530B48E-024A-9779-F4F8-CA3E8D15FC89}"/>
+                </a:ext>
+              </a:extLst>
+            </p:cNvPr>
+            <p:cNvCxnSpPr>
+              <a:cxnSpLocks/>
+            </p:cNvCxnSpPr>
+            <p:nvPr/>
+          </p:nvCxnSpPr>
+          <p:spPr>
+            <a:xfrm flipH="1">
+              <a:off x="619241" y="2178955"/>
+              <a:ext cx="567607" cy="0"/>
+            </a:xfrm>
+            <a:prstGeom prst="line">
+              <a:avLst/>
+            </a:prstGeom>
+            <a:ln w="12700" cap="rnd">
+              <a:tailEnd type="arrow"/>
+            </a:ln>
+          </p:spPr>
+          <p:style>
+            <a:lnRef idx="1">
+              <a:schemeClr val="dk1"/>
+            </a:lnRef>
+            <a:fillRef idx="0">
+              <a:schemeClr val="dk1"/>
+            </a:fillRef>
+            <a:effectRef idx="0">
+              <a:schemeClr val="dk1"/>
+            </a:effectRef>
+            <a:fontRef idx="minor">
+              <a:schemeClr val="tx1"/>
+            </a:fontRef>
+          </p:style>
+        </p:cxnSp>
+      </p:grpSp>
+      <p:grpSp>
+        <p:nvGrpSpPr>
+          <p:cNvPr id="65" name="Gruppo 64">
+            <a:extLst>
+              <a:ext uri="{FF2B5EF4-FFF2-40B4-BE49-F238E27FC236}">
+                <a16:creationId xmlns:a16="http://schemas.microsoft.com/office/drawing/2014/main" id="{69AB923A-E662-F8FE-3CF7-BF0773B93297}"/>
+              </a:ext>
+            </a:extLst>
+          </p:cNvPr>
+          <p:cNvGrpSpPr/>
+          <p:nvPr/>
+        </p:nvGrpSpPr>
+        <p:grpSpPr>
+          <a:xfrm rot="7393770">
+            <a:off x="3033505" y="5441172"/>
+            <a:ext cx="578240" cy="187076"/>
+            <a:chOff x="619241" y="2178955"/>
+            <a:chExt cx="578240" cy="187076"/>
+          </a:xfrm>
+        </p:grpSpPr>
+        <p:cxnSp>
+          <p:nvCxnSpPr>
+            <p:cNvPr id="66" name="Connettore 1 55">
+              <a:extLst>
+                <a:ext uri="{FF2B5EF4-FFF2-40B4-BE49-F238E27FC236}">
+                  <a16:creationId xmlns:a16="http://schemas.microsoft.com/office/drawing/2014/main" id="{CDE1EED0-F700-B12F-FCEE-5F48BF22D704}"/>
+                </a:ext>
+              </a:extLst>
+            </p:cNvPr>
+            <p:cNvCxnSpPr>
+              <a:cxnSpLocks/>
+            </p:cNvCxnSpPr>
+            <p:nvPr/>
+          </p:nvCxnSpPr>
+          <p:spPr>
+            <a:xfrm>
+              <a:off x="629874" y="2366031"/>
+              <a:ext cx="567607" cy="0"/>
+            </a:xfrm>
+            <a:prstGeom prst="line">
+              <a:avLst/>
+            </a:prstGeom>
+            <a:ln w="12700" cap="rnd">
+              <a:tailEnd type="arrow"/>
+            </a:ln>
+          </p:spPr>
+          <p:style>
+            <a:lnRef idx="1">
+              <a:schemeClr val="dk1"/>
+            </a:lnRef>
+            <a:fillRef idx="0">
+              <a:schemeClr val="dk1"/>
+            </a:fillRef>
+            <a:effectRef idx="0">
+              <a:schemeClr val="dk1"/>
+            </a:effectRef>
+            <a:fontRef idx="minor">
+              <a:schemeClr val="tx1"/>
+            </a:fontRef>
+          </p:style>
+        </p:cxnSp>
+        <p:cxnSp>
+          <p:nvCxnSpPr>
+            <p:cNvPr id="67" name="Connettore 1 55">
+              <a:extLst>
+                <a:ext uri="{FF2B5EF4-FFF2-40B4-BE49-F238E27FC236}">
+                  <a16:creationId xmlns:a16="http://schemas.microsoft.com/office/drawing/2014/main" id="{4031FA23-A61D-447D-7083-AE24AC72FD84}"/>
+                </a:ext>
+              </a:extLst>
+            </p:cNvPr>
+            <p:cNvCxnSpPr>
+              <a:cxnSpLocks/>
+            </p:cNvCxnSpPr>
+            <p:nvPr/>
+          </p:nvCxnSpPr>
+          <p:spPr>
+            <a:xfrm flipH="1">
+              <a:off x="619241" y="2178955"/>
+              <a:ext cx="567607" cy="0"/>
+            </a:xfrm>
+            <a:prstGeom prst="line">
+              <a:avLst/>
+            </a:prstGeom>
+            <a:ln w="12700" cap="rnd">
+              <a:tailEnd type="arrow"/>
+            </a:ln>
+          </p:spPr>
+          <p:style>
+            <a:lnRef idx="1">
+              <a:schemeClr val="dk1"/>
+            </a:lnRef>
+            <a:fillRef idx="0">
+              <a:schemeClr val="dk1"/>
+            </a:fillRef>
+            <a:effectRef idx="0">
+              <a:schemeClr val="dk1"/>
+            </a:effectRef>
+            <a:fontRef idx="minor">
+              <a:schemeClr val="tx1"/>
+            </a:fontRef>
+          </p:style>
+        </p:cxnSp>
+      </p:grpSp>
+      <p:grpSp>
+        <p:nvGrpSpPr>
+          <p:cNvPr id="68" name="Gruppo 67">
+            <a:extLst>
+              <a:ext uri="{FF2B5EF4-FFF2-40B4-BE49-F238E27FC236}">
+                <a16:creationId xmlns:a16="http://schemas.microsoft.com/office/drawing/2014/main" id="{89078908-BDE8-A721-A4A0-9F36EB0F06F5}"/>
+              </a:ext>
+            </a:extLst>
+          </p:cNvPr>
+          <p:cNvGrpSpPr/>
+          <p:nvPr/>
+        </p:nvGrpSpPr>
+        <p:grpSpPr>
+          <a:xfrm>
+            <a:off x="2412118" y="4522480"/>
+            <a:ext cx="578240" cy="187076"/>
+            <a:chOff x="619241" y="2178955"/>
+            <a:chExt cx="578240" cy="187076"/>
+          </a:xfrm>
+        </p:grpSpPr>
+        <p:cxnSp>
+          <p:nvCxnSpPr>
+            <p:cNvPr id="69" name="Connettore 1 55">
+              <a:extLst>
+                <a:ext uri="{FF2B5EF4-FFF2-40B4-BE49-F238E27FC236}">
+                  <a16:creationId xmlns:a16="http://schemas.microsoft.com/office/drawing/2014/main" id="{99B348B4-B0F4-2A66-BD9F-3DBD3E1D5CCC}"/>
+                </a:ext>
+              </a:extLst>
+            </p:cNvPr>
+            <p:cNvCxnSpPr>
+              <a:cxnSpLocks/>
+            </p:cNvCxnSpPr>
+            <p:nvPr/>
+          </p:nvCxnSpPr>
+          <p:spPr>
+            <a:xfrm>
+              <a:off x="629874" y="2366031"/>
+              <a:ext cx="567607" cy="0"/>
+            </a:xfrm>
+            <a:prstGeom prst="line">
+              <a:avLst/>
+            </a:prstGeom>
+            <a:ln w="12700" cap="rnd">
+              <a:tailEnd type="arrow"/>
+            </a:ln>
+          </p:spPr>
+          <p:style>
+            <a:lnRef idx="1">
+              <a:schemeClr val="dk1"/>
+            </a:lnRef>
+            <a:fillRef idx="0">
+              <a:schemeClr val="dk1"/>
+            </a:fillRef>
+            <a:effectRef idx="0">
+              <a:schemeClr val="dk1"/>
+            </a:effectRef>
+            <a:fontRef idx="minor">
+              <a:schemeClr val="tx1"/>
+            </a:fontRef>
+          </p:style>
+        </p:cxnSp>
+        <p:cxnSp>
+          <p:nvCxnSpPr>
+            <p:cNvPr id="70" name="Connettore 1 55">
+              <a:extLst>
+                <a:ext uri="{FF2B5EF4-FFF2-40B4-BE49-F238E27FC236}">
+                  <a16:creationId xmlns:a16="http://schemas.microsoft.com/office/drawing/2014/main" id="{CAFD3623-E769-E143-7B55-245AE3246E39}"/>
+                </a:ext>
+              </a:extLst>
+            </p:cNvPr>
+            <p:cNvCxnSpPr>
+              <a:cxnSpLocks/>
+            </p:cNvCxnSpPr>
+            <p:nvPr/>
+          </p:nvCxnSpPr>
+          <p:spPr>
+            <a:xfrm flipH="1">
+              <a:off x="619241" y="2178955"/>
+              <a:ext cx="567607" cy="0"/>
+            </a:xfrm>
+            <a:prstGeom prst="line">
+              <a:avLst/>
+            </a:prstGeom>
+            <a:ln w="12700" cap="rnd">
+              <a:tailEnd type="arrow"/>
+            </a:ln>
+          </p:spPr>
+          <p:style>
+            <a:lnRef idx="1">
+              <a:schemeClr val="dk1"/>
+            </a:lnRef>
+            <a:fillRef idx="0">
+              <a:schemeClr val="dk1"/>
+            </a:fillRef>
+            <a:effectRef idx="0">
+              <a:schemeClr val="dk1"/>
+            </a:effectRef>
+            <a:fontRef idx="minor">
+              <a:schemeClr val="tx1"/>
+            </a:fontRef>
+          </p:style>
+        </p:cxnSp>
+      </p:grpSp>
+      <p:pic>
+        <p:nvPicPr>
+          <p:cNvPr id="71" name="Immagine 70">
+            <a:extLst>
+              <a:ext uri="{FF2B5EF4-FFF2-40B4-BE49-F238E27FC236}">
+                <a16:creationId xmlns:a16="http://schemas.microsoft.com/office/drawing/2014/main" id="{F137C305-2B05-1A94-085C-70C8F1B06B5E}"/>
+              </a:ext>
+            </a:extLst>
+          </p:cNvPr>
+          <p:cNvPicPr>
+            <a:picLocks noChangeAspect="1"/>
+          </p:cNvPicPr>
+          <p:nvPr/>
+        </p:nvPicPr>
+        <p:blipFill>
+          <a:blip r:embed="rId5"/>
+          <a:stretch>
+            <a:fillRect/>
+          </a:stretch>
+        </p:blipFill>
+        <p:spPr>
+          <a:xfrm>
+            <a:off x="4267018" y="5728638"/>
+            <a:ext cx="261610" cy="261610"/>
+          </a:xfrm>
+          <a:prstGeom prst="rect">
+            <a:avLst/>
+          </a:prstGeom>
+        </p:spPr>
+      </p:pic>
+      <p:pic>
+        <p:nvPicPr>
+          <p:cNvPr id="73" name="Immagine 72">
+            <a:extLst>
+              <a:ext uri="{FF2B5EF4-FFF2-40B4-BE49-F238E27FC236}">
+                <a16:creationId xmlns:a16="http://schemas.microsoft.com/office/drawing/2014/main" id="{26ADAC00-4AC5-F2EF-27A1-8FDB690956D2}"/>
+              </a:ext>
+            </a:extLst>
+          </p:cNvPr>
+          <p:cNvPicPr>
+            <a:picLocks noChangeAspect="1"/>
+          </p:cNvPicPr>
+          <p:nvPr/>
+        </p:nvPicPr>
+        <p:blipFill>
+          <a:blip r:embed="rId8"/>
+          <a:stretch>
+            <a:fillRect/>
+          </a:stretch>
+        </p:blipFill>
+        <p:spPr>
+          <a:xfrm>
+            <a:off x="2555426" y="4994825"/>
+            <a:ext cx="307777" cy="307777"/>
+          </a:xfrm>
+          <a:prstGeom prst="rect">
+            <a:avLst/>
+          </a:prstGeom>
+        </p:spPr>
+      </p:pic>
+      <p:sp>
+        <p:nvSpPr>
+          <p:cNvPr id="75" name="CasellaDiTesto 74">
+            <a:extLst>
+              <a:ext uri="{FF2B5EF4-FFF2-40B4-BE49-F238E27FC236}">
+                <a16:creationId xmlns:a16="http://schemas.microsoft.com/office/drawing/2014/main" id="{33F87CDF-B269-11DE-3D16-3943DE4FB918}"/>
+              </a:ext>
+            </a:extLst>
+          </p:cNvPr>
+          <p:cNvSpPr txBox="1"/>
+          <p:nvPr/>
+        </p:nvSpPr>
+        <p:spPr>
+          <a:xfrm>
+            <a:off x="1877499" y="5295262"/>
+            <a:ext cx="1634472" cy="261610"/>
+          </a:xfrm>
+          <a:prstGeom prst="rect">
+            <a:avLst/>
+          </a:prstGeom>
+          <a:noFill/>
+        </p:spPr>
+        <p:txBody>
+          <a:bodyPr wrap="square" rtlCol="0">
+            <a:spAutoFit/>
+          </a:bodyPr>
+          <a:lstStyle/>
+          <a:p>
+            <a:pPr algn="ctr"/>
+            <a:r>
+              <a:rPr lang="it-IT" sz="1100" i="1" dirty="0">
+                <a:latin typeface="CMU SERIF ROMAN" panose="02000603000000000000" pitchFamily="2" charset="0"/>
+                <a:ea typeface="CMU SERIF ROMAN" panose="02000603000000000000" pitchFamily="2" charset="0"/>
+                <a:cs typeface="CMU SERIF ROMAN" panose="02000603000000000000" pitchFamily="2" charset="0"/>
+              </a:rPr>
+              <a:t>Debate</a:t>
+            </a:r>
+          </a:p>
+        </p:txBody>
+      </p:sp>
+      <p:sp>
+        <p:nvSpPr>
+          <p:cNvPr id="77" name="CasellaDiTesto 76">
+            <a:extLst>
+              <a:ext uri="{FF2B5EF4-FFF2-40B4-BE49-F238E27FC236}">
+                <a16:creationId xmlns:a16="http://schemas.microsoft.com/office/drawing/2014/main" id="{9F3A7EC3-779A-D224-CCF5-6A9740C2F57A}"/>
+              </a:ext>
+            </a:extLst>
+          </p:cNvPr>
+          <p:cNvSpPr txBox="1"/>
+          <p:nvPr/>
+        </p:nvSpPr>
+        <p:spPr>
+          <a:xfrm>
+            <a:off x="4376993" y="5517397"/>
+            <a:ext cx="1634472" cy="307777"/>
+          </a:xfrm>
+          <a:prstGeom prst="rect">
+            <a:avLst/>
+          </a:prstGeom>
+          <a:noFill/>
+        </p:spPr>
+        <p:txBody>
+          <a:bodyPr wrap="square" rtlCol="0">
+            <a:spAutoFit/>
+          </a:bodyPr>
+          <a:lstStyle/>
+          <a:p>
+            <a:pPr algn="ctr"/>
+            <a:r>
+              <a:rPr lang="it-IT" sz="1400" b="1" dirty="0">
+                <a:latin typeface="CMU SERIF ROMAN" panose="02000603000000000000" pitchFamily="2" charset="0"/>
+                <a:ea typeface="CMU SERIF ROMAN" panose="02000603000000000000" pitchFamily="2" charset="0"/>
+                <a:cs typeface="CMU SERIF ROMAN" panose="02000603000000000000" pitchFamily="2" charset="0"/>
+              </a:rPr>
+              <a:t>Tool</a:t>
+            </a:r>
+          </a:p>
+        </p:txBody>
+      </p:sp>
+      <p:pic>
+        <p:nvPicPr>
+          <p:cNvPr id="79" name="Immagine 78">
+            <a:extLst>
+              <a:ext uri="{FF2B5EF4-FFF2-40B4-BE49-F238E27FC236}">
+                <a16:creationId xmlns:a16="http://schemas.microsoft.com/office/drawing/2014/main" id="{3E987430-196E-3431-0F10-10B10FC7AC2E}"/>
+              </a:ext>
+            </a:extLst>
+          </p:cNvPr>
+          <p:cNvPicPr>
+            <a:picLocks noChangeAspect="1"/>
+          </p:cNvPicPr>
+          <p:nvPr/>
+        </p:nvPicPr>
+        <p:blipFill>
+          <a:blip r:embed="rId2"/>
+          <a:stretch>
+            <a:fillRect/>
+          </a:stretch>
+        </p:blipFill>
+        <p:spPr>
+          <a:xfrm>
+            <a:off x="6463925" y="1483365"/>
+            <a:ext cx="539068" cy="539068"/>
+          </a:xfrm>
+          <a:prstGeom prst="rect">
+            <a:avLst/>
+          </a:prstGeom>
+        </p:spPr>
+      </p:pic>
+      <p:pic>
+        <p:nvPicPr>
+          <p:cNvPr id="80" name="Immagine 79">
+            <a:extLst>
+              <a:ext uri="{FF2B5EF4-FFF2-40B4-BE49-F238E27FC236}">
+                <a16:creationId xmlns:a16="http://schemas.microsoft.com/office/drawing/2014/main" id="{BDE01ACF-2489-4F74-C884-BC75DC0E2A84}"/>
+              </a:ext>
+            </a:extLst>
+          </p:cNvPr>
+          <p:cNvPicPr>
+            <a:picLocks noChangeAspect="1"/>
+          </p:cNvPicPr>
+          <p:nvPr/>
+        </p:nvPicPr>
+        <p:blipFill>
+          <a:blip r:embed="rId3"/>
+          <a:stretch>
+            <a:fillRect/>
+          </a:stretch>
+        </p:blipFill>
+        <p:spPr>
+          <a:xfrm>
+            <a:off x="9616588" y="1749135"/>
+            <a:ext cx="609600" cy="609600"/>
+          </a:xfrm>
+          <a:prstGeom prst="rect">
+            <a:avLst/>
+          </a:prstGeom>
+        </p:spPr>
+      </p:pic>
+      <p:sp>
+        <p:nvSpPr>
+          <p:cNvPr id="81" name="CasellaDiTesto 80">
+            <a:extLst>
+              <a:ext uri="{FF2B5EF4-FFF2-40B4-BE49-F238E27FC236}">
+                <a16:creationId xmlns:a16="http://schemas.microsoft.com/office/drawing/2014/main" id="{9D4BE189-7560-339C-FDED-CA779748D8BD}"/>
+              </a:ext>
+            </a:extLst>
+          </p:cNvPr>
+          <p:cNvSpPr txBox="1"/>
+          <p:nvPr/>
+        </p:nvSpPr>
+        <p:spPr>
+          <a:xfrm>
+            <a:off x="9104152" y="2363744"/>
+            <a:ext cx="1634472" cy="523220"/>
+          </a:xfrm>
+          <a:prstGeom prst="rect">
+            <a:avLst/>
+          </a:prstGeom>
+          <a:noFill/>
+        </p:spPr>
+        <p:txBody>
+          <a:bodyPr wrap="square" rtlCol="0">
+            <a:spAutoFit/>
+          </a:bodyPr>
+          <a:lstStyle/>
+          <a:p>
+            <a:pPr algn="ctr"/>
+            <a:r>
+              <a:rPr lang="it-IT" sz="1400" b="1" dirty="0">
+                <a:latin typeface="CMU SERIF ROMAN" panose="02000603000000000000" pitchFamily="2" charset="0"/>
+                <a:ea typeface="CMU SERIF ROMAN" panose="02000603000000000000" pitchFamily="2" charset="0"/>
+                <a:cs typeface="CMU SERIF ROMAN" panose="02000603000000000000" pitchFamily="2" charset="0"/>
+              </a:rPr>
+              <a:t>Coordinator</a:t>
+            </a:r>
+          </a:p>
+          <a:p>
+            <a:pPr algn="ctr"/>
+            <a:r>
+              <a:rPr lang="it-IT" sz="1400" b="1" dirty="0">
+                <a:latin typeface="CMU SERIF ROMAN" panose="02000603000000000000" pitchFamily="2" charset="0"/>
+                <a:ea typeface="CMU SERIF ROMAN" panose="02000603000000000000" pitchFamily="2" charset="0"/>
+                <a:cs typeface="CMU SERIF ROMAN" panose="02000603000000000000" pitchFamily="2" charset="0"/>
+              </a:rPr>
+              <a:t>Agent</a:t>
+            </a:r>
+          </a:p>
+        </p:txBody>
+      </p:sp>
+      <p:sp>
+        <p:nvSpPr>
+          <p:cNvPr id="82" name="CasellaDiTesto 81">
+            <a:extLst>
+              <a:ext uri="{FF2B5EF4-FFF2-40B4-BE49-F238E27FC236}">
+                <a16:creationId xmlns:a16="http://schemas.microsoft.com/office/drawing/2014/main" id="{3406F560-C002-F93A-AB5D-5E2283AEDB3E}"/>
+              </a:ext>
+            </a:extLst>
+          </p:cNvPr>
+          <p:cNvSpPr txBox="1"/>
+          <p:nvPr/>
+        </p:nvSpPr>
+        <p:spPr>
+          <a:xfrm>
+            <a:off x="5916223" y="2010784"/>
+            <a:ext cx="1634472" cy="307777"/>
+          </a:xfrm>
+          <a:prstGeom prst="rect">
+            <a:avLst/>
+          </a:prstGeom>
+          <a:noFill/>
+        </p:spPr>
+        <p:txBody>
+          <a:bodyPr wrap="square" rtlCol="0">
+            <a:spAutoFit/>
+          </a:bodyPr>
+          <a:lstStyle/>
+          <a:p>
+            <a:pPr algn="ctr"/>
+            <a:r>
+              <a:rPr lang="it-IT" sz="1400" b="1" dirty="0">
+                <a:latin typeface="CMU SERIF ROMAN" panose="02000603000000000000" pitchFamily="2" charset="0"/>
+                <a:ea typeface="CMU SERIF ROMAN" panose="02000603000000000000" pitchFamily="2" charset="0"/>
+                <a:cs typeface="CMU SERIF ROMAN" panose="02000603000000000000" pitchFamily="2" charset="0"/>
+              </a:rPr>
+              <a:t>Agent 1</a:t>
+            </a:r>
+          </a:p>
+        </p:txBody>
+      </p:sp>
+      <p:pic>
+        <p:nvPicPr>
+          <p:cNvPr id="85" name="Immagine 84">
+            <a:extLst>
+              <a:ext uri="{FF2B5EF4-FFF2-40B4-BE49-F238E27FC236}">
+                <a16:creationId xmlns:a16="http://schemas.microsoft.com/office/drawing/2014/main" id="{7282848B-88B6-22AD-BE65-CCAFDBC16696}"/>
+              </a:ext>
+            </a:extLst>
+          </p:cNvPr>
+          <p:cNvPicPr>
+            <a:picLocks noChangeAspect="1"/>
+          </p:cNvPicPr>
+          <p:nvPr/>
+        </p:nvPicPr>
+        <p:blipFill>
+          <a:blip r:embed="rId2"/>
+          <a:stretch>
+            <a:fillRect/>
+          </a:stretch>
+        </p:blipFill>
+        <p:spPr>
+          <a:xfrm>
+            <a:off x="6461522" y="2521860"/>
+            <a:ext cx="539068" cy="539068"/>
+          </a:xfrm>
+          <a:prstGeom prst="rect">
+            <a:avLst/>
+          </a:prstGeom>
+        </p:spPr>
+      </p:pic>
+      <p:sp>
+        <p:nvSpPr>
+          <p:cNvPr id="86" name="CasellaDiTesto 85">
+            <a:extLst>
+              <a:ext uri="{FF2B5EF4-FFF2-40B4-BE49-F238E27FC236}">
+                <a16:creationId xmlns:a16="http://schemas.microsoft.com/office/drawing/2014/main" id="{32D042AD-9F7F-AF4B-038E-94877CF43297}"/>
+              </a:ext>
+            </a:extLst>
+          </p:cNvPr>
+          <p:cNvSpPr txBox="1"/>
+          <p:nvPr/>
+        </p:nvSpPr>
+        <p:spPr>
+          <a:xfrm>
+            <a:off x="5913820" y="3049279"/>
+            <a:ext cx="1634472" cy="307777"/>
+          </a:xfrm>
+          <a:prstGeom prst="rect">
+            <a:avLst/>
+          </a:prstGeom>
+          <a:noFill/>
+        </p:spPr>
+        <p:txBody>
+          <a:bodyPr wrap="square" rtlCol="0">
+            <a:spAutoFit/>
+          </a:bodyPr>
+          <a:lstStyle/>
+          <a:p>
+            <a:pPr algn="ctr"/>
+            <a:r>
+              <a:rPr lang="it-IT" sz="1400" b="1" dirty="0">
+                <a:latin typeface="CMU SERIF ROMAN" panose="02000603000000000000" pitchFamily="2" charset="0"/>
+                <a:ea typeface="CMU SERIF ROMAN" panose="02000603000000000000" pitchFamily="2" charset="0"/>
+                <a:cs typeface="CMU SERIF ROMAN" panose="02000603000000000000" pitchFamily="2" charset="0"/>
+              </a:rPr>
+              <a:t>Agent </a:t>
+            </a:r>
+            <a:r>
+              <a:rPr lang="it-IT" sz="1400" b="1" dirty="0" err="1">
+                <a:latin typeface="CMU SERIF ROMAN" panose="02000603000000000000" pitchFamily="2" charset="0"/>
+                <a:ea typeface="CMU SERIF ROMAN" panose="02000603000000000000" pitchFamily="2" charset="0"/>
+                <a:cs typeface="CMU SERIF ROMAN" panose="02000603000000000000" pitchFamily="2" charset="0"/>
+              </a:rPr>
+              <a:t>n</a:t>
+            </a:r>
+            <a:endParaRPr lang="it-IT" sz="1400" b="1" dirty="0">
+              <a:latin typeface="CMU SERIF ROMAN" panose="02000603000000000000" pitchFamily="2" charset="0"/>
+              <a:ea typeface="CMU SERIF ROMAN" panose="02000603000000000000" pitchFamily="2" charset="0"/>
+              <a:cs typeface="CMU SERIF ROMAN" panose="02000603000000000000" pitchFamily="2" charset="0"/>
+            </a:endParaRPr>
+          </a:p>
+        </p:txBody>
+      </p:sp>
+      <p:cxnSp>
+        <p:nvCxnSpPr>
+          <p:cNvPr id="89" name="Connettore 1 52">
+            <a:extLst>
+              <a:ext uri="{FF2B5EF4-FFF2-40B4-BE49-F238E27FC236}">
+                <a16:creationId xmlns:a16="http://schemas.microsoft.com/office/drawing/2014/main" id="{CC41F11E-2CB2-B8A2-6F5F-07D771DA1EDC}"/>
+              </a:ext>
+            </a:extLst>
+          </p:cNvPr>
+          <p:cNvCxnSpPr>
+            <a:cxnSpLocks/>
+          </p:cNvCxnSpPr>
+          <p:nvPr/>
+        </p:nvCxnSpPr>
+        <p:spPr>
+          <a:xfrm flipV="1">
+            <a:off x="7136169" y="2662468"/>
+            <a:ext cx="567690" cy="242755"/>
+          </a:xfrm>
+          <a:prstGeom prst="line">
+            <a:avLst/>
+          </a:prstGeom>
+          <a:ln w="12700" cap="rnd">
+            <a:headEnd type="arrow"/>
+            <a:tailEnd type="none"/>
+          </a:ln>
+        </p:spPr>
+        <p:style>
+          <a:lnRef idx="1">
+            <a:schemeClr val="dk1"/>
+          </a:lnRef>
+          <a:fillRef idx="0">
+            <a:schemeClr val="dk1"/>
+          </a:fillRef>
+          <a:effectRef idx="0">
+            <a:schemeClr val="dk1"/>
+          </a:effectRef>
+          <a:fontRef idx="minor">
+            <a:schemeClr val="tx1"/>
+          </a:fontRef>
+        </p:style>
+      </p:cxnSp>
+      <p:cxnSp>
+        <p:nvCxnSpPr>
+          <p:cNvPr id="91" name="Connettore 1 55">
+            <a:extLst>
+              <a:ext uri="{FF2B5EF4-FFF2-40B4-BE49-F238E27FC236}">
+                <a16:creationId xmlns:a16="http://schemas.microsoft.com/office/drawing/2014/main" id="{D60B6C77-F3BC-6DF6-E8B0-4F21775FA702}"/>
+              </a:ext>
+            </a:extLst>
+          </p:cNvPr>
+          <p:cNvCxnSpPr>
+            <a:cxnSpLocks/>
+          </p:cNvCxnSpPr>
+          <p:nvPr/>
+        </p:nvCxnSpPr>
+        <p:spPr>
+          <a:xfrm flipH="1">
+            <a:off x="10365422" y="2266752"/>
+            <a:ext cx="701940" cy="0"/>
+          </a:xfrm>
+          <a:prstGeom prst="line">
+            <a:avLst/>
+          </a:prstGeom>
+          <a:ln w="12700" cap="rnd">
+            <a:tailEnd type="arrow"/>
+          </a:ln>
+        </p:spPr>
+        <p:style>
+          <a:lnRef idx="1">
+            <a:schemeClr val="dk1"/>
+          </a:lnRef>
+          <a:fillRef idx="0">
+            <a:schemeClr val="dk1"/>
+          </a:fillRef>
+          <a:effectRef idx="0">
+            <a:schemeClr val="dk1"/>
+          </a:effectRef>
+          <a:fontRef idx="minor">
+            <a:schemeClr val="tx1"/>
+          </a:fontRef>
+        </p:style>
+      </p:cxnSp>
+      <p:sp>
+        <p:nvSpPr>
+          <p:cNvPr id="94" name="CasellaDiTesto 93">
+            <a:extLst>
+              <a:ext uri="{FF2B5EF4-FFF2-40B4-BE49-F238E27FC236}">
+                <a16:creationId xmlns:a16="http://schemas.microsoft.com/office/drawing/2014/main" id="{1A0AFBAE-AFC1-594B-7A7A-40FD81F7641E}"/>
+              </a:ext>
+            </a:extLst>
+          </p:cNvPr>
+          <p:cNvSpPr txBox="1"/>
+          <p:nvPr/>
+        </p:nvSpPr>
+        <p:spPr>
+          <a:xfrm>
+            <a:off x="9923563" y="1955010"/>
+            <a:ext cx="1634472" cy="261610"/>
+          </a:xfrm>
+          <a:prstGeom prst="rect">
+            <a:avLst/>
+          </a:prstGeom>
+          <a:noFill/>
+        </p:spPr>
+        <p:txBody>
+          <a:bodyPr wrap="square" rtlCol="0">
+            <a:spAutoFit/>
+          </a:bodyPr>
+          <a:lstStyle/>
+          <a:p>
+            <a:pPr algn="ctr"/>
+            <a:r>
+              <a:rPr lang="it-IT" sz="1100" i="1" dirty="0">
+                <a:latin typeface="CMU SERIF ROMAN" panose="02000603000000000000" pitchFamily="2" charset="0"/>
+                <a:ea typeface="CMU SERIF ROMAN" panose="02000603000000000000" pitchFamily="2" charset="0"/>
+                <a:cs typeface="CMU SERIF ROMAN" panose="02000603000000000000" pitchFamily="2" charset="0"/>
+              </a:rPr>
+              <a:t>Prompt</a:t>
+            </a:r>
+          </a:p>
+        </p:txBody>
+      </p:sp>
+      <p:pic>
+        <p:nvPicPr>
+          <p:cNvPr id="95" name="Immagine 94">
+            <a:extLst>
+              <a:ext uri="{FF2B5EF4-FFF2-40B4-BE49-F238E27FC236}">
+                <a16:creationId xmlns:a16="http://schemas.microsoft.com/office/drawing/2014/main" id="{321A3D02-9A62-6D3F-0609-05A708015AFB}"/>
+              </a:ext>
+            </a:extLst>
+          </p:cNvPr>
+          <p:cNvPicPr>
+            <a:picLocks noChangeAspect="1"/>
+          </p:cNvPicPr>
+          <p:nvPr/>
+        </p:nvPicPr>
+        <p:blipFill>
+          <a:blip r:embed="rId4"/>
+          <a:stretch>
+            <a:fillRect/>
+          </a:stretch>
+        </p:blipFill>
+        <p:spPr>
+          <a:xfrm>
+            <a:off x="11234595" y="1927334"/>
+            <a:ext cx="635000" cy="635000"/>
+          </a:xfrm>
+          <a:prstGeom prst="rect">
+            <a:avLst/>
+          </a:prstGeom>
+        </p:spPr>
+      </p:pic>
+      <p:sp>
+        <p:nvSpPr>
+          <p:cNvPr id="96" name="CasellaDiTesto 95">
+            <a:extLst>
+              <a:ext uri="{FF2B5EF4-FFF2-40B4-BE49-F238E27FC236}">
+                <a16:creationId xmlns:a16="http://schemas.microsoft.com/office/drawing/2014/main" id="{6CA78744-60F5-E224-2C26-48DED2C7E33D}"/>
+              </a:ext>
+            </a:extLst>
+          </p:cNvPr>
+          <p:cNvSpPr txBox="1"/>
+          <p:nvPr/>
+        </p:nvSpPr>
+        <p:spPr>
+          <a:xfrm>
+            <a:off x="10745492" y="2519262"/>
+            <a:ext cx="1634472" cy="307777"/>
+          </a:xfrm>
+          <a:prstGeom prst="rect">
+            <a:avLst/>
+          </a:prstGeom>
+          <a:noFill/>
+        </p:spPr>
+        <p:txBody>
+          <a:bodyPr wrap="square" rtlCol="0">
+            <a:spAutoFit/>
+          </a:bodyPr>
+          <a:lstStyle/>
+          <a:p>
+            <a:pPr algn="ctr"/>
+            <a:r>
+              <a:rPr lang="it-IT" sz="1400" b="1" dirty="0">
+                <a:latin typeface="CMU SERIF ROMAN" panose="02000603000000000000" pitchFamily="2" charset="0"/>
+                <a:ea typeface="CMU SERIF ROMAN" panose="02000603000000000000" pitchFamily="2" charset="0"/>
+                <a:cs typeface="CMU SERIF ROMAN" panose="02000603000000000000" pitchFamily="2" charset="0"/>
+              </a:rPr>
+              <a:t>Tool</a:t>
+            </a:r>
+          </a:p>
+        </p:txBody>
+      </p:sp>
+      <p:pic>
+        <p:nvPicPr>
+          <p:cNvPr id="98" name="Immagine 97">
+            <a:extLst>
+              <a:ext uri="{FF2B5EF4-FFF2-40B4-BE49-F238E27FC236}">
+                <a16:creationId xmlns:a16="http://schemas.microsoft.com/office/drawing/2014/main" id="{67D7B796-B369-D7F3-075D-5D713A23682D}"/>
+              </a:ext>
+            </a:extLst>
+          </p:cNvPr>
+          <p:cNvPicPr>
+            <a:picLocks noChangeAspect="1"/>
+          </p:cNvPicPr>
+          <p:nvPr/>
+        </p:nvPicPr>
+        <p:blipFill>
+          <a:blip r:embed="rId6"/>
+          <a:stretch>
+            <a:fillRect/>
+          </a:stretch>
+        </p:blipFill>
+        <p:spPr>
+          <a:xfrm>
+            <a:off x="10610618" y="1694571"/>
+            <a:ext cx="279824" cy="279824"/>
+          </a:xfrm>
+          <a:prstGeom prst="rect">
+            <a:avLst/>
+          </a:prstGeom>
+        </p:spPr>
+      </p:pic>
+      <p:cxnSp>
+        <p:nvCxnSpPr>
+          <p:cNvPr id="106" name="Connettore 1 52">
+            <a:extLst>
+              <a:ext uri="{FF2B5EF4-FFF2-40B4-BE49-F238E27FC236}">
+                <a16:creationId xmlns:a16="http://schemas.microsoft.com/office/drawing/2014/main" id="{F5107401-A9C2-70E0-08BB-20248836A78B}"/>
+              </a:ext>
+            </a:extLst>
+          </p:cNvPr>
+          <p:cNvCxnSpPr>
+            <a:cxnSpLocks/>
+          </p:cNvCxnSpPr>
+          <p:nvPr/>
+        </p:nvCxnSpPr>
+        <p:spPr>
+          <a:xfrm>
+            <a:off x="7172285" y="1817258"/>
+            <a:ext cx="564760" cy="318762"/>
+          </a:xfrm>
+          <a:prstGeom prst="line">
+            <a:avLst/>
+          </a:prstGeom>
+          <a:ln w="12700" cap="rnd">
+            <a:headEnd type="arrow"/>
+            <a:tailEnd type="none"/>
+          </a:ln>
+        </p:spPr>
+        <p:style>
+          <a:lnRef idx="1">
+            <a:schemeClr val="dk1"/>
+          </a:lnRef>
+          <a:fillRef idx="0">
+            <a:schemeClr val="dk1"/>
+          </a:fillRef>
+          <a:effectRef idx="0">
+            <a:schemeClr val="dk1"/>
+          </a:effectRef>
+          <a:fontRef idx="minor">
+            <a:schemeClr val="tx1"/>
+          </a:fontRef>
+        </p:style>
+      </p:cxnSp>
+      <p:sp>
+        <p:nvSpPr>
+          <p:cNvPr id="109" name="CasellaDiTesto 108">
+            <a:extLst>
+              <a:ext uri="{FF2B5EF4-FFF2-40B4-BE49-F238E27FC236}">
+                <a16:creationId xmlns:a16="http://schemas.microsoft.com/office/drawing/2014/main" id="{8D85C6A8-4A39-13ED-8BA9-0D81EA86093B}"/>
+              </a:ext>
+            </a:extLst>
+          </p:cNvPr>
+          <p:cNvSpPr txBox="1"/>
+          <p:nvPr/>
+        </p:nvSpPr>
+        <p:spPr>
+          <a:xfrm>
+            <a:off x="7503866" y="2358735"/>
+            <a:ext cx="1634472" cy="523220"/>
+          </a:xfrm>
+          <a:prstGeom prst="rect">
+            <a:avLst/>
+          </a:prstGeom>
+          <a:noFill/>
+        </p:spPr>
+        <p:txBody>
+          <a:bodyPr wrap="square" rtlCol="0">
+            <a:spAutoFit/>
+          </a:bodyPr>
+          <a:lstStyle/>
+          <a:p>
+            <a:pPr algn="ctr"/>
+            <a:r>
+              <a:rPr lang="it-IT" sz="1400" b="1" dirty="0">
+                <a:latin typeface="CMU SERIF ROMAN" panose="02000603000000000000" pitchFamily="2" charset="0"/>
+                <a:ea typeface="CMU SERIF ROMAN" panose="02000603000000000000" pitchFamily="2" charset="0"/>
+                <a:cs typeface="CMU SERIF ROMAN" panose="02000603000000000000" pitchFamily="2" charset="0"/>
+              </a:rPr>
+              <a:t>Task-</a:t>
+            </a:r>
+            <a:r>
+              <a:rPr lang="it-IT" sz="1400" b="1" dirty="0" err="1">
+                <a:latin typeface="CMU SERIF ROMAN" panose="02000603000000000000" pitchFamily="2" charset="0"/>
+                <a:ea typeface="CMU SERIF ROMAN" panose="02000603000000000000" pitchFamily="2" charset="0"/>
+                <a:cs typeface="CMU SERIF ROMAN" panose="02000603000000000000" pitchFamily="2" charset="0"/>
+              </a:rPr>
+              <a:t>Assigner</a:t>
+            </a:r>
+            <a:endParaRPr lang="it-IT" sz="1400" b="1" dirty="0">
+              <a:latin typeface="CMU SERIF ROMAN" panose="02000603000000000000" pitchFamily="2" charset="0"/>
+              <a:ea typeface="CMU SERIF ROMAN" panose="02000603000000000000" pitchFamily="2" charset="0"/>
+              <a:cs typeface="CMU SERIF ROMAN" panose="02000603000000000000" pitchFamily="2" charset="0"/>
+            </a:endParaRPr>
+          </a:p>
+          <a:p>
+            <a:pPr algn="ctr"/>
+            <a:r>
+              <a:rPr lang="it-IT" sz="1400" b="1" dirty="0">
+                <a:latin typeface="CMU SERIF ROMAN" panose="02000603000000000000" pitchFamily="2" charset="0"/>
+                <a:ea typeface="CMU SERIF ROMAN" panose="02000603000000000000" pitchFamily="2" charset="0"/>
+                <a:cs typeface="CMU SERIF ROMAN" panose="02000603000000000000" pitchFamily="2" charset="0"/>
+              </a:rPr>
+              <a:t>Agent</a:t>
+            </a:r>
+          </a:p>
+        </p:txBody>
+      </p:sp>
+      <p:cxnSp>
+        <p:nvCxnSpPr>
+          <p:cNvPr id="110" name="Connettore 1 55">
+            <a:extLst>
+              <a:ext uri="{FF2B5EF4-FFF2-40B4-BE49-F238E27FC236}">
+                <a16:creationId xmlns:a16="http://schemas.microsoft.com/office/drawing/2014/main" id="{8DC74F7D-6E11-24CD-948E-729C58DD7DD1}"/>
+              </a:ext>
+            </a:extLst>
+          </p:cNvPr>
+          <p:cNvCxnSpPr>
+            <a:cxnSpLocks/>
+          </p:cNvCxnSpPr>
+          <p:nvPr/>
+        </p:nvCxnSpPr>
+        <p:spPr>
+          <a:xfrm flipH="1">
+            <a:off x="8753182" y="2247782"/>
+            <a:ext cx="701940" cy="0"/>
+          </a:xfrm>
+          <a:prstGeom prst="line">
+            <a:avLst/>
+          </a:prstGeom>
+          <a:ln w="12700" cap="rnd">
+            <a:tailEnd type="arrow"/>
+          </a:ln>
+        </p:spPr>
+        <p:style>
+          <a:lnRef idx="1">
+            <a:schemeClr val="dk1"/>
+          </a:lnRef>
+          <a:fillRef idx="0">
+            <a:schemeClr val="dk1"/>
+          </a:fillRef>
+          <a:effectRef idx="0">
+            <a:schemeClr val="dk1"/>
+          </a:effectRef>
+          <a:fontRef idx="minor">
+            <a:schemeClr val="tx1"/>
+          </a:fontRef>
+        </p:style>
+      </p:cxnSp>
+      <p:sp>
+        <p:nvSpPr>
+          <p:cNvPr id="127" name="CasellaDiTesto 126">
+            <a:extLst>
+              <a:ext uri="{FF2B5EF4-FFF2-40B4-BE49-F238E27FC236}">
+                <a16:creationId xmlns:a16="http://schemas.microsoft.com/office/drawing/2014/main" id="{2C75512C-9C1B-7EB8-52E3-5D68290087A3}"/>
+              </a:ext>
+            </a:extLst>
+          </p:cNvPr>
+          <p:cNvSpPr txBox="1"/>
+          <p:nvPr/>
+        </p:nvSpPr>
+        <p:spPr>
+          <a:xfrm rot="1932793">
+            <a:off x="6720442" y="1783190"/>
+            <a:ext cx="1634472" cy="261610"/>
+          </a:xfrm>
+          <a:prstGeom prst="rect">
+            <a:avLst/>
+          </a:prstGeom>
+          <a:noFill/>
+        </p:spPr>
+        <p:txBody>
+          <a:bodyPr wrap="square" rtlCol="0">
+            <a:spAutoFit/>
+          </a:bodyPr>
+          <a:lstStyle/>
+          <a:p>
+            <a:pPr algn="ctr"/>
+            <a:r>
+              <a:rPr lang="it-IT" sz="1100" i="1" dirty="0">
+                <a:latin typeface="CMU SERIF ROMAN" panose="02000603000000000000" pitchFamily="2" charset="0"/>
+                <a:ea typeface="CMU SERIF ROMAN" panose="02000603000000000000" pitchFamily="2" charset="0"/>
+                <a:cs typeface="CMU SERIF ROMAN" panose="02000603000000000000" pitchFamily="2" charset="0"/>
+              </a:rPr>
+              <a:t>Task</a:t>
+            </a:r>
+          </a:p>
+        </p:txBody>
+      </p:sp>
+      <p:sp>
+        <p:nvSpPr>
+          <p:cNvPr id="128" name="CasellaDiTesto 127">
+            <a:extLst>
+              <a:ext uri="{FF2B5EF4-FFF2-40B4-BE49-F238E27FC236}">
+                <a16:creationId xmlns:a16="http://schemas.microsoft.com/office/drawing/2014/main" id="{4BA1E2C3-BB77-B32F-7561-0416172F70BF}"/>
+              </a:ext>
+            </a:extLst>
+          </p:cNvPr>
+          <p:cNvSpPr txBox="1"/>
+          <p:nvPr/>
+        </p:nvSpPr>
+        <p:spPr>
+          <a:xfrm rot="20031710">
+            <a:off x="6603620" y="2558578"/>
+            <a:ext cx="1634472" cy="261610"/>
+          </a:xfrm>
+          <a:prstGeom prst="rect">
+            <a:avLst/>
+          </a:prstGeom>
+          <a:noFill/>
+        </p:spPr>
+        <p:txBody>
+          <a:bodyPr wrap="square" rtlCol="0">
+            <a:spAutoFit/>
+          </a:bodyPr>
+          <a:lstStyle/>
+          <a:p>
+            <a:pPr algn="ctr"/>
+            <a:r>
+              <a:rPr lang="it-IT" sz="1100" i="1" dirty="0">
+                <a:latin typeface="CMU SERIF ROMAN" panose="02000603000000000000" pitchFamily="2" charset="0"/>
+                <a:ea typeface="CMU SERIF ROMAN" panose="02000603000000000000" pitchFamily="2" charset="0"/>
+                <a:cs typeface="CMU SERIF ROMAN" panose="02000603000000000000" pitchFamily="2" charset="0"/>
+              </a:rPr>
+              <a:t>Task</a:t>
+            </a:r>
+          </a:p>
+        </p:txBody>
+      </p:sp>
+      <p:sp>
+        <p:nvSpPr>
+          <p:cNvPr id="129" name="CasellaDiTesto 128">
+            <a:extLst>
+              <a:ext uri="{FF2B5EF4-FFF2-40B4-BE49-F238E27FC236}">
+                <a16:creationId xmlns:a16="http://schemas.microsoft.com/office/drawing/2014/main" id="{7229770C-9943-AE31-06B1-B76386ABB65B}"/>
+              </a:ext>
+            </a:extLst>
+          </p:cNvPr>
+          <p:cNvSpPr txBox="1"/>
+          <p:nvPr/>
+        </p:nvSpPr>
+        <p:spPr>
+          <a:xfrm>
+            <a:off x="8321102" y="1989761"/>
+            <a:ext cx="1634472" cy="261610"/>
+          </a:xfrm>
+          <a:prstGeom prst="rect">
+            <a:avLst/>
+          </a:prstGeom>
+          <a:noFill/>
+        </p:spPr>
+        <p:txBody>
+          <a:bodyPr wrap="square" rtlCol="0">
+            <a:spAutoFit/>
+          </a:bodyPr>
+          <a:lstStyle/>
+          <a:p>
+            <a:pPr algn="ctr"/>
+            <a:r>
+              <a:rPr lang="it-IT" sz="1100" i="1" dirty="0">
+                <a:latin typeface="CMU SERIF ROMAN" panose="02000603000000000000" pitchFamily="2" charset="0"/>
+                <a:ea typeface="CMU SERIF ROMAN" panose="02000603000000000000" pitchFamily="2" charset="0"/>
+                <a:cs typeface="CMU SERIF ROMAN" panose="02000603000000000000" pitchFamily="2" charset="0"/>
+              </a:rPr>
+              <a:t>Plan</a:t>
+            </a:r>
+          </a:p>
+        </p:txBody>
+      </p:sp>
+      <p:pic>
+        <p:nvPicPr>
+          <p:cNvPr id="130" name="Immagine 129">
+            <a:extLst>
+              <a:ext uri="{FF2B5EF4-FFF2-40B4-BE49-F238E27FC236}">
+                <a16:creationId xmlns:a16="http://schemas.microsoft.com/office/drawing/2014/main" id="{C6E18B11-2233-2A2B-7DFC-20293ECF6771}"/>
+              </a:ext>
+            </a:extLst>
+          </p:cNvPr>
+          <p:cNvPicPr>
+            <a:picLocks noChangeAspect="1"/>
+          </p:cNvPicPr>
+          <p:nvPr/>
+        </p:nvPicPr>
+        <p:blipFill>
+          <a:blip r:embed="rId9"/>
+          <a:srcRect l="21178" t="20511" r="21611" b="19784"/>
+          <a:stretch>
+            <a:fillRect/>
+          </a:stretch>
+        </p:blipFill>
+        <p:spPr>
+          <a:xfrm>
+            <a:off x="8062158" y="1800619"/>
+            <a:ext cx="517153" cy="539700"/>
+          </a:xfrm>
+          <a:prstGeom prst="rect">
+            <a:avLst/>
+          </a:prstGeom>
+        </p:spPr>
+      </p:pic>
+      <p:pic>
+        <p:nvPicPr>
+          <p:cNvPr id="134" name="Immagine 133">
+            <a:extLst>
+              <a:ext uri="{FF2B5EF4-FFF2-40B4-BE49-F238E27FC236}">
+                <a16:creationId xmlns:a16="http://schemas.microsoft.com/office/drawing/2014/main" id="{95DF6001-54B9-4B2C-A61C-5C4EC573ED57}"/>
+              </a:ext>
+            </a:extLst>
+          </p:cNvPr>
+          <p:cNvPicPr>
+            <a:picLocks noChangeAspect="1"/>
+          </p:cNvPicPr>
+          <p:nvPr/>
+        </p:nvPicPr>
+        <p:blipFill>
+          <a:blip r:embed="rId2"/>
+          <a:stretch>
+            <a:fillRect/>
+          </a:stretch>
+        </p:blipFill>
+        <p:spPr>
+          <a:xfrm>
+            <a:off x="3248258" y="4406789"/>
+            <a:ext cx="449627" cy="449627"/>
+          </a:xfrm>
+          <a:prstGeom prst="rect">
+            <a:avLst/>
+          </a:prstGeom>
+        </p:spPr>
+      </p:pic>
+      <p:pic>
+        <p:nvPicPr>
+          <p:cNvPr id="135" name="Immagine 134">
+            <a:extLst>
+              <a:ext uri="{FF2B5EF4-FFF2-40B4-BE49-F238E27FC236}">
+                <a16:creationId xmlns:a16="http://schemas.microsoft.com/office/drawing/2014/main" id="{89820A85-FC7D-3CF0-26B8-0B9C4B463F00}"/>
+              </a:ext>
+            </a:extLst>
+          </p:cNvPr>
+          <p:cNvPicPr>
+            <a:picLocks noChangeAspect="1"/>
+          </p:cNvPicPr>
+          <p:nvPr/>
+        </p:nvPicPr>
+        <p:blipFill>
+          <a:blip r:embed="rId2"/>
+          <a:stretch>
+            <a:fillRect/>
+          </a:stretch>
+        </p:blipFill>
+        <p:spPr>
+          <a:xfrm>
+            <a:off x="2484500" y="5742547"/>
+            <a:ext cx="449627" cy="449627"/>
+          </a:xfrm>
+          <a:prstGeom prst="rect">
+            <a:avLst/>
+          </a:prstGeom>
+        </p:spPr>
+      </p:pic>
+    </p:spTree>
+    <p:extLst>
+      <p:ext uri="{BB962C8B-B14F-4D97-AF65-F5344CB8AC3E}">
+        <p14:creationId xmlns:p14="http://schemas.microsoft.com/office/powerpoint/2010/main" val="3005477562"/>
+      </p:ext>
+    </p:extLst>
+  </p:cSld>
+  <p:clrMapOvr>
+    <a:masterClrMapping/>
+  </p:clrMapOvr>
+</p:sld>
+</file>
+
+<file path=ppt/slides/slide8.xml><?xml version="1.0" encoding="utf-8"?>
+<p:sld xmlns:a="http://schemas.openxmlformats.org/drawingml/2006/main" xmlns:r="http://schemas.openxmlformats.org/officeDocument/2006/relationships" xmlns:p="http://schemas.openxmlformats.org/presentationml/2006/main">
+  <p:cSld>
+    <p:spTree>
+      <p:nvGrpSpPr>
+        <p:cNvPr id="1" name="">
+          <a:extLst>
+            <a:ext uri="{FF2B5EF4-FFF2-40B4-BE49-F238E27FC236}">
+              <a16:creationId xmlns:a16="http://schemas.microsoft.com/office/drawing/2014/main" id="{89E65865-F38B-DACF-EDDA-DCBDC1C885D8}"/>
+            </a:ext>
+          </a:extLst>
+        </p:cNvPr>
+        <p:cNvGrpSpPr/>
+        <p:nvPr/>
+      </p:nvGrpSpPr>
+      <p:grpSpPr>
+        <a:xfrm>
+          <a:off x="0" y="0"/>
+          <a:ext cx="0" cy="0"/>
+          <a:chOff x="0" y="0"/>
+          <a:chExt cx="0" cy="0"/>
+        </a:xfrm>
+      </p:grpSpPr>
+      <p:grpSp>
+        <p:nvGrpSpPr>
+          <p:cNvPr id="70" name="Gruppo 69">
+            <a:extLst>
+              <a:ext uri="{FF2B5EF4-FFF2-40B4-BE49-F238E27FC236}">
+                <a16:creationId xmlns:a16="http://schemas.microsoft.com/office/drawing/2014/main" id="{CC6FCABE-71B8-0D61-38A7-02F1242C5F77}"/>
+              </a:ext>
+            </a:extLst>
+          </p:cNvPr>
+          <p:cNvGrpSpPr/>
+          <p:nvPr/>
+        </p:nvGrpSpPr>
+        <p:grpSpPr>
+          <a:xfrm flipH="1">
+            <a:off x="121032" y="278370"/>
+            <a:ext cx="5563418" cy="2992646"/>
+            <a:chOff x="901320" y="948930"/>
+            <a:chExt cx="5563418" cy="2992646"/>
+          </a:xfrm>
+        </p:grpSpPr>
+        <p:pic>
+          <p:nvPicPr>
+            <p:cNvPr id="45" name="Immagine 44">
+              <a:extLst>
+                <a:ext uri="{FF2B5EF4-FFF2-40B4-BE49-F238E27FC236}">
+                  <a16:creationId xmlns:a16="http://schemas.microsoft.com/office/drawing/2014/main" id="{396A4423-3713-DADD-BC8C-F1ED2EFF8425}"/>
+                </a:ext>
+              </a:extLst>
+            </p:cNvPr>
+            <p:cNvPicPr>
+              <a:picLocks noChangeAspect="1"/>
+            </p:cNvPicPr>
+            <p:nvPr/>
+          </p:nvPicPr>
+          <p:blipFill>
+            <a:blip r:embed="rId2"/>
+            <a:stretch>
+              <a:fillRect/>
+            </a:stretch>
+          </p:blipFill>
+          <p:spPr>
+            <a:xfrm>
+              <a:off x="1449022" y="948930"/>
+              <a:ext cx="539068" cy="539068"/>
+            </a:xfrm>
+            <a:prstGeom prst="rect">
+              <a:avLst/>
+            </a:prstGeom>
+          </p:spPr>
+        </p:pic>
+        <p:pic>
+          <p:nvPicPr>
+            <p:cNvPr id="46" name="Immagine 45">
+              <a:extLst>
+                <a:ext uri="{FF2B5EF4-FFF2-40B4-BE49-F238E27FC236}">
+                  <a16:creationId xmlns:a16="http://schemas.microsoft.com/office/drawing/2014/main" id="{0505FB2F-BE2C-8A2B-1D8E-F046E4FBFBC3}"/>
+                </a:ext>
+              </a:extLst>
+            </p:cNvPr>
+            <p:cNvPicPr>
+              <a:picLocks noChangeAspect="1"/>
+            </p:cNvPicPr>
+            <p:nvPr/>
+          </p:nvPicPr>
+          <p:blipFill>
+            <a:blip r:embed="rId3"/>
+            <a:stretch>
+              <a:fillRect/>
+            </a:stretch>
+          </p:blipFill>
+          <p:spPr>
+            <a:xfrm>
+              <a:off x="3481906" y="1830113"/>
+              <a:ext cx="609600" cy="609600"/>
+            </a:xfrm>
+            <a:prstGeom prst="rect">
+              <a:avLst/>
+            </a:prstGeom>
+          </p:spPr>
+        </p:pic>
+        <p:sp>
+          <p:nvSpPr>
+            <p:cNvPr id="47" name="CasellaDiTesto 46">
+              <a:extLst>
+                <a:ext uri="{FF2B5EF4-FFF2-40B4-BE49-F238E27FC236}">
+                  <a16:creationId xmlns:a16="http://schemas.microsoft.com/office/drawing/2014/main" id="{23812ACF-7D23-D1BA-62C5-62B5BA243EEF}"/>
+                </a:ext>
+              </a:extLst>
+            </p:cNvPr>
+            <p:cNvSpPr txBox="1"/>
+            <p:nvPr/>
+          </p:nvSpPr>
+          <p:spPr>
+            <a:xfrm>
+              <a:off x="2969470" y="2444722"/>
+              <a:ext cx="1634472" cy="523220"/>
+            </a:xfrm>
+            <a:prstGeom prst="rect">
+              <a:avLst/>
+            </a:prstGeom>
+            <a:noFill/>
+          </p:spPr>
+          <p:txBody>
+            <a:bodyPr wrap="square" rtlCol="0">
+              <a:spAutoFit/>
+            </a:bodyPr>
+            <a:lstStyle/>
+            <a:p>
+              <a:pPr algn="ctr"/>
+              <a:r>
+                <a:rPr lang="it-IT" sz="1400" b="1" dirty="0">
+                  <a:latin typeface="CMU SERIF ROMAN" panose="02000603000000000000" pitchFamily="2" charset="0"/>
+                  <a:ea typeface="CMU SERIF ROMAN" panose="02000603000000000000" pitchFamily="2" charset="0"/>
+                  <a:cs typeface="CMU SERIF ROMAN" panose="02000603000000000000" pitchFamily="2" charset="0"/>
+                </a:rPr>
+                <a:t>Coordinator</a:t>
+              </a:r>
+            </a:p>
+            <a:p>
+              <a:pPr algn="ctr"/>
+              <a:r>
+                <a:rPr lang="it-IT" sz="1400" b="1" dirty="0">
+                  <a:latin typeface="CMU SERIF ROMAN" panose="02000603000000000000" pitchFamily="2" charset="0"/>
+                  <a:ea typeface="CMU SERIF ROMAN" panose="02000603000000000000" pitchFamily="2" charset="0"/>
+                  <a:cs typeface="CMU SERIF ROMAN" panose="02000603000000000000" pitchFamily="2" charset="0"/>
+                </a:rPr>
+                <a:t>Agent</a:t>
+              </a:r>
+            </a:p>
+          </p:txBody>
+        </p:sp>
+        <p:sp>
+          <p:nvSpPr>
+            <p:cNvPr id="48" name="CasellaDiTesto 47">
+              <a:extLst>
+                <a:ext uri="{FF2B5EF4-FFF2-40B4-BE49-F238E27FC236}">
+                  <a16:creationId xmlns:a16="http://schemas.microsoft.com/office/drawing/2014/main" id="{F1F490EB-35A9-C869-EEC1-CBB683C6A766}"/>
+                </a:ext>
+              </a:extLst>
+            </p:cNvPr>
+            <p:cNvSpPr txBox="1"/>
+            <p:nvPr/>
+          </p:nvSpPr>
+          <p:spPr>
+            <a:xfrm>
+              <a:off x="901320" y="1512925"/>
+              <a:ext cx="1634472" cy="307777"/>
+            </a:xfrm>
+            <a:prstGeom prst="rect">
+              <a:avLst/>
+            </a:prstGeom>
+            <a:noFill/>
+          </p:spPr>
+          <p:txBody>
+            <a:bodyPr wrap="square" rtlCol="0">
+              <a:spAutoFit/>
+            </a:bodyPr>
+            <a:lstStyle/>
+            <a:p>
+              <a:pPr algn="ctr"/>
+              <a:r>
+                <a:rPr lang="it-IT" sz="1400" b="1" dirty="0">
+                  <a:latin typeface="CMU SERIF ROMAN" panose="02000603000000000000" pitchFamily="2" charset="0"/>
+                  <a:ea typeface="CMU SERIF ROMAN" panose="02000603000000000000" pitchFamily="2" charset="0"/>
+                  <a:cs typeface="CMU SERIF ROMAN" panose="02000603000000000000" pitchFamily="2" charset="0"/>
+                </a:rPr>
+                <a:t>Agent 1</a:t>
+              </a:r>
+            </a:p>
+          </p:txBody>
+        </p:sp>
+        <p:pic>
+          <p:nvPicPr>
+            <p:cNvPr id="49" name="Immagine 48">
+              <a:extLst>
+                <a:ext uri="{FF2B5EF4-FFF2-40B4-BE49-F238E27FC236}">
+                  <a16:creationId xmlns:a16="http://schemas.microsoft.com/office/drawing/2014/main" id="{BD9B1861-6339-D396-A023-E1A8A3257BC1}"/>
+                </a:ext>
+              </a:extLst>
+            </p:cNvPr>
+            <p:cNvPicPr>
+              <a:picLocks noChangeAspect="1"/>
+            </p:cNvPicPr>
+            <p:nvPr/>
+          </p:nvPicPr>
+          <p:blipFill>
+            <a:blip r:embed="rId2"/>
+            <a:stretch>
+              <a:fillRect/>
+            </a:stretch>
+          </p:blipFill>
+          <p:spPr>
+            <a:xfrm>
+              <a:off x="1449022" y="2009367"/>
+              <a:ext cx="539068" cy="539068"/>
+            </a:xfrm>
+            <a:prstGeom prst="rect">
+              <a:avLst/>
+            </a:prstGeom>
+          </p:spPr>
+        </p:pic>
+        <p:sp>
+          <p:nvSpPr>
+            <p:cNvPr id="50" name="CasellaDiTesto 49">
+              <a:extLst>
+                <a:ext uri="{FF2B5EF4-FFF2-40B4-BE49-F238E27FC236}">
+                  <a16:creationId xmlns:a16="http://schemas.microsoft.com/office/drawing/2014/main" id="{01919E60-F35F-7D96-7962-43D634333E5E}"/>
+                </a:ext>
+              </a:extLst>
+            </p:cNvPr>
+            <p:cNvSpPr txBox="1"/>
+            <p:nvPr/>
+          </p:nvSpPr>
+          <p:spPr>
+            <a:xfrm>
+              <a:off x="901320" y="2573362"/>
+              <a:ext cx="1634472" cy="307777"/>
+            </a:xfrm>
+            <a:prstGeom prst="rect">
+              <a:avLst/>
+            </a:prstGeom>
+            <a:noFill/>
+          </p:spPr>
+          <p:txBody>
+            <a:bodyPr wrap="square" rtlCol="0">
+              <a:spAutoFit/>
+            </a:bodyPr>
+            <a:lstStyle/>
+            <a:p>
+              <a:pPr algn="ctr"/>
+              <a:r>
+                <a:rPr lang="it-IT" sz="1400" b="1" dirty="0">
+                  <a:latin typeface="CMU SERIF ROMAN" panose="02000603000000000000" pitchFamily="2" charset="0"/>
+                  <a:ea typeface="CMU SERIF ROMAN" panose="02000603000000000000" pitchFamily="2" charset="0"/>
+                  <a:cs typeface="CMU SERIF ROMAN" panose="02000603000000000000" pitchFamily="2" charset="0"/>
+                </a:rPr>
+                <a:t>Agent 2</a:t>
+              </a:r>
+            </a:p>
+          </p:txBody>
+        </p:sp>
+        <p:pic>
+          <p:nvPicPr>
+            <p:cNvPr id="51" name="Immagine 50">
+              <a:extLst>
+                <a:ext uri="{FF2B5EF4-FFF2-40B4-BE49-F238E27FC236}">
+                  <a16:creationId xmlns:a16="http://schemas.microsoft.com/office/drawing/2014/main" id="{008C1715-AA4F-E980-4846-05B896975BD8}"/>
+                </a:ext>
+              </a:extLst>
+            </p:cNvPr>
+            <p:cNvPicPr>
+              <a:picLocks noChangeAspect="1"/>
+            </p:cNvPicPr>
+            <p:nvPr/>
+          </p:nvPicPr>
+          <p:blipFill>
+            <a:blip r:embed="rId2"/>
+            <a:stretch>
+              <a:fillRect/>
+            </a:stretch>
+          </p:blipFill>
+          <p:spPr>
+            <a:xfrm>
+              <a:off x="1449022" y="3069804"/>
+              <a:ext cx="539068" cy="539068"/>
+            </a:xfrm>
+            <a:prstGeom prst="rect">
+              <a:avLst/>
+            </a:prstGeom>
+          </p:spPr>
+        </p:pic>
+        <p:sp>
+          <p:nvSpPr>
+            <p:cNvPr id="52" name="CasellaDiTesto 51">
+              <a:extLst>
+                <a:ext uri="{FF2B5EF4-FFF2-40B4-BE49-F238E27FC236}">
+                  <a16:creationId xmlns:a16="http://schemas.microsoft.com/office/drawing/2014/main" id="{E3205BDA-254E-EF51-EDFB-77D2362E7F0D}"/>
+                </a:ext>
+              </a:extLst>
+            </p:cNvPr>
+            <p:cNvSpPr txBox="1"/>
+            <p:nvPr/>
+          </p:nvSpPr>
+          <p:spPr>
+            <a:xfrm>
+              <a:off x="901320" y="3633799"/>
+              <a:ext cx="1634472" cy="307777"/>
+            </a:xfrm>
+            <a:prstGeom prst="rect">
+              <a:avLst/>
+            </a:prstGeom>
+            <a:noFill/>
+          </p:spPr>
+          <p:txBody>
+            <a:bodyPr wrap="square" rtlCol="0">
+              <a:spAutoFit/>
+            </a:bodyPr>
+            <a:lstStyle/>
+            <a:p>
+              <a:pPr algn="ctr"/>
+              <a:r>
+                <a:rPr lang="it-IT" sz="1400" b="1" dirty="0">
+                  <a:latin typeface="CMU SERIF ROMAN" panose="02000603000000000000" pitchFamily="2" charset="0"/>
+                  <a:ea typeface="CMU SERIF ROMAN" panose="02000603000000000000" pitchFamily="2" charset="0"/>
+                  <a:cs typeface="CMU SERIF ROMAN" panose="02000603000000000000" pitchFamily="2" charset="0"/>
+                </a:rPr>
+                <a:t>Agent </a:t>
+              </a:r>
+              <a:r>
+                <a:rPr lang="it-IT" sz="1400" b="1" dirty="0" err="1">
+                  <a:latin typeface="CMU SERIF ROMAN" panose="02000603000000000000" pitchFamily="2" charset="0"/>
+                  <a:ea typeface="CMU SERIF ROMAN" panose="02000603000000000000" pitchFamily="2" charset="0"/>
+                  <a:cs typeface="CMU SERIF ROMAN" panose="02000603000000000000" pitchFamily="2" charset="0"/>
+                </a:rPr>
+                <a:t>n</a:t>
+              </a:r>
+              <a:endParaRPr lang="it-IT" sz="1400" b="1" dirty="0">
+                <a:latin typeface="CMU SERIF ROMAN" panose="02000603000000000000" pitchFamily="2" charset="0"/>
+                <a:ea typeface="CMU SERIF ROMAN" panose="02000603000000000000" pitchFamily="2" charset="0"/>
+                <a:cs typeface="CMU SERIF ROMAN" panose="02000603000000000000" pitchFamily="2" charset="0"/>
+              </a:endParaRPr>
+            </a:p>
+          </p:txBody>
+        </p:sp>
+        <p:cxnSp>
+          <p:nvCxnSpPr>
+            <p:cNvPr id="53" name="Connettore 1 55">
+              <a:extLst>
+                <a:ext uri="{FF2B5EF4-FFF2-40B4-BE49-F238E27FC236}">
+                  <a16:creationId xmlns:a16="http://schemas.microsoft.com/office/drawing/2014/main" id="{891F1A1A-23A5-713B-96D8-D254484EC32D}"/>
+                </a:ext>
+              </a:extLst>
+            </p:cNvPr>
+            <p:cNvCxnSpPr>
+              <a:cxnSpLocks/>
+            </p:cNvCxnSpPr>
+            <p:nvPr/>
+          </p:nvCxnSpPr>
+          <p:spPr>
+            <a:xfrm>
+              <a:off x="2215790" y="1367186"/>
+              <a:ext cx="909928" cy="605834"/>
+            </a:xfrm>
+            <a:prstGeom prst="line">
+              <a:avLst/>
+            </a:prstGeom>
+            <a:ln w="12700" cap="rnd">
+              <a:tailEnd type="arrow"/>
+            </a:ln>
+          </p:spPr>
+          <p:style>
+            <a:lnRef idx="1">
+              <a:schemeClr val="dk1"/>
+            </a:lnRef>
+            <a:fillRef idx="0">
+              <a:schemeClr val="dk1"/>
+            </a:fillRef>
+            <a:effectRef idx="0">
+              <a:schemeClr val="dk1"/>
+            </a:effectRef>
+            <a:fontRef idx="minor">
+              <a:schemeClr val="tx1"/>
+            </a:fontRef>
+          </p:style>
+        </p:cxnSp>
+        <p:cxnSp>
+          <p:nvCxnSpPr>
+            <p:cNvPr id="54" name="Connettore 1 55">
+              <a:extLst>
+                <a:ext uri="{FF2B5EF4-FFF2-40B4-BE49-F238E27FC236}">
+                  <a16:creationId xmlns:a16="http://schemas.microsoft.com/office/drawing/2014/main" id="{1FDDFAF2-3BC7-263E-70BB-CF0A9ABE5156}"/>
+                </a:ext>
+              </a:extLst>
+            </p:cNvPr>
+            <p:cNvCxnSpPr>
+              <a:cxnSpLocks/>
+            </p:cNvCxnSpPr>
+            <p:nvPr/>
+          </p:nvCxnSpPr>
+          <p:spPr>
+            <a:xfrm>
+              <a:off x="2126051" y="2463576"/>
+              <a:ext cx="1007416" cy="0"/>
+            </a:xfrm>
+            <a:prstGeom prst="line">
+              <a:avLst/>
+            </a:prstGeom>
+            <a:ln w="12700" cap="rnd">
+              <a:tailEnd type="arrow"/>
+            </a:ln>
+          </p:spPr>
+          <p:style>
+            <a:lnRef idx="1">
+              <a:schemeClr val="dk1"/>
+            </a:lnRef>
+            <a:fillRef idx="0">
+              <a:schemeClr val="dk1"/>
+            </a:fillRef>
+            <a:effectRef idx="0">
+              <a:schemeClr val="dk1"/>
+            </a:effectRef>
+            <a:fontRef idx="minor">
+              <a:schemeClr val="tx1"/>
+            </a:fontRef>
+          </p:style>
+        </p:cxnSp>
+        <p:cxnSp>
+          <p:nvCxnSpPr>
+            <p:cNvPr id="55" name="Connettore 1 52">
+              <a:extLst>
+                <a:ext uri="{FF2B5EF4-FFF2-40B4-BE49-F238E27FC236}">
+                  <a16:creationId xmlns:a16="http://schemas.microsoft.com/office/drawing/2014/main" id="{EA6A25E0-7379-EC14-2C6D-B7FA1B112819}"/>
+                </a:ext>
+              </a:extLst>
+            </p:cNvPr>
+            <p:cNvCxnSpPr>
+              <a:cxnSpLocks/>
+            </p:cNvCxnSpPr>
+            <p:nvPr/>
+          </p:nvCxnSpPr>
+          <p:spPr>
+            <a:xfrm flipV="1">
+              <a:off x="2236141" y="2886609"/>
+              <a:ext cx="905075" cy="565836"/>
+            </a:xfrm>
+            <a:prstGeom prst="line">
+              <a:avLst/>
+            </a:prstGeom>
+            <a:ln w="12700" cap="rnd">
+              <a:tailEnd type="arrow"/>
+            </a:ln>
+          </p:spPr>
+          <p:style>
+            <a:lnRef idx="1">
+              <a:schemeClr val="dk1"/>
+            </a:lnRef>
+            <a:fillRef idx="0">
+              <a:schemeClr val="dk1"/>
+            </a:fillRef>
+            <a:effectRef idx="0">
+              <a:schemeClr val="dk1"/>
+            </a:effectRef>
+            <a:fontRef idx="minor">
+              <a:schemeClr val="tx1"/>
+            </a:fontRef>
+          </p:style>
+        </p:cxnSp>
+        <p:cxnSp>
+          <p:nvCxnSpPr>
+            <p:cNvPr id="56" name="Connettore 1 55">
+              <a:extLst>
+                <a:ext uri="{FF2B5EF4-FFF2-40B4-BE49-F238E27FC236}">
+                  <a16:creationId xmlns:a16="http://schemas.microsoft.com/office/drawing/2014/main" id="{63A0AB5E-50BA-C18D-96C8-949CDBB8498D}"/>
+                </a:ext>
+              </a:extLst>
+            </p:cNvPr>
+            <p:cNvCxnSpPr>
+              <a:cxnSpLocks/>
+            </p:cNvCxnSpPr>
+            <p:nvPr/>
+          </p:nvCxnSpPr>
+          <p:spPr>
+            <a:xfrm>
+              <a:off x="4389236" y="2534806"/>
+              <a:ext cx="750754" cy="0"/>
+            </a:xfrm>
+            <a:prstGeom prst="line">
+              <a:avLst/>
+            </a:prstGeom>
+            <a:ln w="12700" cap="rnd">
+              <a:tailEnd type="arrow"/>
+            </a:ln>
+          </p:spPr>
+          <p:style>
+            <a:lnRef idx="1">
+              <a:schemeClr val="dk1"/>
+            </a:lnRef>
+            <a:fillRef idx="0">
+              <a:schemeClr val="dk1"/>
+            </a:fillRef>
+            <a:effectRef idx="0">
+              <a:schemeClr val="dk1"/>
+            </a:effectRef>
+            <a:fontRef idx="minor">
+              <a:schemeClr val="tx1"/>
+            </a:fontRef>
+          </p:style>
+        </p:cxnSp>
+        <p:cxnSp>
+          <p:nvCxnSpPr>
+            <p:cNvPr id="57" name="Connettore 1 55">
+              <a:extLst>
+                <a:ext uri="{FF2B5EF4-FFF2-40B4-BE49-F238E27FC236}">
+                  <a16:creationId xmlns:a16="http://schemas.microsoft.com/office/drawing/2014/main" id="{1DF25D74-9362-CCC1-E6B9-395E49DFF38B}"/>
+                </a:ext>
+              </a:extLst>
+            </p:cNvPr>
+            <p:cNvCxnSpPr>
+              <a:cxnSpLocks/>
+            </p:cNvCxnSpPr>
+            <p:nvPr/>
+          </p:nvCxnSpPr>
+          <p:spPr>
+            <a:xfrm flipH="1">
+              <a:off x="4389236" y="2347730"/>
+              <a:ext cx="701940" cy="0"/>
+            </a:xfrm>
+            <a:prstGeom prst="line">
+              <a:avLst/>
+            </a:prstGeom>
+            <a:ln w="12700" cap="rnd">
+              <a:tailEnd type="arrow"/>
+            </a:ln>
+          </p:spPr>
+          <p:style>
+            <a:lnRef idx="1">
+              <a:schemeClr val="dk1"/>
+            </a:lnRef>
+            <a:fillRef idx="0">
+              <a:schemeClr val="dk1"/>
+            </a:fillRef>
+            <a:effectRef idx="0">
+              <a:schemeClr val="dk1"/>
+            </a:effectRef>
+            <a:fontRef idx="minor">
+              <a:schemeClr val="tx1"/>
+            </a:fontRef>
+          </p:style>
+        </p:cxnSp>
+        <p:sp>
+          <p:nvSpPr>
+            <p:cNvPr id="58" name="CasellaDiTesto 57">
+              <a:extLst>
+                <a:ext uri="{FF2B5EF4-FFF2-40B4-BE49-F238E27FC236}">
+                  <a16:creationId xmlns:a16="http://schemas.microsoft.com/office/drawing/2014/main" id="{67BD1555-8F76-4FEB-EF30-FBA665058A58}"/>
+                </a:ext>
+              </a:extLst>
+            </p:cNvPr>
+            <p:cNvSpPr txBox="1"/>
+            <p:nvPr/>
+          </p:nvSpPr>
+          <p:spPr>
+            <a:xfrm>
+              <a:off x="1886281" y="2230918"/>
+              <a:ext cx="1634472" cy="261610"/>
+            </a:xfrm>
+            <a:prstGeom prst="rect">
+              <a:avLst/>
+            </a:prstGeom>
+            <a:noFill/>
+          </p:spPr>
+          <p:txBody>
+            <a:bodyPr wrap="square" rtlCol="0">
+              <a:spAutoFit/>
+            </a:bodyPr>
+            <a:lstStyle/>
+            <a:p>
+              <a:pPr algn="ctr"/>
+              <a:r>
+                <a:rPr lang="it-IT" sz="1100" i="1" dirty="0">
+                  <a:latin typeface="CMU SERIF ROMAN" panose="02000603000000000000" pitchFamily="2" charset="0"/>
+                  <a:ea typeface="CMU SERIF ROMAN" panose="02000603000000000000" pitchFamily="2" charset="0"/>
+                  <a:cs typeface="CMU SERIF ROMAN" panose="02000603000000000000" pitchFamily="2" charset="0"/>
+                </a:rPr>
+                <a:t>Submit vote</a:t>
+              </a:r>
+            </a:p>
+          </p:txBody>
+        </p:sp>
+        <p:sp>
+          <p:nvSpPr>
+            <p:cNvPr id="59" name="CasellaDiTesto 58">
+              <a:extLst>
+                <a:ext uri="{FF2B5EF4-FFF2-40B4-BE49-F238E27FC236}">
+                  <a16:creationId xmlns:a16="http://schemas.microsoft.com/office/drawing/2014/main" id="{5EAB42E1-0C16-396A-41C5-0B3F4613354B}"/>
+                </a:ext>
+              </a:extLst>
+            </p:cNvPr>
+            <p:cNvSpPr txBox="1"/>
+            <p:nvPr/>
+          </p:nvSpPr>
+          <p:spPr>
+            <a:xfrm>
+              <a:off x="3922970" y="2564338"/>
+              <a:ext cx="1634472" cy="261610"/>
+            </a:xfrm>
+            <a:prstGeom prst="rect">
+              <a:avLst/>
+            </a:prstGeom>
+            <a:noFill/>
+          </p:spPr>
+          <p:txBody>
+            <a:bodyPr wrap="square" rtlCol="0">
+              <a:spAutoFit/>
+            </a:bodyPr>
+            <a:lstStyle/>
+            <a:p>
+              <a:pPr algn="ctr"/>
+              <a:r>
+                <a:rPr lang="it-IT" sz="1100" i="1" dirty="0">
+                  <a:latin typeface="CMU SERIF ROMAN" panose="02000603000000000000" pitchFamily="2" charset="0"/>
+                  <a:ea typeface="CMU SERIF ROMAN" panose="02000603000000000000" pitchFamily="2" charset="0"/>
+                  <a:cs typeface="CMU SERIF ROMAN" panose="02000603000000000000" pitchFamily="2" charset="0"/>
+                </a:rPr>
+                <a:t>Result</a:t>
+              </a:r>
+            </a:p>
+          </p:txBody>
+        </p:sp>
+        <p:sp>
+          <p:nvSpPr>
+            <p:cNvPr id="60" name="CasellaDiTesto 59">
+              <a:extLst>
+                <a:ext uri="{FF2B5EF4-FFF2-40B4-BE49-F238E27FC236}">
+                  <a16:creationId xmlns:a16="http://schemas.microsoft.com/office/drawing/2014/main" id="{00717C35-FE31-AC49-E8B0-4E5AA598DFF3}"/>
+                </a:ext>
+              </a:extLst>
+            </p:cNvPr>
+            <p:cNvSpPr txBox="1"/>
+            <p:nvPr/>
+          </p:nvSpPr>
+          <p:spPr>
+            <a:xfrm>
+              <a:off x="3947377" y="2035988"/>
+              <a:ext cx="1634472" cy="261610"/>
+            </a:xfrm>
+            <a:prstGeom prst="rect">
+              <a:avLst/>
+            </a:prstGeom>
+            <a:noFill/>
+          </p:spPr>
+          <p:txBody>
+            <a:bodyPr wrap="square" rtlCol="0">
+              <a:spAutoFit/>
+            </a:bodyPr>
+            <a:lstStyle/>
+            <a:p>
+              <a:pPr algn="ctr"/>
+              <a:r>
+                <a:rPr lang="it-IT" sz="1100" i="1" dirty="0">
+                  <a:latin typeface="CMU SERIF ROMAN" panose="02000603000000000000" pitchFamily="2" charset="0"/>
+                  <a:ea typeface="CMU SERIF ROMAN" panose="02000603000000000000" pitchFamily="2" charset="0"/>
+                  <a:cs typeface="CMU SERIF ROMAN" panose="02000603000000000000" pitchFamily="2" charset="0"/>
+                </a:rPr>
+                <a:t>Prompt</a:t>
+              </a:r>
+            </a:p>
+          </p:txBody>
+        </p:sp>
+        <p:pic>
+          <p:nvPicPr>
+            <p:cNvPr id="61" name="Immagine 60">
+              <a:extLst>
+                <a:ext uri="{FF2B5EF4-FFF2-40B4-BE49-F238E27FC236}">
+                  <a16:creationId xmlns:a16="http://schemas.microsoft.com/office/drawing/2014/main" id="{773F31CF-DC95-F24D-EEE9-75DD6A41F8CE}"/>
+                </a:ext>
+              </a:extLst>
+            </p:cNvPr>
+            <p:cNvPicPr>
+              <a:picLocks noChangeAspect="1"/>
+            </p:cNvPicPr>
+            <p:nvPr/>
+          </p:nvPicPr>
+          <p:blipFill>
+            <a:blip r:embed="rId4"/>
+            <a:stretch>
+              <a:fillRect/>
+            </a:stretch>
+          </p:blipFill>
+          <p:spPr>
+            <a:xfrm>
+              <a:off x="5319369" y="1954524"/>
+              <a:ext cx="635000" cy="635000"/>
+            </a:xfrm>
+            <a:prstGeom prst="rect">
+              <a:avLst/>
+            </a:prstGeom>
+          </p:spPr>
+        </p:pic>
+        <p:sp>
+          <p:nvSpPr>
+            <p:cNvPr id="62" name="CasellaDiTesto 61">
+              <a:extLst>
+                <a:ext uri="{FF2B5EF4-FFF2-40B4-BE49-F238E27FC236}">
+                  <a16:creationId xmlns:a16="http://schemas.microsoft.com/office/drawing/2014/main" id="{97636CB6-51AA-5B8C-CF64-9B169D8B4112}"/>
+                </a:ext>
+              </a:extLst>
+            </p:cNvPr>
+            <p:cNvSpPr txBox="1"/>
+            <p:nvPr/>
+          </p:nvSpPr>
+          <p:spPr>
+            <a:xfrm>
+              <a:off x="4830266" y="2546452"/>
+              <a:ext cx="1634472" cy="307777"/>
+            </a:xfrm>
+            <a:prstGeom prst="rect">
+              <a:avLst/>
+            </a:prstGeom>
+            <a:noFill/>
+          </p:spPr>
+          <p:txBody>
+            <a:bodyPr wrap="square" rtlCol="0">
+              <a:spAutoFit/>
+            </a:bodyPr>
+            <a:lstStyle/>
+            <a:p>
+              <a:pPr algn="ctr"/>
+              <a:r>
+                <a:rPr lang="it-IT" sz="1400" b="1" dirty="0">
+                  <a:latin typeface="CMU SERIF ROMAN" panose="02000603000000000000" pitchFamily="2" charset="0"/>
+                  <a:ea typeface="CMU SERIF ROMAN" panose="02000603000000000000" pitchFamily="2" charset="0"/>
+                  <a:cs typeface="CMU SERIF ROMAN" panose="02000603000000000000" pitchFamily="2" charset="0"/>
+                </a:rPr>
+                <a:t>Tool</a:t>
+              </a:r>
+            </a:p>
+          </p:txBody>
+        </p:sp>
+        <p:pic>
+          <p:nvPicPr>
+            <p:cNvPr id="63" name="Immagine 62">
+              <a:extLst>
+                <a:ext uri="{FF2B5EF4-FFF2-40B4-BE49-F238E27FC236}">
+                  <a16:creationId xmlns:a16="http://schemas.microsoft.com/office/drawing/2014/main" id="{A9B2A39C-BBF2-086F-CA29-62798FDCFDA7}"/>
+                </a:ext>
+              </a:extLst>
+            </p:cNvPr>
+            <p:cNvPicPr>
+              <a:picLocks noChangeAspect="1"/>
+            </p:cNvPicPr>
+            <p:nvPr/>
+          </p:nvPicPr>
+          <p:blipFill>
+            <a:blip r:embed="rId5"/>
+            <a:stretch>
+              <a:fillRect/>
+            </a:stretch>
+          </p:blipFill>
+          <p:spPr>
+            <a:xfrm>
+              <a:off x="4625218" y="2824541"/>
+              <a:ext cx="261610" cy="261610"/>
+            </a:xfrm>
+            <a:prstGeom prst="rect">
+              <a:avLst/>
+            </a:prstGeom>
+          </p:spPr>
+        </p:pic>
+        <p:pic>
+          <p:nvPicPr>
+            <p:cNvPr id="64" name="Immagine 63">
+              <a:extLst>
+                <a:ext uri="{FF2B5EF4-FFF2-40B4-BE49-F238E27FC236}">
+                  <a16:creationId xmlns:a16="http://schemas.microsoft.com/office/drawing/2014/main" id="{AFC187FB-8276-E3E2-878C-254EF034EF10}"/>
+                </a:ext>
+              </a:extLst>
+            </p:cNvPr>
+            <p:cNvPicPr>
+              <a:picLocks noChangeAspect="1"/>
+            </p:cNvPicPr>
+            <p:nvPr/>
+          </p:nvPicPr>
+          <p:blipFill>
+            <a:blip r:embed="rId6"/>
+            <a:stretch>
+              <a:fillRect/>
+            </a:stretch>
+          </p:blipFill>
+          <p:spPr>
+            <a:xfrm>
+              <a:off x="4634432" y="1775549"/>
+              <a:ext cx="279824" cy="279824"/>
+            </a:xfrm>
+            <a:prstGeom prst="rect">
+              <a:avLst/>
+            </a:prstGeom>
+          </p:spPr>
+        </p:pic>
+        <p:pic>
+          <p:nvPicPr>
+            <p:cNvPr id="65" name="Immagine 64">
+              <a:extLst>
+                <a:ext uri="{FF2B5EF4-FFF2-40B4-BE49-F238E27FC236}">
+                  <a16:creationId xmlns:a16="http://schemas.microsoft.com/office/drawing/2014/main" id="{73AA4805-80ED-09E1-259E-A59A4D88CA54}"/>
+                </a:ext>
+              </a:extLst>
+            </p:cNvPr>
+            <p:cNvPicPr>
+              <a:picLocks noChangeAspect="1"/>
+            </p:cNvPicPr>
+            <p:nvPr/>
+          </p:nvPicPr>
+          <p:blipFill>
+            <a:blip r:embed="rId7"/>
+            <a:stretch>
+              <a:fillRect/>
+            </a:stretch>
+          </p:blipFill>
+          <p:spPr>
+            <a:xfrm>
+              <a:off x="2078272" y="2212467"/>
+              <a:ext cx="245008" cy="245008"/>
+            </a:xfrm>
+            <a:prstGeom prst="rect">
+              <a:avLst/>
+            </a:prstGeom>
+          </p:spPr>
+        </p:pic>
+        <p:sp>
+          <p:nvSpPr>
+            <p:cNvPr id="66" name="CasellaDiTesto 65">
+              <a:extLst>
+                <a:ext uri="{FF2B5EF4-FFF2-40B4-BE49-F238E27FC236}">
+                  <a16:creationId xmlns:a16="http://schemas.microsoft.com/office/drawing/2014/main" id="{7A47AE97-B82C-9913-47F5-2A5885D441D9}"/>
+                </a:ext>
+              </a:extLst>
+            </p:cNvPr>
+            <p:cNvSpPr txBox="1"/>
+            <p:nvPr/>
+          </p:nvSpPr>
+          <p:spPr>
+            <a:xfrm rot="19646011">
+              <a:off x="1866966" y="2917240"/>
+              <a:ext cx="1634472" cy="261610"/>
+            </a:xfrm>
+            <a:prstGeom prst="rect">
+              <a:avLst/>
+            </a:prstGeom>
+            <a:noFill/>
+          </p:spPr>
+          <p:txBody>
+            <a:bodyPr wrap="square" rtlCol="0">
+              <a:spAutoFit/>
+            </a:bodyPr>
+            <a:lstStyle/>
+            <a:p>
+              <a:pPr algn="ctr"/>
+              <a:r>
+                <a:rPr lang="it-IT" sz="1100" i="1" dirty="0">
+                  <a:latin typeface="CMU SERIF ROMAN" panose="02000603000000000000" pitchFamily="2" charset="0"/>
+                  <a:ea typeface="CMU SERIF ROMAN" panose="02000603000000000000" pitchFamily="2" charset="0"/>
+                  <a:cs typeface="CMU SERIF ROMAN" panose="02000603000000000000" pitchFamily="2" charset="0"/>
+                </a:rPr>
+                <a:t>Submit vote</a:t>
+              </a:r>
+            </a:p>
+          </p:txBody>
+        </p:sp>
+        <p:pic>
+          <p:nvPicPr>
+            <p:cNvPr id="67" name="Immagine 66">
+              <a:extLst>
+                <a:ext uri="{FF2B5EF4-FFF2-40B4-BE49-F238E27FC236}">
+                  <a16:creationId xmlns:a16="http://schemas.microsoft.com/office/drawing/2014/main" id="{B1463423-3924-87DB-8CFD-2EDA0264A098}"/>
+                </a:ext>
+              </a:extLst>
+            </p:cNvPr>
+            <p:cNvPicPr>
+              <a:picLocks noChangeAspect="1"/>
+            </p:cNvPicPr>
+            <p:nvPr/>
+          </p:nvPicPr>
+          <p:blipFill>
+            <a:blip r:embed="rId7"/>
+            <a:stretch>
+              <a:fillRect/>
+            </a:stretch>
+          </p:blipFill>
+          <p:spPr>
+            <a:xfrm rot="19566245">
+              <a:off x="2113637" y="3165408"/>
+              <a:ext cx="245008" cy="245008"/>
+            </a:xfrm>
+            <a:prstGeom prst="rect">
+              <a:avLst/>
+            </a:prstGeom>
+          </p:spPr>
+        </p:pic>
+        <p:sp>
+          <p:nvSpPr>
+            <p:cNvPr id="68" name="CasellaDiTesto 67">
+              <a:extLst>
+                <a:ext uri="{FF2B5EF4-FFF2-40B4-BE49-F238E27FC236}">
+                  <a16:creationId xmlns:a16="http://schemas.microsoft.com/office/drawing/2014/main" id="{238ED326-7648-FAAE-7BA7-26D3CEA7E166}"/>
+                </a:ext>
+              </a:extLst>
+            </p:cNvPr>
+            <p:cNvSpPr txBox="1"/>
+            <p:nvPr/>
+          </p:nvSpPr>
+          <p:spPr>
+            <a:xfrm rot="2033710">
+              <a:off x="1941528" y="1491688"/>
+              <a:ext cx="1634472" cy="261610"/>
+            </a:xfrm>
+            <a:prstGeom prst="rect">
+              <a:avLst/>
+            </a:prstGeom>
+            <a:noFill/>
+          </p:spPr>
+          <p:txBody>
+            <a:bodyPr wrap="square" rtlCol="0">
+              <a:spAutoFit/>
+            </a:bodyPr>
+            <a:lstStyle/>
+            <a:p>
+              <a:pPr algn="ctr"/>
+              <a:r>
+                <a:rPr lang="it-IT" sz="1100" i="1" dirty="0">
+                  <a:latin typeface="CMU SERIF ROMAN" panose="02000603000000000000" pitchFamily="2" charset="0"/>
+                  <a:ea typeface="CMU SERIF ROMAN" panose="02000603000000000000" pitchFamily="2" charset="0"/>
+                  <a:cs typeface="CMU SERIF ROMAN" panose="02000603000000000000" pitchFamily="2" charset="0"/>
+                </a:rPr>
+                <a:t>Submit vote</a:t>
+              </a:r>
+            </a:p>
+          </p:txBody>
+        </p:sp>
+        <p:pic>
+          <p:nvPicPr>
+            <p:cNvPr id="69" name="Immagine 68">
+              <a:extLst>
+                <a:ext uri="{FF2B5EF4-FFF2-40B4-BE49-F238E27FC236}">
+                  <a16:creationId xmlns:a16="http://schemas.microsoft.com/office/drawing/2014/main" id="{19AD1D4B-DF72-0709-AE17-3B9E3BF878AA}"/>
+                </a:ext>
+              </a:extLst>
+            </p:cNvPr>
+            <p:cNvPicPr>
+              <a:picLocks noChangeAspect="1"/>
+            </p:cNvPicPr>
+            <p:nvPr/>
+          </p:nvPicPr>
+          <p:blipFill>
+            <a:blip r:embed="rId7"/>
+            <a:stretch>
+              <a:fillRect/>
+            </a:stretch>
+          </p:blipFill>
+          <p:spPr>
+            <a:xfrm rot="2205567">
+              <a:off x="2253638" y="1175599"/>
+              <a:ext cx="245008" cy="245008"/>
+            </a:xfrm>
+            <a:prstGeom prst="rect">
+              <a:avLst/>
+            </a:prstGeom>
+          </p:spPr>
+        </p:pic>
+      </p:grpSp>
+      <p:grpSp>
+        <p:nvGrpSpPr>
+          <p:cNvPr id="97" name="Gruppo 96">
+            <a:extLst>
+              <a:ext uri="{FF2B5EF4-FFF2-40B4-BE49-F238E27FC236}">
+                <a16:creationId xmlns:a16="http://schemas.microsoft.com/office/drawing/2014/main" id="{BB99D805-AA0B-F47E-7CC8-F1E6B7E99004}"/>
+              </a:ext>
+            </a:extLst>
+          </p:cNvPr>
+          <p:cNvGrpSpPr/>
+          <p:nvPr/>
+        </p:nvGrpSpPr>
+        <p:grpSpPr>
+          <a:xfrm flipH="1">
+            <a:off x="6356371" y="705456"/>
+            <a:ext cx="4892668" cy="2222168"/>
+            <a:chOff x="6356371" y="705456"/>
+            <a:chExt cx="4892668" cy="2222168"/>
+          </a:xfrm>
+        </p:grpSpPr>
+        <p:pic>
+          <p:nvPicPr>
+            <p:cNvPr id="71" name="Immagine 70">
+              <a:extLst>
+                <a:ext uri="{FF2B5EF4-FFF2-40B4-BE49-F238E27FC236}">
+                  <a16:creationId xmlns:a16="http://schemas.microsoft.com/office/drawing/2014/main" id="{E21AA119-CA08-B43A-3170-A20AF7AF8053}"/>
+                </a:ext>
+              </a:extLst>
+            </p:cNvPr>
+            <p:cNvPicPr>
+              <a:picLocks noChangeAspect="1"/>
+            </p:cNvPicPr>
+            <p:nvPr/>
+          </p:nvPicPr>
+          <p:blipFill>
+            <a:blip r:embed="rId2"/>
+            <a:stretch>
+              <a:fillRect/>
+            </a:stretch>
+          </p:blipFill>
+          <p:spPr>
+            <a:xfrm>
+              <a:off x="6904073" y="789476"/>
+              <a:ext cx="539068" cy="539068"/>
+            </a:xfrm>
+            <a:prstGeom prst="rect">
+              <a:avLst/>
+            </a:prstGeom>
+          </p:spPr>
+        </p:pic>
+        <p:sp>
+          <p:nvSpPr>
+            <p:cNvPr id="72" name="CasellaDiTesto 71">
+              <a:extLst>
+                <a:ext uri="{FF2B5EF4-FFF2-40B4-BE49-F238E27FC236}">
+                  <a16:creationId xmlns:a16="http://schemas.microsoft.com/office/drawing/2014/main" id="{AE0A62E0-946B-D23B-00F3-C72AC85038ED}"/>
+                </a:ext>
+              </a:extLst>
+            </p:cNvPr>
+            <p:cNvSpPr txBox="1"/>
+            <p:nvPr/>
+          </p:nvSpPr>
+          <p:spPr>
+            <a:xfrm>
+              <a:off x="6356371" y="1314726"/>
+              <a:ext cx="1634472" cy="307777"/>
+            </a:xfrm>
+            <a:prstGeom prst="rect">
+              <a:avLst/>
+            </a:prstGeom>
+            <a:noFill/>
+          </p:spPr>
+          <p:txBody>
+            <a:bodyPr wrap="square" rtlCol="0">
+              <a:spAutoFit/>
+            </a:bodyPr>
+            <a:lstStyle/>
+            <a:p>
+              <a:pPr algn="ctr"/>
+              <a:r>
+                <a:rPr lang="it-IT" sz="1400" b="1" dirty="0">
+                  <a:latin typeface="CMU SERIF ROMAN" panose="02000603000000000000" pitchFamily="2" charset="0"/>
+                  <a:ea typeface="CMU SERIF ROMAN" panose="02000603000000000000" pitchFamily="2" charset="0"/>
+                  <a:cs typeface="CMU SERIF ROMAN" panose="02000603000000000000" pitchFamily="2" charset="0"/>
+                </a:rPr>
+                <a:t>Agent 1</a:t>
+              </a:r>
+            </a:p>
+          </p:txBody>
+        </p:sp>
+        <p:pic>
+          <p:nvPicPr>
+            <p:cNvPr id="73" name="Immagine 72">
+              <a:extLst>
+                <a:ext uri="{FF2B5EF4-FFF2-40B4-BE49-F238E27FC236}">
+                  <a16:creationId xmlns:a16="http://schemas.microsoft.com/office/drawing/2014/main" id="{27D35DD9-AE20-12C2-EF41-430F14D3B954}"/>
+                </a:ext>
+              </a:extLst>
+            </p:cNvPr>
+            <p:cNvPicPr>
+              <a:picLocks noChangeAspect="1"/>
+            </p:cNvPicPr>
+            <p:nvPr/>
+          </p:nvPicPr>
+          <p:blipFill>
+            <a:blip r:embed="rId2"/>
+            <a:stretch>
+              <a:fillRect/>
+            </a:stretch>
+          </p:blipFill>
+          <p:spPr>
+            <a:xfrm>
+              <a:off x="8434774" y="789476"/>
+              <a:ext cx="539068" cy="539068"/>
+            </a:xfrm>
+            <a:prstGeom prst="rect">
+              <a:avLst/>
+            </a:prstGeom>
+          </p:spPr>
+        </p:pic>
+        <p:sp>
+          <p:nvSpPr>
+            <p:cNvPr id="74" name="CasellaDiTesto 73">
+              <a:extLst>
+                <a:ext uri="{FF2B5EF4-FFF2-40B4-BE49-F238E27FC236}">
+                  <a16:creationId xmlns:a16="http://schemas.microsoft.com/office/drawing/2014/main" id="{C5BC17BC-6108-D85F-2F1E-63F246F58C17}"/>
+                </a:ext>
+              </a:extLst>
+            </p:cNvPr>
+            <p:cNvSpPr txBox="1"/>
+            <p:nvPr/>
+          </p:nvSpPr>
+          <p:spPr>
+            <a:xfrm>
+              <a:off x="7887072" y="1314726"/>
+              <a:ext cx="1634472" cy="307777"/>
+            </a:xfrm>
+            <a:prstGeom prst="rect">
+              <a:avLst/>
+            </a:prstGeom>
+            <a:noFill/>
+          </p:spPr>
+          <p:txBody>
+            <a:bodyPr wrap="square" rtlCol="0">
+              <a:spAutoFit/>
+            </a:bodyPr>
+            <a:lstStyle/>
+            <a:p>
+              <a:pPr algn="ctr"/>
+              <a:r>
+                <a:rPr lang="it-IT" sz="1400" b="1" dirty="0">
+                  <a:latin typeface="CMU SERIF ROMAN" panose="02000603000000000000" pitchFamily="2" charset="0"/>
+                  <a:ea typeface="CMU SERIF ROMAN" panose="02000603000000000000" pitchFamily="2" charset="0"/>
+                  <a:cs typeface="CMU SERIF ROMAN" panose="02000603000000000000" pitchFamily="2" charset="0"/>
+                </a:rPr>
+                <a:t>Agent 2</a:t>
+              </a:r>
+            </a:p>
+          </p:txBody>
+        </p:sp>
+        <p:pic>
+          <p:nvPicPr>
+            <p:cNvPr id="75" name="Immagine 74">
+              <a:extLst>
+                <a:ext uri="{FF2B5EF4-FFF2-40B4-BE49-F238E27FC236}">
+                  <a16:creationId xmlns:a16="http://schemas.microsoft.com/office/drawing/2014/main" id="{96D18F6B-DE90-BF79-23EC-4155B3652292}"/>
+                </a:ext>
+              </a:extLst>
+            </p:cNvPr>
+            <p:cNvPicPr>
+              <a:picLocks noChangeAspect="1"/>
+            </p:cNvPicPr>
+            <p:nvPr/>
+          </p:nvPicPr>
+          <p:blipFill>
+            <a:blip r:embed="rId2"/>
+            <a:stretch>
+              <a:fillRect/>
+            </a:stretch>
+          </p:blipFill>
+          <p:spPr>
+            <a:xfrm>
+              <a:off x="7674933" y="2117843"/>
+              <a:ext cx="539068" cy="539068"/>
+            </a:xfrm>
+            <a:prstGeom prst="rect">
+              <a:avLst/>
+            </a:prstGeom>
+          </p:spPr>
+        </p:pic>
+        <p:sp>
+          <p:nvSpPr>
+            <p:cNvPr id="76" name="CasellaDiTesto 75">
+              <a:extLst>
+                <a:ext uri="{FF2B5EF4-FFF2-40B4-BE49-F238E27FC236}">
+                  <a16:creationId xmlns:a16="http://schemas.microsoft.com/office/drawing/2014/main" id="{C19B089C-F365-E66B-9690-A15ACC98C5C7}"/>
+                </a:ext>
+              </a:extLst>
+            </p:cNvPr>
+            <p:cNvSpPr txBox="1"/>
+            <p:nvPr/>
+          </p:nvSpPr>
+          <p:spPr>
+            <a:xfrm>
+              <a:off x="7127231" y="2619846"/>
+              <a:ext cx="1634472" cy="307777"/>
+            </a:xfrm>
+            <a:prstGeom prst="rect">
+              <a:avLst/>
+            </a:prstGeom>
+            <a:noFill/>
+          </p:spPr>
+          <p:txBody>
+            <a:bodyPr wrap="square" rtlCol="0">
+              <a:spAutoFit/>
+            </a:bodyPr>
+            <a:lstStyle/>
+            <a:p>
+              <a:pPr algn="ctr"/>
+              <a:r>
+                <a:rPr lang="it-IT" sz="1400" b="1" dirty="0">
+                  <a:latin typeface="CMU SERIF ROMAN" panose="02000603000000000000" pitchFamily="2" charset="0"/>
+                  <a:ea typeface="CMU SERIF ROMAN" panose="02000603000000000000" pitchFamily="2" charset="0"/>
+                  <a:cs typeface="CMU SERIF ROMAN" panose="02000603000000000000" pitchFamily="2" charset="0"/>
+                </a:rPr>
+                <a:t>Agent </a:t>
+              </a:r>
+              <a:r>
+                <a:rPr lang="it-IT" sz="1400" b="1" dirty="0" err="1">
+                  <a:latin typeface="CMU SERIF ROMAN" panose="02000603000000000000" pitchFamily="2" charset="0"/>
+                  <a:ea typeface="CMU SERIF ROMAN" panose="02000603000000000000" pitchFamily="2" charset="0"/>
+                  <a:cs typeface="CMU SERIF ROMAN" panose="02000603000000000000" pitchFamily="2" charset="0"/>
+                </a:rPr>
+                <a:t>n</a:t>
+              </a:r>
+              <a:endParaRPr lang="it-IT" sz="1400" b="1" dirty="0">
+                <a:latin typeface="CMU SERIF ROMAN" panose="02000603000000000000" pitchFamily="2" charset="0"/>
+                <a:ea typeface="CMU SERIF ROMAN" panose="02000603000000000000" pitchFamily="2" charset="0"/>
+                <a:cs typeface="CMU SERIF ROMAN" panose="02000603000000000000" pitchFamily="2" charset="0"/>
+              </a:endParaRPr>
+            </a:p>
+          </p:txBody>
+        </p:sp>
+        <p:cxnSp>
+          <p:nvCxnSpPr>
+            <p:cNvPr id="77" name="Connettore 1 55">
+              <a:extLst>
+                <a:ext uri="{FF2B5EF4-FFF2-40B4-BE49-F238E27FC236}">
+                  <a16:creationId xmlns:a16="http://schemas.microsoft.com/office/drawing/2014/main" id="{470B7107-33CE-E149-7CD9-2D0A404B93D5}"/>
+                </a:ext>
+              </a:extLst>
+            </p:cNvPr>
+            <p:cNvCxnSpPr>
+              <a:cxnSpLocks/>
+            </p:cNvCxnSpPr>
+            <p:nvPr/>
+          </p:nvCxnSpPr>
+          <p:spPr>
+            <a:xfrm>
+              <a:off x="9284427" y="1931374"/>
+              <a:ext cx="750754" cy="0"/>
+            </a:xfrm>
+            <a:prstGeom prst="line">
+              <a:avLst/>
+            </a:prstGeom>
+            <a:ln w="12700" cap="rnd">
+              <a:tailEnd type="arrow"/>
+            </a:ln>
+          </p:spPr>
+          <p:style>
+            <a:lnRef idx="1">
+              <a:schemeClr val="dk1"/>
+            </a:lnRef>
+            <a:fillRef idx="0">
+              <a:schemeClr val="dk1"/>
+            </a:fillRef>
+            <a:effectRef idx="0">
+              <a:schemeClr val="dk1"/>
+            </a:effectRef>
+            <a:fontRef idx="minor">
+              <a:schemeClr val="tx1"/>
+            </a:fontRef>
+          </p:style>
+        </p:cxnSp>
+        <p:cxnSp>
+          <p:nvCxnSpPr>
+            <p:cNvPr id="78" name="Connettore 1 55">
+              <a:extLst>
+                <a:ext uri="{FF2B5EF4-FFF2-40B4-BE49-F238E27FC236}">
+                  <a16:creationId xmlns:a16="http://schemas.microsoft.com/office/drawing/2014/main" id="{44617333-E41E-D285-4CC7-DA4050CB43E9}"/>
+                </a:ext>
+              </a:extLst>
+            </p:cNvPr>
+            <p:cNvCxnSpPr>
+              <a:cxnSpLocks/>
+            </p:cNvCxnSpPr>
+            <p:nvPr/>
+          </p:nvCxnSpPr>
+          <p:spPr>
+            <a:xfrm flipH="1">
+              <a:off x="9284427" y="1744298"/>
+              <a:ext cx="701940" cy="0"/>
+            </a:xfrm>
+            <a:prstGeom prst="line">
+              <a:avLst/>
+            </a:prstGeom>
+            <a:ln w="12700" cap="rnd">
+              <a:tailEnd type="arrow"/>
+            </a:ln>
+          </p:spPr>
+          <p:style>
+            <a:lnRef idx="1">
+              <a:schemeClr val="dk1"/>
+            </a:lnRef>
+            <a:fillRef idx="0">
+              <a:schemeClr val="dk1"/>
+            </a:fillRef>
+            <a:effectRef idx="0">
+              <a:schemeClr val="dk1"/>
+            </a:effectRef>
+            <a:fontRef idx="minor">
+              <a:schemeClr val="tx1"/>
+            </a:fontRef>
+          </p:style>
+        </p:cxnSp>
+        <p:sp>
+          <p:nvSpPr>
+            <p:cNvPr id="79" name="CasellaDiTesto 78">
+              <a:extLst>
+                <a:ext uri="{FF2B5EF4-FFF2-40B4-BE49-F238E27FC236}">
+                  <a16:creationId xmlns:a16="http://schemas.microsoft.com/office/drawing/2014/main" id="{913925E9-AF37-473D-BBD0-C3B991407D1E}"/>
+                </a:ext>
+              </a:extLst>
+            </p:cNvPr>
+            <p:cNvSpPr txBox="1"/>
+            <p:nvPr/>
+          </p:nvSpPr>
+          <p:spPr>
+            <a:xfrm>
+              <a:off x="8818161" y="1960906"/>
+              <a:ext cx="1634472" cy="261610"/>
+            </a:xfrm>
+            <a:prstGeom prst="rect">
+              <a:avLst/>
+            </a:prstGeom>
+            <a:noFill/>
+          </p:spPr>
+          <p:txBody>
+            <a:bodyPr wrap="square" rtlCol="0">
+              <a:spAutoFit/>
+            </a:bodyPr>
+            <a:lstStyle/>
+            <a:p>
+              <a:pPr algn="ctr"/>
+              <a:r>
+                <a:rPr lang="it-IT" sz="1100" i="1" dirty="0">
+                  <a:latin typeface="CMU SERIF ROMAN" panose="02000603000000000000" pitchFamily="2" charset="0"/>
+                  <a:ea typeface="CMU SERIF ROMAN" panose="02000603000000000000" pitchFamily="2" charset="0"/>
+                  <a:cs typeface="CMU SERIF ROMAN" panose="02000603000000000000" pitchFamily="2" charset="0"/>
+                </a:rPr>
+                <a:t>Result</a:t>
+              </a:r>
+            </a:p>
+          </p:txBody>
+        </p:sp>
+        <p:sp>
+          <p:nvSpPr>
+            <p:cNvPr id="80" name="CasellaDiTesto 79">
+              <a:extLst>
+                <a:ext uri="{FF2B5EF4-FFF2-40B4-BE49-F238E27FC236}">
+                  <a16:creationId xmlns:a16="http://schemas.microsoft.com/office/drawing/2014/main" id="{FAB96F96-7BBE-DF81-4B45-F5F8B8E2FBBE}"/>
+                </a:ext>
+              </a:extLst>
+            </p:cNvPr>
+            <p:cNvSpPr txBox="1"/>
+            <p:nvPr/>
+          </p:nvSpPr>
+          <p:spPr>
+            <a:xfrm>
+              <a:off x="8842568" y="1432556"/>
+              <a:ext cx="1634472" cy="261610"/>
+            </a:xfrm>
+            <a:prstGeom prst="rect">
+              <a:avLst/>
+            </a:prstGeom>
+            <a:noFill/>
+          </p:spPr>
+          <p:txBody>
+            <a:bodyPr wrap="square" rtlCol="0">
+              <a:spAutoFit/>
+            </a:bodyPr>
+            <a:lstStyle/>
+            <a:p>
+              <a:pPr algn="ctr"/>
+              <a:r>
+                <a:rPr lang="it-IT" sz="1100" i="1" dirty="0">
+                  <a:latin typeface="CMU SERIF ROMAN" panose="02000603000000000000" pitchFamily="2" charset="0"/>
+                  <a:ea typeface="CMU SERIF ROMAN" panose="02000603000000000000" pitchFamily="2" charset="0"/>
+                  <a:cs typeface="CMU SERIF ROMAN" panose="02000603000000000000" pitchFamily="2" charset="0"/>
+                </a:rPr>
+                <a:t>Prompt</a:t>
+              </a:r>
+            </a:p>
+          </p:txBody>
+        </p:sp>
+        <p:pic>
+          <p:nvPicPr>
+            <p:cNvPr id="81" name="Immagine 80">
+              <a:extLst>
+                <a:ext uri="{FF2B5EF4-FFF2-40B4-BE49-F238E27FC236}">
+                  <a16:creationId xmlns:a16="http://schemas.microsoft.com/office/drawing/2014/main" id="{1A5F2372-62A6-86FB-3CDB-16EE8DECB607}"/>
+                </a:ext>
+              </a:extLst>
+            </p:cNvPr>
+            <p:cNvPicPr>
+              <a:picLocks noChangeAspect="1"/>
+            </p:cNvPicPr>
+            <p:nvPr/>
+          </p:nvPicPr>
+          <p:blipFill>
+            <a:blip r:embed="rId4"/>
+            <a:stretch>
+              <a:fillRect/>
+            </a:stretch>
+          </p:blipFill>
+          <p:spPr>
+            <a:xfrm>
+              <a:off x="10114303" y="1325612"/>
+              <a:ext cx="635000" cy="635000"/>
+            </a:xfrm>
+            <a:prstGeom prst="rect">
+              <a:avLst/>
+            </a:prstGeom>
+          </p:spPr>
+        </p:pic>
+        <p:pic>
+          <p:nvPicPr>
+            <p:cNvPr id="82" name="Immagine 81">
+              <a:extLst>
+                <a:ext uri="{FF2B5EF4-FFF2-40B4-BE49-F238E27FC236}">
+                  <a16:creationId xmlns:a16="http://schemas.microsoft.com/office/drawing/2014/main" id="{21A4337A-92D7-AAAA-67D5-C4CDB10BA7BF}"/>
+                </a:ext>
+              </a:extLst>
+            </p:cNvPr>
+            <p:cNvPicPr>
+              <a:picLocks noChangeAspect="1"/>
+            </p:cNvPicPr>
+            <p:nvPr/>
+          </p:nvPicPr>
+          <p:blipFill>
+            <a:blip r:embed="rId6"/>
+            <a:stretch>
+              <a:fillRect/>
+            </a:stretch>
+          </p:blipFill>
+          <p:spPr>
+            <a:xfrm>
+              <a:off x="9529623" y="1172117"/>
+              <a:ext cx="279824" cy="279824"/>
+            </a:xfrm>
+            <a:prstGeom prst="rect">
+              <a:avLst/>
+            </a:prstGeom>
+          </p:spPr>
+        </p:pic>
+        <p:sp>
+          <p:nvSpPr>
+            <p:cNvPr id="83" name="Rettangolo con angoli arrotondati 82">
+              <a:extLst>
+                <a:ext uri="{FF2B5EF4-FFF2-40B4-BE49-F238E27FC236}">
+                  <a16:creationId xmlns:a16="http://schemas.microsoft.com/office/drawing/2014/main" id="{35032237-D569-DB7C-8235-44B3300B5AC6}"/>
+                </a:ext>
+              </a:extLst>
+            </p:cNvPr>
+            <p:cNvSpPr/>
+            <p:nvPr/>
+          </p:nvSpPr>
+          <p:spPr>
+            <a:xfrm>
+              <a:off x="6688278" y="705456"/>
+              <a:ext cx="2456121" cy="2222168"/>
+            </a:xfrm>
+            <a:prstGeom prst="roundRect">
+              <a:avLst/>
+            </a:prstGeom>
+            <a:noFill/>
+          </p:spPr>
+          <p:style>
+            <a:lnRef idx="2">
+              <a:schemeClr val="accent1">
+                <a:shade val="15000"/>
+              </a:schemeClr>
+            </a:lnRef>
+            <a:fillRef idx="1">
+              <a:schemeClr val="accent1"/>
+            </a:fillRef>
+            <a:effectRef idx="0">
+              <a:schemeClr val="accent1"/>
+            </a:effectRef>
+            <a:fontRef idx="minor">
+              <a:schemeClr val="lt1"/>
+            </a:fontRef>
+          </p:style>
+          <p:txBody>
+            <a:bodyPr rtlCol="0" anchor="ctr"/>
+            <a:lstStyle/>
+            <a:p>
+              <a:pPr algn="ctr"/>
+              <a:endParaRPr lang="it-IT"/>
+            </a:p>
+          </p:txBody>
+        </p:sp>
+        <p:grpSp>
+          <p:nvGrpSpPr>
+            <p:cNvPr id="84" name="Gruppo 83">
+              <a:extLst>
+                <a:ext uri="{FF2B5EF4-FFF2-40B4-BE49-F238E27FC236}">
+                  <a16:creationId xmlns:a16="http://schemas.microsoft.com/office/drawing/2014/main" id="{7936D926-6991-B60B-AF6E-6A9D1436F6E1}"/>
+                </a:ext>
+              </a:extLst>
+            </p:cNvPr>
+            <p:cNvGrpSpPr/>
+            <p:nvPr/>
+          </p:nvGrpSpPr>
+          <p:grpSpPr>
+            <a:xfrm rot="3073150">
+              <a:off x="7029432" y="1898668"/>
+              <a:ext cx="578240" cy="187076"/>
+              <a:chOff x="619241" y="2178955"/>
+              <a:chExt cx="578240" cy="187076"/>
+            </a:xfrm>
+          </p:grpSpPr>
+          <p:cxnSp>
+            <p:nvCxnSpPr>
+              <p:cNvPr id="85" name="Connettore 1 55">
+                <a:extLst>
+                  <a:ext uri="{FF2B5EF4-FFF2-40B4-BE49-F238E27FC236}">
+                    <a16:creationId xmlns:a16="http://schemas.microsoft.com/office/drawing/2014/main" id="{2509BCC9-8AF8-2B6C-64F3-FB8184B06577}"/>
+                  </a:ext>
+                </a:extLst>
+              </p:cNvPr>
+              <p:cNvCxnSpPr>
+                <a:cxnSpLocks/>
+              </p:cNvCxnSpPr>
+              <p:nvPr/>
+            </p:nvCxnSpPr>
+            <p:spPr>
+              <a:xfrm>
+                <a:off x="629874" y="2366031"/>
+                <a:ext cx="567607" cy="0"/>
+              </a:xfrm>
+              <a:prstGeom prst="line">
+                <a:avLst/>
+              </a:prstGeom>
+              <a:ln w="12700" cap="rnd">
+                <a:tailEnd type="arrow"/>
+              </a:ln>
+            </p:spPr>
+            <p:style>
+              <a:lnRef idx="1">
+                <a:schemeClr val="dk1"/>
+              </a:lnRef>
+              <a:fillRef idx="0">
+                <a:schemeClr val="dk1"/>
+              </a:fillRef>
+              <a:effectRef idx="0">
+                <a:schemeClr val="dk1"/>
+              </a:effectRef>
+              <a:fontRef idx="minor">
+                <a:schemeClr val="tx1"/>
+              </a:fontRef>
+            </p:style>
+          </p:cxnSp>
+          <p:cxnSp>
+            <p:nvCxnSpPr>
+              <p:cNvPr id="86" name="Connettore 1 55">
+                <a:extLst>
+                  <a:ext uri="{FF2B5EF4-FFF2-40B4-BE49-F238E27FC236}">
+                    <a16:creationId xmlns:a16="http://schemas.microsoft.com/office/drawing/2014/main" id="{5FBB78C0-CD8D-4A8D-A76C-3CDD68F88A8B}"/>
+                  </a:ext>
+                </a:extLst>
+              </p:cNvPr>
+              <p:cNvCxnSpPr>
+                <a:cxnSpLocks/>
+              </p:cNvCxnSpPr>
+              <p:nvPr/>
+            </p:nvCxnSpPr>
+            <p:spPr>
+              <a:xfrm flipH="1">
+                <a:off x="619241" y="2178955"/>
+                <a:ext cx="567607" cy="0"/>
+              </a:xfrm>
+              <a:prstGeom prst="line">
+                <a:avLst/>
+              </a:prstGeom>
+              <a:ln w="12700" cap="rnd">
+                <a:tailEnd type="arrow"/>
+              </a:ln>
+            </p:spPr>
+            <p:style>
+              <a:lnRef idx="1">
+                <a:schemeClr val="dk1"/>
+              </a:lnRef>
+              <a:fillRef idx="0">
+                <a:schemeClr val="dk1"/>
+              </a:fillRef>
+              <a:effectRef idx="0">
+                <a:schemeClr val="dk1"/>
+              </a:effectRef>
+              <a:fontRef idx="minor">
+                <a:schemeClr val="tx1"/>
+              </a:fontRef>
+            </p:style>
+          </p:cxnSp>
+        </p:grpSp>
+        <p:grpSp>
+          <p:nvGrpSpPr>
+            <p:cNvPr id="87" name="Gruppo 86">
+              <a:extLst>
+                <a:ext uri="{FF2B5EF4-FFF2-40B4-BE49-F238E27FC236}">
+                  <a16:creationId xmlns:a16="http://schemas.microsoft.com/office/drawing/2014/main" id="{46ECE29C-7FFA-DC86-CD29-1C51EDC62C45}"/>
+                </a:ext>
+              </a:extLst>
+            </p:cNvPr>
+            <p:cNvGrpSpPr/>
+            <p:nvPr/>
+          </p:nvGrpSpPr>
+          <p:grpSpPr>
+            <a:xfrm rot="7393770">
+              <a:off x="8271079" y="1912637"/>
+              <a:ext cx="578240" cy="187076"/>
+              <a:chOff x="619241" y="2178955"/>
+              <a:chExt cx="578240" cy="187076"/>
+            </a:xfrm>
+          </p:grpSpPr>
+          <p:cxnSp>
+            <p:nvCxnSpPr>
+              <p:cNvPr id="88" name="Connettore 1 55">
+                <a:extLst>
+                  <a:ext uri="{FF2B5EF4-FFF2-40B4-BE49-F238E27FC236}">
+                    <a16:creationId xmlns:a16="http://schemas.microsoft.com/office/drawing/2014/main" id="{11760F67-BBE3-A05C-A1F5-43653A6835B9}"/>
+                  </a:ext>
+                </a:extLst>
+              </p:cNvPr>
+              <p:cNvCxnSpPr>
+                <a:cxnSpLocks/>
+              </p:cNvCxnSpPr>
+              <p:nvPr/>
+            </p:nvCxnSpPr>
+            <p:spPr>
+              <a:xfrm>
+                <a:off x="629874" y="2366031"/>
+                <a:ext cx="567607" cy="0"/>
+              </a:xfrm>
+              <a:prstGeom prst="line">
+                <a:avLst/>
+              </a:prstGeom>
+              <a:ln w="12700" cap="rnd">
+                <a:tailEnd type="arrow"/>
+              </a:ln>
+            </p:spPr>
+            <p:style>
+              <a:lnRef idx="1">
+                <a:schemeClr val="dk1"/>
+              </a:lnRef>
+              <a:fillRef idx="0">
+                <a:schemeClr val="dk1"/>
+              </a:fillRef>
+              <a:effectRef idx="0">
+                <a:schemeClr val="dk1"/>
+              </a:effectRef>
+              <a:fontRef idx="minor">
+                <a:schemeClr val="tx1"/>
+              </a:fontRef>
+            </p:style>
+          </p:cxnSp>
+          <p:cxnSp>
+            <p:nvCxnSpPr>
+              <p:cNvPr id="89" name="Connettore 1 55">
+                <a:extLst>
+                  <a:ext uri="{FF2B5EF4-FFF2-40B4-BE49-F238E27FC236}">
+                    <a16:creationId xmlns:a16="http://schemas.microsoft.com/office/drawing/2014/main" id="{E7B8C120-530E-5550-2CC1-FB25074735F6}"/>
+                  </a:ext>
+                </a:extLst>
+              </p:cNvPr>
+              <p:cNvCxnSpPr>
+                <a:cxnSpLocks/>
+              </p:cNvCxnSpPr>
+              <p:nvPr/>
+            </p:nvCxnSpPr>
+            <p:spPr>
+              <a:xfrm flipH="1">
+                <a:off x="619241" y="2178955"/>
+                <a:ext cx="567607" cy="0"/>
+              </a:xfrm>
+              <a:prstGeom prst="line">
+                <a:avLst/>
+              </a:prstGeom>
+              <a:ln w="12700" cap="rnd">
+                <a:tailEnd type="arrow"/>
+              </a:ln>
+            </p:spPr>
+            <p:style>
+              <a:lnRef idx="1">
+                <a:schemeClr val="dk1"/>
+              </a:lnRef>
+              <a:fillRef idx="0">
+                <a:schemeClr val="dk1"/>
+              </a:fillRef>
+              <a:effectRef idx="0">
+                <a:schemeClr val="dk1"/>
+              </a:effectRef>
+              <a:fontRef idx="minor">
+                <a:schemeClr val="tx1"/>
+              </a:fontRef>
+            </p:style>
+          </p:cxnSp>
+        </p:grpSp>
+        <p:grpSp>
+          <p:nvGrpSpPr>
+            <p:cNvPr id="90" name="Gruppo 89">
+              <a:extLst>
+                <a:ext uri="{FF2B5EF4-FFF2-40B4-BE49-F238E27FC236}">
+                  <a16:creationId xmlns:a16="http://schemas.microsoft.com/office/drawing/2014/main" id="{BF6EBB1A-5059-6DF7-FE6B-5847C1034919}"/>
+                </a:ext>
+              </a:extLst>
+            </p:cNvPr>
+            <p:cNvGrpSpPr/>
+            <p:nvPr/>
+          </p:nvGrpSpPr>
+          <p:grpSpPr>
+            <a:xfrm>
+              <a:off x="7649692" y="993945"/>
+              <a:ext cx="578240" cy="187076"/>
+              <a:chOff x="619241" y="2178955"/>
+              <a:chExt cx="578240" cy="187076"/>
+            </a:xfrm>
+          </p:grpSpPr>
+          <p:cxnSp>
+            <p:nvCxnSpPr>
+              <p:cNvPr id="91" name="Connettore 1 55">
+                <a:extLst>
+                  <a:ext uri="{FF2B5EF4-FFF2-40B4-BE49-F238E27FC236}">
+                    <a16:creationId xmlns:a16="http://schemas.microsoft.com/office/drawing/2014/main" id="{D3447F23-173E-B4F8-50B9-9ED39C59397E}"/>
+                  </a:ext>
+                </a:extLst>
+              </p:cNvPr>
+              <p:cNvCxnSpPr>
+                <a:cxnSpLocks/>
+              </p:cNvCxnSpPr>
+              <p:nvPr/>
+            </p:nvCxnSpPr>
+            <p:spPr>
+              <a:xfrm>
+                <a:off x="629874" y="2366031"/>
+                <a:ext cx="567607" cy="0"/>
+              </a:xfrm>
+              <a:prstGeom prst="line">
+                <a:avLst/>
+              </a:prstGeom>
+              <a:ln w="12700" cap="rnd">
+                <a:tailEnd type="arrow"/>
+              </a:ln>
+            </p:spPr>
+            <p:style>
+              <a:lnRef idx="1">
+                <a:schemeClr val="dk1"/>
+              </a:lnRef>
+              <a:fillRef idx="0">
+                <a:schemeClr val="dk1"/>
+              </a:fillRef>
+              <a:effectRef idx="0">
+                <a:schemeClr val="dk1"/>
+              </a:effectRef>
+              <a:fontRef idx="minor">
+                <a:schemeClr val="tx1"/>
+              </a:fontRef>
+            </p:style>
+          </p:cxnSp>
+          <p:cxnSp>
+            <p:nvCxnSpPr>
+              <p:cNvPr id="92" name="Connettore 1 55">
+                <a:extLst>
+                  <a:ext uri="{FF2B5EF4-FFF2-40B4-BE49-F238E27FC236}">
+                    <a16:creationId xmlns:a16="http://schemas.microsoft.com/office/drawing/2014/main" id="{872EBF9A-F5E5-AE1C-B7F0-00B3D7C8F5CC}"/>
+                  </a:ext>
+                </a:extLst>
+              </p:cNvPr>
+              <p:cNvCxnSpPr>
+                <a:cxnSpLocks/>
+              </p:cNvCxnSpPr>
+              <p:nvPr/>
+            </p:nvCxnSpPr>
+            <p:spPr>
+              <a:xfrm flipH="1">
+                <a:off x="619241" y="2178955"/>
+                <a:ext cx="567607" cy="0"/>
+              </a:xfrm>
+              <a:prstGeom prst="line">
+                <a:avLst/>
+              </a:prstGeom>
+              <a:ln w="12700" cap="rnd">
+                <a:tailEnd type="arrow"/>
+              </a:ln>
+            </p:spPr>
+            <p:style>
+              <a:lnRef idx="1">
+                <a:schemeClr val="dk1"/>
+              </a:lnRef>
+              <a:fillRef idx="0">
+                <a:schemeClr val="dk1"/>
+              </a:fillRef>
+              <a:effectRef idx="0">
+                <a:schemeClr val="dk1"/>
+              </a:effectRef>
+              <a:fontRef idx="minor">
+                <a:schemeClr val="tx1"/>
+              </a:fontRef>
+            </p:style>
+          </p:cxnSp>
+        </p:grpSp>
+        <p:pic>
+          <p:nvPicPr>
+            <p:cNvPr id="93" name="Immagine 92">
+              <a:extLst>
+                <a:ext uri="{FF2B5EF4-FFF2-40B4-BE49-F238E27FC236}">
+                  <a16:creationId xmlns:a16="http://schemas.microsoft.com/office/drawing/2014/main" id="{0FF08CD8-862E-324C-B603-BE02F761C763}"/>
+                </a:ext>
+              </a:extLst>
+            </p:cNvPr>
+            <p:cNvPicPr>
+              <a:picLocks noChangeAspect="1"/>
+            </p:cNvPicPr>
+            <p:nvPr/>
+          </p:nvPicPr>
+          <p:blipFill>
+            <a:blip r:embed="rId5"/>
+            <a:stretch>
+              <a:fillRect/>
+            </a:stretch>
+          </p:blipFill>
+          <p:spPr>
+            <a:xfrm>
+              <a:off x="9504592" y="2200103"/>
+              <a:ext cx="261610" cy="261610"/>
+            </a:xfrm>
+            <a:prstGeom prst="rect">
+              <a:avLst/>
+            </a:prstGeom>
+          </p:spPr>
+        </p:pic>
+        <p:pic>
+          <p:nvPicPr>
+            <p:cNvPr id="94" name="Immagine 93">
+              <a:extLst>
+                <a:ext uri="{FF2B5EF4-FFF2-40B4-BE49-F238E27FC236}">
+                  <a16:creationId xmlns:a16="http://schemas.microsoft.com/office/drawing/2014/main" id="{9A20047C-CF88-01A6-284A-A7BF66F8B5CB}"/>
+                </a:ext>
+              </a:extLst>
+            </p:cNvPr>
+            <p:cNvPicPr>
+              <a:picLocks noChangeAspect="1"/>
+            </p:cNvPicPr>
+            <p:nvPr/>
+          </p:nvPicPr>
+          <p:blipFill>
+            <a:blip r:embed="rId8"/>
+            <a:stretch>
+              <a:fillRect/>
+            </a:stretch>
+          </p:blipFill>
+          <p:spPr>
+            <a:xfrm>
+              <a:off x="7793000" y="1466290"/>
+              <a:ext cx="307777" cy="307777"/>
+            </a:xfrm>
+            <a:prstGeom prst="rect">
+              <a:avLst/>
+            </a:prstGeom>
+          </p:spPr>
+        </p:pic>
+        <p:sp>
+          <p:nvSpPr>
+            <p:cNvPr id="95" name="CasellaDiTesto 94">
+              <a:extLst>
+                <a:ext uri="{FF2B5EF4-FFF2-40B4-BE49-F238E27FC236}">
+                  <a16:creationId xmlns:a16="http://schemas.microsoft.com/office/drawing/2014/main" id="{2D2A1D5C-C120-1400-2B0F-201D84B81831}"/>
+                </a:ext>
+              </a:extLst>
+            </p:cNvPr>
+            <p:cNvSpPr txBox="1"/>
+            <p:nvPr/>
+          </p:nvSpPr>
+          <p:spPr>
+            <a:xfrm>
+              <a:off x="7115073" y="1766727"/>
+              <a:ext cx="1634472" cy="261610"/>
+            </a:xfrm>
+            <a:prstGeom prst="rect">
+              <a:avLst/>
+            </a:prstGeom>
+            <a:noFill/>
+          </p:spPr>
+          <p:txBody>
+            <a:bodyPr wrap="square" rtlCol="0">
+              <a:spAutoFit/>
+            </a:bodyPr>
+            <a:lstStyle/>
+            <a:p>
+              <a:pPr algn="ctr"/>
+              <a:r>
+                <a:rPr lang="it-IT" sz="1100" i="1" dirty="0">
+                  <a:latin typeface="CMU SERIF ROMAN" panose="02000603000000000000" pitchFamily="2" charset="0"/>
+                  <a:ea typeface="CMU SERIF ROMAN" panose="02000603000000000000" pitchFamily="2" charset="0"/>
+                  <a:cs typeface="CMU SERIF ROMAN" panose="02000603000000000000" pitchFamily="2" charset="0"/>
+                </a:rPr>
+                <a:t>Debate</a:t>
+              </a:r>
+            </a:p>
+          </p:txBody>
+        </p:sp>
+        <p:sp>
+          <p:nvSpPr>
+            <p:cNvPr id="96" name="CasellaDiTesto 95">
+              <a:extLst>
+                <a:ext uri="{FF2B5EF4-FFF2-40B4-BE49-F238E27FC236}">
+                  <a16:creationId xmlns:a16="http://schemas.microsoft.com/office/drawing/2014/main" id="{44198563-15BA-D397-DF2C-79BC0E6B51FE}"/>
+                </a:ext>
+              </a:extLst>
+            </p:cNvPr>
+            <p:cNvSpPr txBox="1"/>
+            <p:nvPr/>
+          </p:nvSpPr>
+          <p:spPr>
+            <a:xfrm>
+              <a:off x="9614567" y="1940094"/>
+              <a:ext cx="1634472" cy="307777"/>
+            </a:xfrm>
+            <a:prstGeom prst="rect">
+              <a:avLst/>
+            </a:prstGeom>
+            <a:noFill/>
+          </p:spPr>
+          <p:txBody>
+            <a:bodyPr wrap="square" rtlCol="0">
+              <a:spAutoFit/>
+            </a:bodyPr>
+            <a:lstStyle/>
+            <a:p>
+              <a:pPr algn="ctr"/>
+              <a:r>
+                <a:rPr lang="it-IT" sz="1400" b="1" dirty="0">
+                  <a:latin typeface="CMU SERIF ROMAN" panose="02000603000000000000" pitchFamily="2" charset="0"/>
+                  <a:ea typeface="CMU SERIF ROMAN" panose="02000603000000000000" pitchFamily="2" charset="0"/>
+                  <a:cs typeface="CMU SERIF ROMAN" panose="02000603000000000000" pitchFamily="2" charset="0"/>
+                </a:rPr>
+                <a:t>Tool</a:t>
+              </a:r>
+            </a:p>
+          </p:txBody>
+        </p:sp>
+      </p:grpSp>
+    </p:spTree>
+    <p:extLst>
+      <p:ext uri="{BB962C8B-B14F-4D97-AF65-F5344CB8AC3E}">
+        <p14:creationId xmlns:p14="http://schemas.microsoft.com/office/powerpoint/2010/main" val="2900269465"/>
+      </p:ext>
+    </p:extLst>
+  </p:cSld>
+  <p:clrMapOvr>
+    <a:masterClrMapping/>
+  </p:clrMapOvr>
+</p:sld>
+</file>
+
 <file path=ppt/theme/theme1.xml><?xml version="1.0" encoding="utf-8"?>
 <a:theme xmlns:a="http://schemas.openxmlformats.org/drawingml/2006/main" name="Tema di Office">
   <a:themeElements>

--- a/Agent/ICSA26.pptx
+++ b/Agent/ICSA26.pptx
@@ -204,7 +204,7 @@
           <a:p>
             <a:fld id="{28969827-7A52-E846-A985-BA418795AE7E}" type="datetimeFigureOut">
               <a:rPr lang="it-IT" smtClean="0"/>
-              <a:t>22/10/25</a:t>
+              <a:t>27/10/25</a:t>
             </a:fld>
             <a:endParaRPr lang="it-IT"/>
           </a:p>
@@ -800,7 +800,7 @@
           <a:p>
             <a:fld id="{F7780F00-E3F4-264D-8668-8D6905897A40}" type="datetimeFigureOut">
               <a:rPr lang="it-IT" smtClean="0"/>
-              <a:t>22/10/25</a:t>
+              <a:t>27/10/25</a:t>
             </a:fld>
             <a:endParaRPr lang="it-IT"/>
           </a:p>
@@ -998,7 +998,7 @@
           <a:p>
             <a:fld id="{F7780F00-E3F4-264D-8668-8D6905897A40}" type="datetimeFigureOut">
               <a:rPr lang="it-IT" smtClean="0"/>
-              <a:t>22/10/25</a:t>
+              <a:t>27/10/25</a:t>
             </a:fld>
             <a:endParaRPr lang="it-IT"/>
           </a:p>
@@ -1206,7 +1206,7 @@
           <a:p>
             <a:fld id="{F7780F00-E3F4-264D-8668-8D6905897A40}" type="datetimeFigureOut">
               <a:rPr lang="it-IT" smtClean="0"/>
-              <a:t>22/10/25</a:t>
+              <a:t>27/10/25</a:t>
             </a:fld>
             <a:endParaRPr lang="it-IT"/>
           </a:p>
@@ -1404,7 +1404,7 @@
           <a:p>
             <a:fld id="{F7780F00-E3F4-264D-8668-8D6905897A40}" type="datetimeFigureOut">
               <a:rPr lang="it-IT" smtClean="0"/>
-              <a:t>22/10/25</a:t>
+              <a:t>27/10/25</a:t>
             </a:fld>
             <a:endParaRPr lang="it-IT"/>
           </a:p>
@@ -1679,7 +1679,7 @@
           <a:p>
             <a:fld id="{F7780F00-E3F4-264D-8668-8D6905897A40}" type="datetimeFigureOut">
               <a:rPr lang="it-IT" smtClean="0"/>
-              <a:t>22/10/25</a:t>
+              <a:t>27/10/25</a:t>
             </a:fld>
             <a:endParaRPr lang="it-IT"/>
           </a:p>
@@ -1944,7 +1944,7 @@
           <a:p>
             <a:fld id="{F7780F00-E3F4-264D-8668-8D6905897A40}" type="datetimeFigureOut">
               <a:rPr lang="it-IT" smtClean="0"/>
-              <a:t>22/10/25</a:t>
+              <a:t>27/10/25</a:t>
             </a:fld>
             <a:endParaRPr lang="it-IT"/>
           </a:p>
@@ -2356,7 +2356,7 @@
           <a:p>
             <a:fld id="{F7780F00-E3F4-264D-8668-8D6905897A40}" type="datetimeFigureOut">
               <a:rPr lang="it-IT" smtClean="0"/>
-              <a:t>22/10/25</a:t>
+              <a:t>27/10/25</a:t>
             </a:fld>
             <a:endParaRPr lang="it-IT"/>
           </a:p>
@@ -2497,7 +2497,7 @@
           <a:p>
             <a:fld id="{F7780F00-E3F4-264D-8668-8D6905897A40}" type="datetimeFigureOut">
               <a:rPr lang="it-IT" smtClean="0"/>
-              <a:t>22/10/25</a:t>
+              <a:t>27/10/25</a:t>
             </a:fld>
             <a:endParaRPr lang="it-IT"/>
           </a:p>
@@ -2610,7 +2610,7 @@
           <a:p>
             <a:fld id="{F7780F00-E3F4-264D-8668-8D6905897A40}" type="datetimeFigureOut">
               <a:rPr lang="it-IT" smtClean="0"/>
-              <a:t>22/10/25</a:t>
+              <a:t>27/10/25</a:t>
             </a:fld>
             <a:endParaRPr lang="it-IT"/>
           </a:p>
@@ -2921,7 +2921,7 @@
           <a:p>
             <a:fld id="{F7780F00-E3F4-264D-8668-8D6905897A40}" type="datetimeFigureOut">
               <a:rPr lang="it-IT" smtClean="0"/>
-              <a:t>22/10/25</a:t>
+              <a:t>27/10/25</a:t>
             </a:fld>
             <a:endParaRPr lang="it-IT"/>
           </a:p>
@@ -3209,7 +3209,7 @@
           <a:p>
             <a:fld id="{F7780F00-E3F4-264D-8668-8D6905897A40}" type="datetimeFigureOut">
               <a:rPr lang="it-IT" smtClean="0"/>
-              <a:t>22/10/25</a:t>
+              <a:t>27/10/25</a:t>
             </a:fld>
             <a:endParaRPr lang="it-IT"/>
           </a:p>
@@ -3450,7 +3450,7 @@
           <a:p>
             <a:fld id="{F7780F00-E3F4-264D-8668-8D6905897A40}" type="datetimeFigureOut">
               <a:rPr lang="it-IT" smtClean="0"/>
-              <a:t>22/10/25</a:t>
+              <a:t>27/10/25</a:t>
             </a:fld>
             <a:endParaRPr lang="it-IT"/>
           </a:p>
@@ -10622,1918 +10622,407 @@
           <a:chExt cx="0" cy="0"/>
         </a:xfrm>
       </p:grpSpPr>
-      <p:grpSp>
-        <p:nvGrpSpPr>
-          <p:cNvPr id="70" name="Gruppo 69">
-            <a:extLst>
-              <a:ext uri="{FF2B5EF4-FFF2-40B4-BE49-F238E27FC236}">
-                <a16:creationId xmlns:a16="http://schemas.microsoft.com/office/drawing/2014/main" id="{CC6FCABE-71B8-0D61-38A7-02F1242C5F77}"/>
-              </a:ext>
-            </a:extLst>
-          </p:cNvPr>
-          <p:cNvGrpSpPr/>
+      <p:pic>
+        <p:nvPicPr>
+          <p:cNvPr id="2" name="Immagine 1">
+            <a:extLst>
+              <a:ext uri="{FF2B5EF4-FFF2-40B4-BE49-F238E27FC236}">
+                <a16:creationId xmlns:a16="http://schemas.microsoft.com/office/drawing/2014/main" id="{B1250EC3-A780-C87E-C971-562BF27CED60}"/>
+              </a:ext>
+            </a:extLst>
+          </p:cNvPr>
+          <p:cNvPicPr>
+            <a:picLocks noChangeAspect="1"/>
+          </p:cNvPicPr>
           <p:nvPr/>
-        </p:nvGrpSpPr>
-        <p:grpSpPr>
-          <a:xfrm flipH="1">
-            <a:off x="121032" y="278370"/>
-            <a:ext cx="5563418" cy="2992646"/>
-            <a:chOff x="901320" y="948930"/>
-            <a:chExt cx="5563418" cy="2992646"/>
-          </a:xfrm>
-        </p:grpSpPr>
-        <p:pic>
-          <p:nvPicPr>
-            <p:cNvPr id="45" name="Immagine 44">
-              <a:extLst>
-                <a:ext uri="{FF2B5EF4-FFF2-40B4-BE49-F238E27FC236}">
-                  <a16:creationId xmlns:a16="http://schemas.microsoft.com/office/drawing/2014/main" id="{396A4423-3713-DADD-BC8C-F1ED2EFF8425}"/>
-                </a:ext>
-              </a:extLst>
-            </p:cNvPr>
-            <p:cNvPicPr>
-              <a:picLocks noChangeAspect="1"/>
-            </p:cNvPicPr>
-            <p:nvPr/>
-          </p:nvPicPr>
-          <p:blipFill>
-            <a:blip r:embed="rId2"/>
-            <a:stretch>
-              <a:fillRect/>
-            </a:stretch>
-          </p:blipFill>
-          <p:spPr>
-            <a:xfrm>
-              <a:off x="1449022" y="948930"/>
-              <a:ext cx="539068" cy="539068"/>
-            </a:xfrm>
-            <a:prstGeom prst="rect">
-              <a:avLst/>
-            </a:prstGeom>
-          </p:spPr>
-        </p:pic>
-        <p:pic>
-          <p:nvPicPr>
-            <p:cNvPr id="46" name="Immagine 45">
-              <a:extLst>
-                <a:ext uri="{FF2B5EF4-FFF2-40B4-BE49-F238E27FC236}">
-                  <a16:creationId xmlns:a16="http://schemas.microsoft.com/office/drawing/2014/main" id="{0505FB2F-BE2C-8A2B-1D8E-F046E4FBFBC3}"/>
-                </a:ext>
-              </a:extLst>
-            </p:cNvPr>
-            <p:cNvPicPr>
-              <a:picLocks noChangeAspect="1"/>
-            </p:cNvPicPr>
-            <p:nvPr/>
-          </p:nvPicPr>
-          <p:blipFill>
-            <a:blip r:embed="rId3"/>
-            <a:stretch>
-              <a:fillRect/>
-            </a:stretch>
-          </p:blipFill>
-          <p:spPr>
-            <a:xfrm>
-              <a:off x="3481906" y="1830113"/>
-              <a:ext cx="609600" cy="609600"/>
-            </a:xfrm>
-            <a:prstGeom prst="rect">
-              <a:avLst/>
-            </a:prstGeom>
-          </p:spPr>
-        </p:pic>
-        <p:sp>
-          <p:nvSpPr>
-            <p:cNvPr id="47" name="CasellaDiTesto 46">
-              <a:extLst>
-                <a:ext uri="{FF2B5EF4-FFF2-40B4-BE49-F238E27FC236}">
-                  <a16:creationId xmlns:a16="http://schemas.microsoft.com/office/drawing/2014/main" id="{23812ACF-7D23-D1BA-62C5-62B5BA243EEF}"/>
-                </a:ext>
-              </a:extLst>
-            </p:cNvPr>
-            <p:cNvSpPr txBox="1"/>
-            <p:nvPr/>
-          </p:nvSpPr>
-          <p:spPr>
-            <a:xfrm>
-              <a:off x="2969470" y="2444722"/>
-              <a:ext cx="1634472" cy="523220"/>
-            </a:xfrm>
-            <a:prstGeom prst="rect">
-              <a:avLst/>
-            </a:prstGeom>
-            <a:noFill/>
-          </p:spPr>
-          <p:txBody>
-            <a:bodyPr wrap="square" rtlCol="0">
-              <a:spAutoFit/>
-            </a:bodyPr>
-            <a:lstStyle/>
-            <a:p>
-              <a:pPr algn="ctr"/>
-              <a:r>
-                <a:rPr lang="it-IT" sz="1400" b="1" dirty="0">
-                  <a:latin typeface="CMU SERIF ROMAN" panose="02000603000000000000" pitchFamily="2" charset="0"/>
-                  <a:ea typeface="CMU SERIF ROMAN" panose="02000603000000000000" pitchFamily="2" charset="0"/>
-                  <a:cs typeface="CMU SERIF ROMAN" panose="02000603000000000000" pitchFamily="2" charset="0"/>
-                </a:rPr>
-                <a:t>Coordinator</a:t>
-              </a:r>
-            </a:p>
-            <a:p>
-              <a:pPr algn="ctr"/>
-              <a:r>
-                <a:rPr lang="it-IT" sz="1400" b="1" dirty="0">
-                  <a:latin typeface="CMU SERIF ROMAN" panose="02000603000000000000" pitchFamily="2" charset="0"/>
-                  <a:ea typeface="CMU SERIF ROMAN" panose="02000603000000000000" pitchFamily="2" charset="0"/>
-                  <a:cs typeface="CMU SERIF ROMAN" panose="02000603000000000000" pitchFamily="2" charset="0"/>
-                </a:rPr>
-                <a:t>Agent</a:t>
-              </a:r>
-            </a:p>
-          </p:txBody>
-        </p:sp>
-        <p:sp>
-          <p:nvSpPr>
-            <p:cNvPr id="48" name="CasellaDiTesto 47">
-              <a:extLst>
-                <a:ext uri="{FF2B5EF4-FFF2-40B4-BE49-F238E27FC236}">
-                  <a16:creationId xmlns:a16="http://schemas.microsoft.com/office/drawing/2014/main" id="{F1F490EB-35A9-C869-EEC1-CBB683C6A766}"/>
-                </a:ext>
-              </a:extLst>
-            </p:cNvPr>
-            <p:cNvSpPr txBox="1"/>
-            <p:nvPr/>
-          </p:nvSpPr>
-          <p:spPr>
-            <a:xfrm>
-              <a:off x="901320" y="1512925"/>
-              <a:ext cx="1634472" cy="307777"/>
-            </a:xfrm>
-            <a:prstGeom prst="rect">
-              <a:avLst/>
-            </a:prstGeom>
-            <a:noFill/>
-          </p:spPr>
-          <p:txBody>
-            <a:bodyPr wrap="square" rtlCol="0">
-              <a:spAutoFit/>
-            </a:bodyPr>
-            <a:lstStyle/>
-            <a:p>
-              <a:pPr algn="ctr"/>
-              <a:r>
-                <a:rPr lang="it-IT" sz="1400" b="1" dirty="0">
-                  <a:latin typeface="CMU SERIF ROMAN" panose="02000603000000000000" pitchFamily="2" charset="0"/>
-                  <a:ea typeface="CMU SERIF ROMAN" panose="02000603000000000000" pitchFamily="2" charset="0"/>
-                  <a:cs typeface="CMU SERIF ROMAN" panose="02000603000000000000" pitchFamily="2" charset="0"/>
-                </a:rPr>
-                <a:t>Agent 1</a:t>
-              </a:r>
-            </a:p>
-          </p:txBody>
-        </p:sp>
-        <p:pic>
-          <p:nvPicPr>
-            <p:cNvPr id="49" name="Immagine 48">
-              <a:extLst>
-                <a:ext uri="{FF2B5EF4-FFF2-40B4-BE49-F238E27FC236}">
-                  <a16:creationId xmlns:a16="http://schemas.microsoft.com/office/drawing/2014/main" id="{BD9B1861-6339-D396-A023-E1A8A3257BC1}"/>
-                </a:ext>
-              </a:extLst>
-            </p:cNvPr>
-            <p:cNvPicPr>
-              <a:picLocks noChangeAspect="1"/>
-            </p:cNvPicPr>
-            <p:nvPr/>
-          </p:nvPicPr>
-          <p:blipFill>
-            <a:blip r:embed="rId2"/>
-            <a:stretch>
-              <a:fillRect/>
-            </a:stretch>
-          </p:blipFill>
-          <p:spPr>
-            <a:xfrm>
-              <a:off x="1449022" y="2009367"/>
-              <a:ext cx="539068" cy="539068"/>
-            </a:xfrm>
-            <a:prstGeom prst="rect">
-              <a:avLst/>
-            </a:prstGeom>
-          </p:spPr>
-        </p:pic>
-        <p:sp>
-          <p:nvSpPr>
-            <p:cNvPr id="50" name="CasellaDiTesto 49">
-              <a:extLst>
-                <a:ext uri="{FF2B5EF4-FFF2-40B4-BE49-F238E27FC236}">
-                  <a16:creationId xmlns:a16="http://schemas.microsoft.com/office/drawing/2014/main" id="{01919E60-F35F-7D96-7962-43D634333E5E}"/>
-                </a:ext>
-              </a:extLst>
-            </p:cNvPr>
-            <p:cNvSpPr txBox="1"/>
-            <p:nvPr/>
-          </p:nvSpPr>
-          <p:spPr>
-            <a:xfrm>
-              <a:off x="901320" y="2573362"/>
-              <a:ext cx="1634472" cy="307777"/>
-            </a:xfrm>
-            <a:prstGeom prst="rect">
-              <a:avLst/>
-            </a:prstGeom>
-            <a:noFill/>
-          </p:spPr>
-          <p:txBody>
-            <a:bodyPr wrap="square" rtlCol="0">
-              <a:spAutoFit/>
-            </a:bodyPr>
-            <a:lstStyle/>
-            <a:p>
-              <a:pPr algn="ctr"/>
-              <a:r>
-                <a:rPr lang="it-IT" sz="1400" b="1" dirty="0">
-                  <a:latin typeface="CMU SERIF ROMAN" panose="02000603000000000000" pitchFamily="2" charset="0"/>
-                  <a:ea typeface="CMU SERIF ROMAN" panose="02000603000000000000" pitchFamily="2" charset="0"/>
-                  <a:cs typeface="CMU SERIF ROMAN" panose="02000603000000000000" pitchFamily="2" charset="0"/>
-                </a:rPr>
-                <a:t>Agent 2</a:t>
-              </a:r>
-            </a:p>
-          </p:txBody>
-        </p:sp>
-        <p:pic>
-          <p:nvPicPr>
-            <p:cNvPr id="51" name="Immagine 50">
-              <a:extLst>
-                <a:ext uri="{FF2B5EF4-FFF2-40B4-BE49-F238E27FC236}">
-                  <a16:creationId xmlns:a16="http://schemas.microsoft.com/office/drawing/2014/main" id="{008C1715-AA4F-E980-4846-05B896975BD8}"/>
-                </a:ext>
-              </a:extLst>
-            </p:cNvPr>
-            <p:cNvPicPr>
-              <a:picLocks noChangeAspect="1"/>
-            </p:cNvPicPr>
-            <p:nvPr/>
-          </p:nvPicPr>
-          <p:blipFill>
-            <a:blip r:embed="rId2"/>
-            <a:stretch>
-              <a:fillRect/>
-            </a:stretch>
-          </p:blipFill>
-          <p:spPr>
-            <a:xfrm>
-              <a:off x="1449022" y="3069804"/>
-              <a:ext cx="539068" cy="539068"/>
-            </a:xfrm>
-            <a:prstGeom prst="rect">
-              <a:avLst/>
-            </a:prstGeom>
-          </p:spPr>
-        </p:pic>
-        <p:sp>
-          <p:nvSpPr>
-            <p:cNvPr id="52" name="CasellaDiTesto 51">
-              <a:extLst>
-                <a:ext uri="{FF2B5EF4-FFF2-40B4-BE49-F238E27FC236}">
-                  <a16:creationId xmlns:a16="http://schemas.microsoft.com/office/drawing/2014/main" id="{E3205BDA-254E-EF51-EDFB-77D2362E7F0D}"/>
-                </a:ext>
-              </a:extLst>
-            </p:cNvPr>
-            <p:cNvSpPr txBox="1"/>
-            <p:nvPr/>
-          </p:nvSpPr>
-          <p:spPr>
-            <a:xfrm>
-              <a:off x="901320" y="3633799"/>
-              <a:ext cx="1634472" cy="307777"/>
-            </a:xfrm>
-            <a:prstGeom prst="rect">
-              <a:avLst/>
-            </a:prstGeom>
-            <a:noFill/>
-          </p:spPr>
-          <p:txBody>
-            <a:bodyPr wrap="square" rtlCol="0">
-              <a:spAutoFit/>
-            </a:bodyPr>
-            <a:lstStyle/>
-            <a:p>
-              <a:pPr algn="ctr"/>
-              <a:r>
-                <a:rPr lang="it-IT" sz="1400" b="1" dirty="0">
-                  <a:latin typeface="CMU SERIF ROMAN" panose="02000603000000000000" pitchFamily="2" charset="0"/>
-                  <a:ea typeface="CMU SERIF ROMAN" panose="02000603000000000000" pitchFamily="2" charset="0"/>
-                  <a:cs typeface="CMU SERIF ROMAN" panose="02000603000000000000" pitchFamily="2" charset="0"/>
-                </a:rPr>
-                <a:t>Agent </a:t>
-              </a:r>
-              <a:r>
-                <a:rPr lang="it-IT" sz="1400" b="1" dirty="0" err="1">
-                  <a:latin typeface="CMU SERIF ROMAN" panose="02000603000000000000" pitchFamily="2" charset="0"/>
-                  <a:ea typeface="CMU SERIF ROMAN" panose="02000603000000000000" pitchFamily="2" charset="0"/>
-                  <a:cs typeface="CMU SERIF ROMAN" panose="02000603000000000000" pitchFamily="2" charset="0"/>
-                </a:rPr>
-                <a:t>n</a:t>
-              </a:r>
-              <a:endParaRPr lang="it-IT" sz="1400" b="1" dirty="0">
-                <a:latin typeface="CMU SERIF ROMAN" panose="02000603000000000000" pitchFamily="2" charset="0"/>
-                <a:ea typeface="CMU SERIF ROMAN" panose="02000603000000000000" pitchFamily="2" charset="0"/>
-                <a:cs typeface="CMU SERIF ROMAN" panose="02000603000000000000" pitchFamily="2" charset="0"/>
-              </a:endParaRPr>
-            </a:p>
-          </p:txBody>
-        </p:sp>
-        <p:cxnSp>
-          <p:nvCxnSpPr>
-            <p:cNvPr id="53" name="Connettore 1 55">
-              <a:extLst>
-                <a:ext uri="{FF2B5EF4-FFF2-40B4-BE49-F238E27FC236}">
-                  <a16:creationId xmlns:a16="http://schemas.microsoft.com/office/drawing/2014/main" id="{891F1A1A-23A5-713B-96D8-D254484EC32D}"/>
-                </a:ext>
-              </a:extLst>
-            </p:cNvPr>
-            <p:cNvCxnSpPr>
-              <a:cxnSpLocks/>
-            </p:cNvCxnSpPr>
-            <p:nvPr/>
-          </p:nvCxnSpPr>
-          <p:spPr>
-            <a:xfrm>
-              <a:off x="2215790" y="1367186"/>
-              <a:ext cx="909928" cy="605834"/>
-            </a:xfrm>
-            <a:prstGeom prst="line">
-              <a:avLst/>
-            </a:prstGeom>
-            <a:ln w="12700" cap="rnd">
-              <a:tailEnd type="arrow"/>
-            </a:ln>
-          </p:spPr>
-          <p:style>
-            <a:lnRef idx="1">
-              <a:schemeClr val="dk1"/>
-            </a:lnRef>
-            <a:fillRef idx="0">
-              <a:schemeClr val="dk1"/>
-            </a:fillRef>
-            <a:effectRef idx="0">
-              <a:schemeClr val="dk1"/>
-            </a:effectRef>
-            <a:fontRef idx="minor">
-              <a:schemeClr val="tx1"/>
-            </a:fontRef>
-          </p:style>
-        </p:cxnSp>
-        <p:cxnSp>
-          <p:nvCxnSpPr>
-            <p:cNvPr id="54" name="Connettore 1 55">
-              <a:extLst>
-                <a:ext uri="{FF2B5EF4-FFF2-40B4-BE49-F238E27FC236}">
-                  <a16:creationId xmlns:a16="http://schemas.microsoft.com/office/drawing/2014/main" id="{1FDDFAF2-3BC7-263E-70BB-CF0A9ABE5156}"/>
-                </a:ext>
-              </a:extLst>
-            </p:cNvPr>
-            <p:cNvCxnSpPr>
-              <a:cxnSpLocks/>
-            </p:cNvCxnSpPr>
-            <p:nvPr/>
-          </p:nvCxnSpPr>
-          <p:spPr>
-            <a:xfrm>
-              <a:off x="2126051" y="2463576"/>
-              <a:ext cx="1007416" cy="0"/>
-            </a:xfrm>
-            <a:prstGeom prst="line">
-              <a:avLst/>
-            </a:prstGeom>
-            <a:ln w="12700" cap="rnd">
-              <a:tailEnd type="arrow"/>
-            </a:ln>
-          </p:spPr>
-          <p:style>
-            <a:lnRef idx="1">
-              <a:schemeClr val="dk1"/>
-            </a:lnRef>
-            <a:fillRef idx="0">
-              <a:schemeClr val="dk1"/>
-            </a:fillRef>
-            <a:effectRef idx="0">
-              <a:schemeClr val="dk1"/>
-            </a:effectRef>
-            <a:fontRef idx="minor">
-              <a:schemeClr val="tx1"/>
-            </a:fontRef>
-          </p:style>
-        </p:cxnSp>
-        <p:cxnSp>
-          <p:nvCxnSpPr>
-            <p:cNvPr id="55" name="Connettore 1 52">
-              <a:extLst>
-                <a:ext uri="{FF2B5EF4-FFF2-40B4-BE49-F238E27FC236}">
-                  <a16:creationId xmlns:a16="http://schemas.microsoft.com/office/drawing/2014/main" id="{EA6A25E0-7379-EC14-2C6D-B7FA1B112819}"/>
-                </a:ext>
-              </a:extLst>
-            </p:cNvPr>
-            <p:cNvCxnSpPr>
-              <a:cxnSpLocks/>
-            </p:cNvCxnSpPr>
-            <p:nvPr/>
-          </p:nvCxnSpPr>
-          <p:spPr>
-            <a:xfrm flipV="1">
-              <a:off x="2236141" y="2886609"/>
-              <a:ext cx="905075" cy="565836"/>
-            </a:xfrm>
-            <a:prstGeom prst="line">
-              <a:avLst/>
-            </a:prstGeom>
-            <a:ln w="12700" cap="rnd">
-              <a:tailEnd type="arrow"/>
-            </a:ln>
-          </p:spPr>
-          <p:style>
-            <a:lnRef idx="1">
-              <a:schemeClr val="dk1"/>
-            </a:lnRef>
-            <a:fillRef idx="0">
-              <a:schemeClr val="dk1"/>
-            </a:fillRef>
-            <a:effectRef idx="0">
-              <a:schemeClr val="dk1"/>
-            </a:effectRef>
-            <a:fontRef idx="minor">
-              <a:schemeClr val="tx1"/>
-            </a:fontRef>
-          </p:style>
-        </p:cxnSp>
-        <p:cxnSp>
-          <p:nvCxnSpPr>
-            <p:cNvPr id="56" name="Connettore 1 55">
-              <a:extLst>
-                <a:ext uri="{FF2B5EF4-FFF2-40B4-BE49-F238E27FC236}">
-                  <a16:creationId xmlns:a16="http://schemas.microsoft.com/office/drawing/2014/main" id="{63A0AB5E-50BA-C18D-96C8-949CDBB8498D}"/>
-                </a:ext>
-              </a:extLst>
-            </p:cNvPr>
-            <p:cNvCxnSpPr>
-              <a:cxnSpLocks/>
-            </p:cNvCxnSpPr>
-            <p:nvPr/>
-          </p:nvCxnSpPr>
-          <p:spPr>
-            <a:xfrm>
-              <a:off x="4389236" y="2534806"/>
-              <a:ext cx="750754" cy="0"/>
-            </a:xfrm>
-            <a:prstGeom prst="line">
-              <a:avLst/>
-            </a:prstGeom>
-            <a:ln w="12700" cap="rnd">
-              <a:tailEnd type="arrow"/>
-            </a:ln>
-          </p:spPr>
-          <p:style>
-            <a:lnRef idx="1">
-              <a:schemeClr val="dk1"/>
-            </a:lnRef>
-            <a:fillRef idx="0">
-              <a:schemeClr val="dk1"/>
-            </a:fillRef>
-            <a:effectRef idx="0">
-              <a:schemeClr val="dk1"/>
-            </a:effectRef>
-            <a:fontRef idx="minor">
-              <a:schemeClr val="tx1"/>
-            </a:fontRef>
-          </p:style>
-        </p:cxnSp>
-        <p:cxnSp>
-          <p:nvCxnSpPr>
-            <p:cNvPr id="57" name="Connettore 1 55">
-              <a:extLst>
-                <a:ext uri="{FF2B5EF4-FFF2-40B4-BE49-F238E27FC236}">
-                  <a16:creationId xmlns:a16="http://schemas.microsoft.com/office/drawing/2014/main" id="{1DF25D74-9362-CCC1-E6B9-395E49DFF38B}"/>
-                </a:ext>
-              </a:extLst>
-            </p:cNvPr>
-            <p:cNvCxnSpPr>
-              <a:cxnSpLocks/>
-            </p:cNvCxnSpPr>
-            <p:nvPr/>
-          </p:nvCxnSpPr>
-          <p:spPr>
-            <a:xfrm flipH="1">
-              <a:off x="4389236" y="2347730"/>
-              <a:ext cx="701940" cy="0"/>
-            </a:xfrm>
-            <a:prstGeom prst="line">
-              <a:avLst/>
-            </a:prstGeom>
-            <a:ln w="12700" cap="rnd">
-              <a:tailEnd type="arrow"/>
-            </a:ln>
-          </p:spPr>
-          <p:style>
-            <a:lnRef idx="1">
-              <a:schemeClr val="dk1"/>
-            </a:lnRef>
-            <a:fillRef idx="0">
-              <a:schemeClr val="dk1"/>
-            </a:fillRef>
-            <a:effectRef idx="0">
-              <a:schemeClr val="dk1"/>
-            </a:effectRef>
-            <a:fontRef idx="minor">
-              <a:schemeClr val="tx1"/>
-            </a:fontRef>
-          </p:style>
-        </p:cxnSp>
-        <p:sp>
-          <p:nvSpPr>
-            <p:cNvPr id="58" name="CasellaDiTesto 57">
-              <a:extLst>
-                <a:ext uri="{FF2B5EF4-FFF2-40B4-BE49-F238E27FC236}">
-                  <a16:creationId xmlns:a16="http://schemas.microsoft.com/office/drawing/2014/main" id="{67BD1555-8F76-4FEB-EF30-FBA665058A58}"/>
-                </a:ext>
-              </a:extLst>
-            </p:cNvPr>
-            <p:cNvSpPr txBox="1"/>
-            <p:nvPr/>
-          </p:nvSpPr>
-          <p:spPr>
-            <a:xfrm>
-              <a:off x="1886281" y="2230918"/>
-              <a:ext cx="1634472" cy="261610"/>
-            </a:xfrm>
-            <a:prstGeom prst="rect">
-              <a:avLst/>
-            </a:prstGeom>
-            <a:noFill/>
-          </p:spPr>
-          <p:txBody>
-            <a:bodyPr wrap="square" rtlCol="0">
-              <a:spAutoFit/>
-            </a:bodyPr>
-            <a:lstStyle/>
-            <a:p>
-              <a:pPr algn="ctr"/>
-              <a:r>
-                <a:rPr lang="it-IT" sz="1100" i="1" dirty="0">
-                  <a:latin typeface="CMU SERIF ROMAN" panose="02000603000000000000" pitchFamily="2" charset="0"/>
-                  <a:ea typeface="CMU SERIF ROMAN" panose="02000603000000000000" pitchFamily="2" charset="0"/>
-                  <a:cs typeface="CMU SERIF ROMAN" panose="02000603000000000000" pitchFamily="2" charset="0"/>
-                </a:rPr>
-                <a:t>Submit vote</a:t>
-              </a:r>
-            </a:p>
-          </p:txBody>
-        </p:sp>
-        <p:sp>
-          <p:nvSpPr>
-            <p:cNvPr id="59" name="CasellaDiTesto 58">
-              <a:extLst>
-                <a:ext uri="{FF2B5EF4-FFF2-40B4-BE49-F238E27FC236}">
-                  <a16:creationId xmlns:a16="http://schemas.microsoft.com/office/drawing/2014/main" id="{5EAB42E1-0C16-396A-41C5-0B3F4613354B}"/>
-                </a:ext>
-              </a:extLst>
-            </p:cNvPr>
-            <p:cNvSpPr txBox="1"/>
-            <p:nvPr/>
-          </p:nvSpPr>
-          <p:spPr>
-            <a:xfrm>
-              <a:off x="3922970" y="2564338"/>
-              <a:ext cx="1634472" cy="261610"/>
-            </a:xfrm>
-            <a:prstGeom prst="rect">
-              <a:avLst/>
-            </a:prstGeom>
-            <a:noFill/>
-          </p:spPr>
-          <p:txBody>
-            <a:bodyPr wrap="square" rtlCol="0">
-              <a:spAutoFit/>
-            </a:bodyPr>
-            <a:lstStyle/>
-            <a:p>
-              <a:pPr algn="ctr"/>
-              <a:r>
-                <a:rPr lang="it-IT" sz="1100" i="1" dirty="0">
-                  <a:latin typeface="CMU SERIF ROMAN" panose="02000603000000000000" pitchFamily="2" charset="0"/>
-                  <a:ea typeface="CMU SERIF ROMAN" panose="02000603000000000000" pitchFamily="2" charset="0"/>
-                  <a:cs typeface="CMU SERIF ROMAN" panose="02000603000000000000" pitchFamily="2" charset="0"/>
-                </a:rPr>
-                <a:t>Result</a:t>
-              </a:r>
-            </a:p>
-          </p:txBody>
-        </p:sp>
-        <p:sp>
-          <p:nvSpPr>
-            <p:cNvPr id="60" name="CasellaDiTesto 59">
-              <a:extLst>
-                <a:ext uri="{FF2B5EF4-FFF2-40B4-BE49-F238E27FC236}">
-                  <a16:creationId xmlns:a16="http://schemas.microsoft.com/office/drawing/2014/main" id="{00717C35-FE31-AC49-E8B0-4E5AA598DFF3}"/>
-                </a:ext>
-              </a:extLst>
-            </p:cNvPr>
-            <p:cNvSpPr txBox="1"/>
-            <p:nvPr/>
-          </p:nvSpPr>
-          <p:spPr>
-            <a:xfrm>
-              <a:off x="3947377" y="2035988"/>
-              <a:ext cx="1634472" cy="261610"/>
-            </a:xfrm>
-            <a:prstGeom prst="rect">
-              <a:avLst/>
-            </a:prstGeom>
-            <a:noFill/>
-          </p:spPr>
-          <p:txBody>
-            <a:bodyPr wrap="square" rtlCol="0">
-              <a:spAutoFit/>
-            </a:bodyPr>
-            <a:lstStyle/>
-            <a:p>
-              <a:pPr algn="ctr"/>
-              <a:r>
-                <a:rPr lang="it-IT" sz="1100" i="1" dirty="0">
-                  <a:latin typeface="CMU SERIF ROMAN" panose="02000603000000000000" pitchFamily="2" charset="0"/>
-                  <a:ea typeface="CMU SERIF ROMAN" panose="02000603000000000000" pitchFamily="2" charset="0"/>
-                  <a:cs typeface="CMU SERIF ROMAN" panose="02000603000000000000" pitchFamily="2" charset="0"/>
-                </a:rPr>
-                <a:t>Prompt</a:t>
-              </a:r>
-            </a:p>
-          </p:txBody>
-        </p:sp>
-        <p:pic>
-          <p:nvPicPr>
-            <p:cNvPr id="61" name="Immagine 60">
-              <a:extLst>
-                <a:ext uri="{FF2B5EF4-FFF2-40B4-BE49-F238E27FC236}">
-                  <a16:creationId xmlns:a16="http://schemas.microsoft.com/office/drawing/2014/main" id="{773F31CF-DC95-F24D-EEE9-75DD6A41F8CE}"/>
-                </a:ext>
-              </a:extLst>
-            </p:cNvPr>
-            <p:cNvPicPr>
-              <a:picLocks noChangeAspect="1"/>
-            </p:cNvPicPr>
-            <p:nvPr/>
-          </p:nvPicPr>
-          <p:blipFill>
-            <a:blip r:embed="rId4"/>
-            <a:stretch>
-              <a:fillRect/>
-            </a:stretch>
-          </p:blipFill>
-          <p:spPr>
-            <a:xfrm>
-              <a:off x="5319369" y="1954524"/>
-              <a:ext cx="635000" cy="635000"/>
-            </a:xfrm>
-            <a:prstGeom prst="rect">
-              <a:avLst/>
-            </a:prstGeom>
-          </p:spPr>
-        </p:pic>
-        <p:sp>
-          <p:nvSpPr>
-            <p:cNvPr id="62" name="CasellaDiTesto 61">
-              <a:extLst>
-                <a:ext uri="{FF2B5EF4-FFF2-40B4-BE49-F238E27FC236}">
-                  <a16:creationId xmlns:a16="http://schemas.microsoft.com/office/drawing/2014/main" id="{97636CB6-51AA-5B8C-CF64-9B169D8B4112}"/>
-                </a:ext>
-              </a:extLst>
-            </p:cNvPr>
-            <p:cNvSpPr txBox="1"/>
-            <p:nvPr/>
-          </p:nvSpPr>
-          <p:spPr>
-            <a:xfrm>
-              <a:off x="4830266" y="2546452"/>
-              <a:ext cx="1634472" cy="307777"/>
-            </a:xfrm>
-            <a:prstGeom prst="rect">
-              <a:avLst/>
-            </a:prstGeom>
-            <a:noFill/>
-          </p:spPr>
-          <p:txBody>
-            <a:bodyPr wrap="square" rtlCol="0">
-              <a:spAutoFit/>
-            </a:bodyPr>
-            <a:lstStyle/>
-            <a:p>
-              <a:pPr algn="ctr"/>
-              <a:r>
-                <a:rPr lang="it-IT" sz="1400" b="1" dirty="0">
-                  <a:latin typeface="CMU SERIF ROMAN" panose="02000603000000000000" pitchFamily="2" charset="0"/>
-                  <a:ea typeface="CMU SERIF ROMAN" panose="02000603000000000000" pitchFamily="2" charset="0"/>
-                  <a:cs typeface="CMU SERIF ROMAN" panose="02000603000000000000" pitchFamily="2" charset="0"/>
-                </a:rPr>
-                <a:t>Tool</a:t>
-              </a:r>
-            </a:p>
-          </p:txBody>
-        </p:sp>
-        <p:pic>
-          <p:nvPicPr>
-            <p:cNvPr id="63" name="Immagine 62">
-              <a:extLst>
-                <a:ext uri="{FF2B5EF4-FFF2-40B4-BE49-F238E27FC236}">
-                  <a16:creationId xmlns:a16="http://schemas.microsoft.com/office/drawing/2014/main" id="{A9B2A39C-BBF2-086F-CA29-62798FDCFDA7}"/>
-                </a:ext>
-              </a:extLst>
-            </p:cNvPr>
-            <p:cNvPicPr>
-              <a:picLocks noChangeAspect="1"/>
-            </p:cNvPicPr>
-            <p:nvPr/>
-          </p:nvPicPr>
-          <p:blipFill>
-            <a:blip r:embed="rId5"/>
-            <a:stretch>
-              <a:fillRect/>
-            </a:stretch>
-          </p:blipFill>
-          <p:spPr>
-            <a:xfrm>
-              <a:off x="4625218" y="2824541"/>
-              <a:ext cx="261610" cy="261610"/>
-            </a:xfrm>
-            <a:prstGeom prst="rect">
-              <a:avLst/>
-            </a:prstGeom>
-          </p:spPr>
-        </p:pic>
-        <p:pic>
-          <p:nvPicPr>
-            <p:cNvPr id="64" name="Immagine 63">
-              <a:extLst>
-                <a:ext uri="{FF2B5EF4-FFF2-40B4-BE49-F238E27FC236}">
-                  <a16:creationId xmlns:a16="http://schemas.microsoft.com/office/drawing/2014/main" id="{AFC187FB-8276-E3E2-878C-254EF034EF10}"/>
-                </a:ext>
-              </a:extLst>
-            </p:cNvPr>
-            <p:cNvPicPr>
-              <a:picLocks noChangeAspect="1"/>
-            </p:cNvPicPr>
-            <p:nvPr/>
-          </p:nvPicPr>
-          <p:blipFill>
-            <a:blip r:embed="rId6"/>
-            <a:stretch>
-              <a:fillRect/>
-            </a:stretch>
-          </p:blipFill>
-          <p:spPr>
-            <a:xfrm>
-              <a:off x="4634432" y="1775549"/>
-              <a:ext cx="279824" cy="279824"/>
-            </a:xfrm>
-            <a:prstGeom prst="rect">
-              <a:avLst/>
-            </a:prstGeom>
-          </p:spPr>
-        </p:pic>
-        <p:pic>
-          <p:nvPicPr>
-            <p:cNvPr id="65" name="Immagine 64">
-              <a:extLst>
-                <a:ext uri="{FF2B5EF4-FFF2-40B4-BE49-F238E27FC236}">
-                  <a16:creationId xmlns:a16="http://schemas.microsoft.com/office/drawing/2014/main" id="{73AA4805-80ED-09E1-259E-A59A4D88CA54}"/>
-                </a:ext>
-              </a:extLst>
-            </p:cNvPr>
-            <p:cNvPicPr>
-              <a:picLocks noChangeAspect="1"/>
-            </p:cNvPicPr>
-            <p:nvPr/>
-          </p:nvPicPr>
-          <p:blipFill>
-            <a:blip r:embed="rId7"/>
-            <a:stretch>
-              <a:fillRect/>
-            </a:stretch>
-          </p:blipFill>
-          <p:spPr>
-            <a:xfrm>
-              <a:off x="2078272" y="2212467"/>
-              <a:ext cx="245008" cy="245008"/>
-            </a:xfrm>
-            <a:prstGeom prst="rect">
-              <a:avLst/>
-            </a:prstGeom>
-          </p:spPr>
-        </p:pic>
-        <p:sp>
-          <p:nvSpPr>
-            <p:cNvPr id="66" name="CasellaDiTesto 65">
-              <a:extLst>
-                <a:ext uri="{FF2B5EF4-FFF2-40B4-BE49-F238E27FC236}">
-                  <a16:creationId xmlns:a16="http://schemas.microsoft.com/office/drawing/2014/main" id="{7A47AE97-B82C-9913-47F5-2A5885D441D9}"/>
-                </a:ext>
-              </a:extLst>
-            </p:cNvPr>
-            <p:cNvSpPr txBox="1"/>
-            <p:nvPr/>
-          </p:nvSpPr>
-          <p:spPr>
-            <a:xfrm rot="19646011">
-              <a:off x="1866966" y="2917240"/>
-              <a:ext cx="1634472" cy="261610"/>
-            </a:xfrm>
-            <a:prstGeom prst="rect">
-              <a:avLst/>
-            </a:prstGeom>
-            <a:noFill/>
-          </p:spPr>
-          <p:txBody>
-            <a:bodyPr wrap="square" rtlCol="0">
-              <a:spAutoFit/>
-            </a:bodyPr>
-            <a:lstStyle/>
-            <a:p>
-              <a:pPr algn="ctr"/>
-              <a:r>
-                <a:rPr lang="it-IT" sz="1100" i="1" dirty="0">
-                  <a:latin typeface="CMU SERIF ROMAN" panose="02000603000000000000" pitchFamily="2" charset="0"/>
-                  <a:ea typeface="CMU SERIF ROMAN" panose="02000603000000000000" pitchFamily="2" charset="0"/>
-                  <a:cs typeface="CMU SERIF ROMAN" panose="02000603000000000000" pitchFamily="2" charset="0"/>
-                </a:rPr>
-                <a:t>Submit vote</a:t>
-              </a:r>
-            </a:p>
-          </p:txBody>
-        </p:sp>
-        <p:pic>
-          <p:nvPicPr>
-            <p:cNvPr id="67" name="Immagine 66">
-              <a:extLst>
-                <a:ext uri="{FF2B5EF4-FFF2-40B4-BE49-F238E27FC236}">
-                  <a16:creationId xmlns:a16="http://schemas.microsoft.com/office/drawing/2014/main" id="{B1463423-3924-87DB-8CFD-2EDA0264A098}"/>
-                </a:ext>
-              </a:extLst>
-            </p:cNvPr>
-            <p:cNvPicPr>
-              <a:picLocks noChangeAspect="1"/>
-            </p:cNvPicPr>
-            <p:nvPr/>
-          </p:nvPicPr>
-          <p:blipFill>
-            <a:blip r:embed="rId7"/>
-            <a:stretch>
-              <a:fillRect/>
-            </a:stretch>
-          </p:blipFill>
-          <p:spPr>
-            <a:xfrm rot="19566245">
-              <a:off x="2113637" y="3165408"/>
-              <a:ext cx="245008" cy="245008"/>
-            </a:xfrm>
-            <a:prstGeom prst="rect">
-              <a:avLst/>
-            </a:prstGeom>
-          </p:spPr>
-        </p:pic>
-        <p:sp>
-          <p:nvSpPr>
-            <p:cNvPr id="68" name="CasellaDiTesto 67">
-              <a:extLst>
-                <a:ext uri="{FF2B5EF4-FFF2-40B4-BE49-F238E27FC236}">
-                  <a16:creationId xmlns:a16="http://schemas.microsoft.com/office/drawing/2014/main" id="{238ED326-7648-FAAE-7BA7-26D3CEA7E166}"/>
-                </a:ext>
-              </a:extLst>
-            </p:cNvPr>
-            <p:cNvSpPr txBox="1"/>
-            <p:nvPr/>
-          </p:nvSpPr>
-          <p:spPr>
-            <a:xfrm rot="2033710">
-              <a:off x="1941528" y="1491688"/>
-              <a:ext cx="1634472" cy="261610"/>
-            </a:xfrm>
-            <a:prstGeom prst="rect">
-              <a:avLst/>
-            </a:prstGeom>
-            <a:noFill/>
-          </p:spPr>
-          <p:txBody>
-            <a:bodyPr wrap="square" rtlCol="0">
-              <a:spAutoFit/>
-            </a:bodyPr>
-            <a:lstStyle/>
-            <a:p>
-              <a:pPr algn="ctr"/>
-              <a:r>
-                <a:rPr lang="it-IT" sz="1100" i="1" dirty="0">
-                  <a:latin typeface="CMU SERIF ROMAN" panose="02000603000000000000" pitchFamily="2" charset="0"/>
-                  <a:ea typeface="CMU SERIF ROMAN" panose="02000603000000000000" pitchFamily="2" charset="0"/>
-                  <a:cs typeface="CMU SERIF ROMAN" panose="02000603000000000000" pitchFamily="2" charset="0"/>
-                </a:rPr>
-                <a:t>Submit vote</a:t>
-              </a:r>
-            </a:p>
-          </p:txBody>
-        </p:sp>
-        <p:pic>
-          <p:nvPicPr>
-            <p:cNvPr id="69" name="Immagine 68">
-              <a:extLst>
-                <a:ext uri="{FF2B5EF4-FFF2-40B4-BE49-F238E27FC236}">
-                  <a16:creationId xmlns:a16="http://schemas.microsoft.com/office/drawing/2014/main" id="{19AD1D4B-DF72-0709-AE17-3B9E3BF878AA}"/>
-                </a:ext>
-              </a:extLst>
-            </p:cNvPr>
-            <p:cNvPicPr>
-              <a:picLocks noChangeAspect="1"/>
-            </p:cNvPicPr>
-            <p:nvPr/>
-          </p:nvPicPr>
-          <p:blipFill>
-            <a:blip r:embed="rId7"/>
-            <a:stretch>
-              <a:fillRect/>
-            </a:stretch>
-          </p:blipFill>
-          <p:spPr>
-            <a:xfrm rot="2205567">
-              <a:off x="2253638" y="1175599"/>
-              <a:ext cx="245008" cy="245008"/>
-            </a:xfrm>
-            <a:prstGeom prst="rect">
-              <a:avLst/>
-            </a:prstGeom>
-          </p:spPr>
-        </p:pic>
-      </p:grpSp>
-      <p:grpSp>
-        <p:nvGrpSpPr>
-          <p:cNvPr id="97" name="Gruppo 96">
-            <a:extLst>
-              <a:ext uri="{FF2B5EF4-FFF2-40B4-BE49-F238E27FC236}">
-                <a16:creationId xmlns:a16="http://schemas.microsoft.com/office/drawing/2014/main" id="{BB99D805-AA0B-F47E-7CC8-F1E6B7E99004}"/>
-              </a:ext>
-            </a:extLst>
-          </p:cNvPr>
-          <p:cNvGrpSpPr/>
+        </p:nvPicPr>
+        <p:blipFill>
+          <a:blip r:embed="rId2"/>
+          <a:srcRect l="7390" t="7613" r="7234" b="9530"/>
+          <a:stretch>
+            <a:fillRect/>
+          </a:stretch>
+        </p:blipFill>
+        <p:spPr>
+          <a:xfrm>
+            <a:off x="1311639" y="1506511"/>
+            <a:ext cx="2743200" cy="3177915"/>
+          </a:xfrm>
+          <a:prstGeom prst="rect">
+            <a:avLst/>
+          </a:prstGeom>
+        </p:spPr>
+      </p:pic>
+      <p:sp>
+        <p:nvSpPr>
+          <p:cNvPr id="4" name="Oval 56">
+            <a:extLst>
+              <a:ext uri="{FF2B5EF4-FFF2-40B4-BE49-F238E27FC236}">
+                <a16:creationId xmlns:a16="http://schemas.microsoft.com/office/drawing/2014/main" id="{967F7DD0-BBD9-3EF2-AC13-EE1A45E2D6B5}"/>
+              </a:ext>
+            </a:extLst>
+          </p:cNvPr>
+          <p:cNvSpPr/>
           <p:nvPr/>
-        </p:nvGrpSpPr>
-        <p:grpSpPr>
-          <a:xfrm flipH="1">
-            <a:off x="6356371" y="705456"/>
-            <a:ext cx="4892668" cy="2222168"/>
-            <a:chOff x="6356371" y="705456"/>
-            <a:chExt cx="4892668" cy="2222168"/>
-          </a:xfrm>
-        </p:grpSpPr>
-        <p:pic>
-          <p:nvPicPr>
-            <p:cNvPr id="71" name="Immagine 70">
-              <a:extLst>
-                <a:ext uri="{FF2B5EF4-FFF2-40B4-BE49-F238E27FC236}">
-                  <a16:creationId xmlns:a16="http://schemas.microsoft.com/office/drawing/2014/main" id="{E21AA119-CA08-B43A-3170-A20AF7AF8053}"/>
-                </a:ext>
-              </a:extLst>
-            </p:cNvPr>
-            <p:cNvPicPr>
-              <a:picLocks noChangeAspect="1"/>
-            </p:cNvPicPr>
-            <p:nvPr/>
-          </p:nvPicPr>
-          <p:blipFill>
-            <a:blip r:embed="rId2"/>
-            <a:stretch>
-              <a:fillRect/>
-            </a:stretch>
-          </p:blipFill>
-          <p:spPr>
-            <a:xfrm>
-              <a:off x="6904073" y="789476"/>
-              <a:ext cx="539068" cy="539068"/>
-            </a:xfrm>
-            <a:prstGeom prst="rect">
-              <a:avLst/>
-            </a:prstGeom>
-          </p:spPr>
-        </p:pic>
-        <p:sp>
-          <p:nvSpPr>
-            <p:cNvPr id="72" name="CasellaDiTesto 71">
-              <a:extLst>
-                <a:ext uri="{FF2B5EF4-FFF2-40B4-BE49-F238E27FC236}">
-                  <a16:creationId xmlns:a16="http://schemas.microsoft.com/office/drawing/2014/main" id="{AE0A62E0-946B-D23B-00F3-C72AC85038ED}"/>
-                </a:ext>
-              </a:extLst>
-            </p:cNvPr>
-            <p:cNvSpPr txBox="1"/>
-            <p:nvPr/>
-          </p:nvSpPr>
-          <p:spPr>
-            <a:xfrm>
-              <a:off x="6356371" y="1314726"/>
-              <a:ext cx="1634472" cy="307777"/>
-            </a:xfrm>
-            <a:prstGeom prst="rect">
-              <a:avLst/>
-            </a:prstGeom>
-            <a:noFill/>
-          </p:spPr>
-          <p:txBody>
-            <a:bodyPr wrap="square" rtlCol="0">
-              <a:spAutoFit/>
-            </a:bodyPr>
-            <a:lstStyle/>
-            <a:p>
-              <a:pPr algn="ctr"/>
-              <a:r>
-                <a:rPr lang="it-IT" sz="1400" b="1" dirty="0">
-                  <a:latin typeface="CMU SERIF ROMAN" panose="02000603000000000000" pitchFamily="2" charset="0"/>
-                  <a:ea typeface="CMU SERIF ROMAN" panose="02000603000000000000" pitchFamily="2" charset="0"/>
-                  <a:cs typeface="CMU SERIF ROMAN" panose="02000603000000000000" pitchFamily="2" charset="0"/>
-                </a:rPr>
-                <a:t>Agent 1</a:t>
-              </a:r>
-            </a:p>
-          </p:txBody>
-        </p:sp>
-        <p:pic>
-          <p:nvPicPr>
-            <p:cNvPr id="73" name="Immagine 72">
-              <a:extLst>
-                <a:ext uri="{FF2B5EF4-FFF2-40B4-BE49-F238E27FC236}">
-                  <a16:creationId xmlns:a16="http://schemas.microsoft.com/office/drawing/2014/main" id="{27D35DD9-AE20-12C2-EF41-430F14D3B954}"/>
-                </a:ext>
-              </a:extLst>
-            </p:cNvPr>
-            <p:cNvPicPr>
-              <a:picLocks noChangeAspect="1"/>
-            </p:cNvPicPr>
-            <p:nvPr/>
-          </p:nvPicPr>
-          <p:blipFill>
-            <a:blip r:embed="rId2"/>
-            <a:stretch>
-              <a:fillRect/>
-            </a:stretch>
-          </p:blipFill>
-          <p:spPr>
-            <a:xfrm>
-              <a:off x="8434774" y="789476"/>
-              <a:ext cx="539068" cy="539068"/>
-            </a:xfrm>
-            <a:prstGeom prst="rect">
-              <a:avLst/>
-            </a:prstGeom>
-          </p:spPr>
-        </p:pic>
-        <p:sp>
-          <p:nvSpPr>
-            <p:cNvPr id="74" name="CasellaDiTesto 73">
-              <a:extLst>
-                <a:ext uri="{FF2B5EF4-FFF2-40B4-BE49-F238E27FC236}">
-                  <a16:creationId xmlns:a16="http://schemas.microsoft.com/office/drawing/2014/main" id="{C5BC17BC-6108-D85F-2F1E-63F246F58C17}"/>
-                </a:ext>
-              </a:extLst>
-            </p:cNvPr>
-            <p:cNvSpPr txBox="1"/>
-            <p:nvPr/>
-          </p:nvSpPr>
-          <p:spPr>
-            <a:xfrm>
-              <a:off x="7887072" y="1314726"/>
-              <a:ext cx="1634472" cy="307777"/>
-            </a:xfrm>
-            <a:prstGeom prst="rect">
-              <a:avLst/>
-            </a:prstGeom>
-            <a:noFill/>
-          </p:spPr>
-          <p:txBody>
-            <a:bodyPr wrap="square" rtlCol="0">
-              <a:spAutoFit/>
-            </a:bodyPr>
-            <a:lstStyle/>
-            <a:p>
-              <a:pPr algn="ctr"/>
-              <a:r>
-                <a:rPr lang="it-IT" sz="1400" b="1" dirty="0">
-                  <a:latin typeface="CMU SERIF ROMAN" panose="02000603000000000000" pitchFamily="2" charset="0"/>
-                  <a:ea typeface="CMU SERIF ROMAN" panose="02000603000000000000" pitchFamily="2" charset="0"/>
-                  <a:cs typeface="CMU SERIF ROMAN" panose="02000603000000000000" pitchFamily="2" charset="0"/>
-                </a:rPr>
-                <a:t>Agent 2</a:t>
-              </a:r>
-            </a:p>
-          </p:txBody>
-        </p:sp>
-        <p:pic>
-          <p:nvPicPr>
-            <p:cNvPr id="75" name="Immagine 74">
-              <a:extLst>
-                <a:ext uri="{FF2B5EF4-FFF2-40B4-BE49-F238E27FC236}">
-                  <a16:creationId xmlns:a16="http://schemas.microsoft.com/office/drawing/2014/main" id="{96D18F6B-DE90-BF79-23EC-4155B3652292}"/>
-                </a:ext>
-              </a:extLst>
-            </p:cNvPr>
-            <p:cNvPicPr>
-              <a:picLocks noChangeAspect="1"/>
-            </p:cNvPicPr>
-            <p:nvPr/>
-          </p:nvPicPr>
-          <p:blipFill>
-            <a:blip r:embed="rId2"/>
-            <a:stretch>
-              <a:fillRect/>
-            </a:stretch>
-          </p:blipFill>
-          <p:spPr>
-            <a:xfrm>
-              <a:off x="7674933" y="2117843"/>
-              <a:ext cx="539068" cy="539068"/>
-            </a:xfrm>
-            <a:prstGeom prst="rect">
-              <a:avLst/>
-            </a:prstGeom>
-          </p:spPr>
-        </p:pic>
-        <p:sp>
-          <p:nvSpPr>
-            <p:cNvPr id="76" name="CasellaDiTesto 75">
-              <a:extLst>
-                <a:ext uri="{FF2B5EF4-FFF2-40B4-BE49-F238E27FC236}">
-                  <a16:creationId xmlns:a16="http://schemas.microsoft.com/office/drawing/2014/main" id="{C19B089C-F365-E66B-9690-A15ACC98C5C7}"/>
-                </a:ext>
-              </a:extLst>
-            </p:cNvPr>
-            <p:cNvSpPr txBox="1"/>
-            <p:nvPr/>
-          </p:nvSpPr>
-          <p:spPr>
-            <a:xfrm>
-              <a:off x="7127231" y="2619846"/>
-              <a:ext cx="1634472" cy="307777"/>
-            </a:xfrm>
-            <a:prstGeom prst="rect">
-              <a:avLst/>
-            </a:prstGeom>
-            <a:noFill/>
-          </p:spPr>
-          <p:txBody>
-            <a:bodyPr wrap="square" rtlCol="0">
-              <a:spAutoFit/>
-            </a:bodyPr>
-            <a:lstStyle/>
-            <a:p>
-              <a:pPr algn="ctr"/>
-              <a:r>
-                <a:rPr lang="it-IT" sz="1400" b="1" dirty="0">
-                  <a:latin typeface="CMU SERIF ROMAN" panose="02000603000000000000" pitchFamily="2" charset="0"/>
-                  <a:ea typeface="CMU SERIF ROMAN" panose="02000603000000000000" pitchFamily="2" charset="0"/>
-                  <a:cs typeface="CMU SERIF ROMAN" panose="02000603000000000000" pitchFamily="2" charset="0"/>
-                </a:rPr>
-                <a:t>Agent </a:t>
-              </a:r>
-              <a:r>
-                <a:rPr lang="it-IT" sz="1400" b="1" dirty="0" err="1">
-                  <a:latin typeface="CMU SERIF ROMAN" panose="02000603000000000000" pitchFamily="2" charset="0"/>
-                  <a:ea typeface="CMU SERIF ROMAN" panose="02000603000000000000" pitchFamily="2" charset="0"/>
-                  <a:cs typeface="CMU SERIF ROMAN" panose="02000603000000000000" pitchFamily="2" charset="0"/>
-                </a:rPr>
-                <a:t>n</a:t>
-              </a:r>
-              <a:endParaRPr lang="it-IT" sz="1400" b="1" dirty="0">
-                <a:latin typeface="CMU SERIF ROMAN" panose="02000603000000000000" pitchFamily="2" charset="0"/>
-                <a:ea typeface="CMU SERIF ROMAN" panose="02000603000000000000" pitchFamily="2" charset="0"/>
-                <a:cs typeface="CMU SERIF ROMAN" panose="02000603000000000000" pitchFamily="2" charset="0"/>
-              </a:endParaRPr>
-            </a:p>
-          </p:txBody>
-        </p:sp>
-        <p:cxnSp>
-          <p:nvCxnSpPr>
-            <p:cNvPr id="77" name="Connettore 1 55">
-              <a:extLst>
-                <a:ext uri="{FF2B5EF4-FFF2-40B4-BE49-F238E27FC236}">
-                  <a16:creationId xmlns:a16="http://schemas.microsoft.com/office/drawing/2014/main" id="{470B7107-33CE-E149-7CD9-2D0A404B93D5}"/>
-                </a:ext>
-              </a:extLst>
-            </p:cNvPr>
-            <p:cNvCxnSpPr>
-              <a:cxnSpLocks/>
-            </p:cNvCxnSpPr>
-            <p:nvPr/>
-          </p:nvCxnSpPr>
-          <p:spPr>
-            <a:xfrm>
-              <a:off x="9284427" y="1931374"/>
-              <a:ext cx="750754" cy="0"/>
-            </a:xfrm>
-            <a:prstGeom prst="line">
-              <a:avLst/>
-            </a:prstGeom>
-            <a:ln w="12700" cap="rnd">
-              <a:tailEnd type="arrow"/>
-            </a:ln>
-          </p:spPr>
-          <p:style>
-            <a:lnRef idx="1">
-              <a:schemeClr val="dk1"/>
-            </a:lnRef>
-            <a:fillRef idx="0">
-              <a:schemeClr val="dk1"/>
-            </a:fillRef>
-            <a:effectRef idx="0">
-              <a:schemeClr val="dk1"/>
-            </a:effectRef>
-            <a:fontRef idx="minor">
-              <a:schemeClr val="tx1"/>
-            </a:fontRef>
-          </p:style>
-        </p:cxnSp>
-        <p:cxnSp>
-          <p:nvCxnSpPr>
-            <p:cNvPr id="78" name="Connettore 1 55">
-              <a:extLst>
-                <a:ext uri="{FF2B5EF4-FFF2-40B4-BE49-F238E27FC236}">
-                  <a16:creationId xmlns:a16="http://schemas.microsoft.com/office/drawing/2014/main" id="{44617333-E41E-D285-4CC7-DA4050CB43E9}"/>
-                </a:ext>
-              </a:extLst>
-            </p:cNvPr>
-            <p:cNvCxnSpPr>
-              <a:cxnSpLocks/>
-            </p:cNvCxnSpPr>
-            <p:nvPr/>
-          </p:nvCxnSpPr>
-          <p:spPr>
-            <a:xfrm flipH="1">
-              <a:off x="9284427" y="1744298"/>
-              <a:ext cx="701940" cy="0"/>
-            </a:xfrm>
-            <a:prstGeom prst="line">
-              <a:avLst/>
-            </a:prstGeom>
-            <a:ln w="12700" cap="rnd">
-              <a:tailEnd type="arrow"/>
-            </a:ln>
-          </p:spPr>
-          <p:style>
-            <a:lnRef idx="1">
-              <a:schemeClr val="dk1"/>
-            </a:lnRef>
-            <a:fillRef idx="0">
-              <a:schemeClr val="dk1"/>
-            </a:fillRef>
-            <a:effectRef idx="0">
-              <a:schemeClr val="dk1"/>
-            </a:effectRef>
-            <a:fontRef idx="minor">
-              <a:schemeClr val="tx1"/>
-            </a:fontRef>
-          </p:style>
-        </p:cxnSp>
-        <p:sp>
-          <p:nvSpPr>
-            <p:cNvPr id="79" name="CasellaDiTesto 78">
-              <a:extLst>
-                <a:ext uri="{FF2B5EF4-FFF2-40B4-BE49-F238E27FC236}">
-                  <a16:creationId xmlns:a16="http://schemas.microsoft.com/office/drawing/2014/main" id="{913925E9-AF37-473D-BBD0-C3B991407D1E}"/>
-                </a:ext>
-              </a:extLst>
-            </p:cNvPr>
-            <p:cNvSpPr txBox="1"/>
-            <p:nvPr/>
-          </p:nvSpPr>
-          <p:spPr>
-            <a:xfrm>
-              <a:off x="8818161" y="1960906"/>
-              <a:ext cx="1634472" cy="261610"/>
-            </a:xfrm>
-            <a:prstGeom prst="rect">
-              <a:avLst/>
-            </a:prstGeom>
-            <a:noFill/>
-          </p:spPr>
-          <p:txBody>
-            <a:bodyPr wrap="square" rtlCol="0">
-              <a:spAutoFit/>
-            </a:bodyPr>
-            <a:lstStyle/>
-            <a:p>
-              <a:pPr algn="ctr"/>
-              <a:r>
-                <a:rPr lang="it-IT" sz="1100" i="1" dirty="0">
-                  <a:latin typeface="CMU SERIF ROMAN" panose="02000603000000000000" pitchFamily="2" charset="0"/>
-                  <a:ea typeface="CMU SERIF ROMAN" panose="02000603000000000000" pitchFamily="2" charset="0"/>
-                  <a:cs typeface="CMU SERIF ROMAN" panose="02000603000000000000" pitchFamily="2" charset="0"/>
-                </a:rPr>
-                <a:t>Result</a:t>
-              </a:r>
-            </a:p>
-          </p:txBody>
-        </p:sp>
-        <p:sp>
-          <p:nvSpPr>
-            <p:cNvPr id="80" name="CasellaDiTesto 79">
-              <a:extLst>
-                <a:ext uri="{FF2B5EF4-FFF2-40B4-BE49-F238E27FC236}">
-                  <a16:creationId xmlns:a16="http://schemas.microsoft.com/office/drawing/2014/main" id="{FAB96F96-7BBE-DF81-4B45-F5F8B8E2FBBE}"/>
-                </a:ext>
-              </a:extLst>
-            </p:cNvPr>
-            <p:cNvSpPr txBox="1"/>
-            <p:nvPr/>
-          </p:nvSpPr>
-          <p:spPr>
-            <a:xfrm>
-              <a:off x="8842568" y="1432556"/>
-              <a:ext cx="1634472" cy="261610"/>
-            </a:xfrm>
-            <a:prstGeom prst="rect">
-              <a:avLst/>
-            </a:prstGeom>
-            <a:noFill/>
-          </p:spPr>
-          <p:txBody>
-            <a:bodyPr wrap="square" rtlCol="0">
-              <a:spAutoFit/>
-            </a:bodyPr>
-            <a:lstStyle/>
-            <a:p>
-              <a:pPr algn="ctr"/>
-              <a:r>
-                <a:rPr lang="it-IT" sz="1100" i="1" dirty="0">
-                  <a:latin typeface="CMU SERIF ROMAN" panose="02000603000000000000" pitchFamily="2" charset="0"/>
-                  <a:ea typeface="CMU SERIF ROMAN" panose="02000603000000000000" pitchFamily="2" charset="0"/>
-                  <a:cs typeface="CMU SERIF ROMAN" panose="02000603000000000000" pitchFamily="2" charset="0"/>
-                </a:rPr>
-                <a:t>Prompt</a:t>
-              </a:r>
-            </a:p>
-          </p:txBody>
-        </p:sp>
-        <p:pic>
-          <p:nvPicPr>
-            <p:cNvPr id="81" name="Immagine 80">
-              <a:extLst>
-                <a:ext uri="{FF2B5EF4-FFF2-40B4-BE49-F238E27FC236}">
-                  <a16:creationId xmlns:a16="http://schemas.microsoft.com/office/drawing/2014/main" id="{1A5F2372-62A6-86FB-3CDB-16EE8DECB607}"/>
-                </a:ext>
-              </a:extLst>
-            </p:cNvPr>
-            <p:cNvPicPr>
-              <a:picLocks noChangeAspect="1"/>
-            </p:cNvPicPr>
-            <p:nvPr/>
-          </p:nvPicPr>
-          <p:blipFill>
-            <a:blip r:embed="rId4"/>
-            <a:stretch>
-              <a:fillRect/>
-            </a:stretch>
-          </p:blipFill>
-          <p:spPr>
-            <a:xfrm>
-              <a:off x="10114303" y="1325612"/>
-              <a:ext cx="635000" cy="635000"/>
-            </a:xfrm>
-            <a:prstGeom prst="rect">
-              <a:avLst/>
-            </a:prstGeom>
-          </p:spPr>
-        </p:pic>
-        <p:pic>
-          <p:nvPicPr>
-            <p:cNvPr id="82" name="Immagine 81">
-              <a:extLst>
-                <a:ext uri="{FF2B5EF4-FFF2-40B4-BE49-F238E27FC236}">
-                  <a16:creationId xmlns:a16="http://schemas.microsoft.com/office/drawing/2014/main" id="{21A4337A-92D7-AAAA-67D5-C4CDB10BA7BF}"/>
-                </a:ext>
-              </a:extLst>
-            </p:cNvPr>
-            <p:cNvPicPr>
-              <a:picLocks noChangeAspect="1"/>
-            </p:cNvPicPr>
-            <p:nvPr/>
-          </p:nvPicPr>
-          <p:blipFill>
-            <a:blip r:embed="rId6"/>
-            <a:stretch>
-              <a:fillRect/>
-            </a:stretch>
-          </p:blipFill>
-          <p:spPr>
-            <a:xfrm>
-              <a:off x="9529623" y="1172117"/>
-              <a:ext cx="279824" cy="279824"/>
-            </a:xfrm>
-            <a:prstGeom prst="rect">
-              <a:avLst/>
-            </a:prstGeom>
-          </p:spPr>
-        </p:pic>
-        <p:sp>
-          <p:nvSpPr>
-            <p:cNvPr id="83" name="Rettangolo con angoli arrotondati 82">
-              <a:extLst>
-                <a:ext uri="{FF2B5EF4-FFF2-40B4-BE49-F238E27FC236}">
-                  <a16:creationId xmlns:a16="http://schemas.microsoft.com/office/drawing/2014/main" id="{35032237-D569-DB7C-8235-44B3300B5AC6}"/>
-                </a:ext>
-              </a:extLst>
-            </p:cNvPr>
-            <p:cNvSpPr/>
-            <p:nvPr/>
-          </p:nvSpPr>
-          <p:spPr>
-            <a:xfrm>
-              <a:off x="6688278" y="705456"/>
-              <a:ext cx="2456121" cy="2222168"/>
-            </a:xfrm>
-            <a:prstGeom prst="roundRect">
-              <a:avLst/>
-            </a:prstGeom>
-            <a:noFill/>
-          </p:spPr>
-          <p:style>
-            <a:lnRef idx="2">
-              <a:schemeClr val="accent1">
-                <a:shade val="15000"/>
+        </p:nvSpPr>
+        <p:spPr>
+          <a:xfrm>
+            <a:off x="3723543" y="2925064"/>
+            <a:ext cx="103182" cy="104350"/>
+          </a:xfrm>
+          <a:prstGeom prst="ellipse">
+            <a:avLst/>
+          </a:prstGeom>
+          <a:noFill/>
+          <a:ln w="6350">
+            <a:solidFill>
+              <a:schemeClr val="bg2">
+                <a:lumMod val="10000"/>
               </a:schemeClr>
-            </a:lnRef>
-            <a:fillRef idx="1">
-              <a:schemeClr val="accent1"/>
-            </a:fillRef>
-            <a:effectRef idx="0">
-              <a:schemeClr val="accent1"/>
-            </a:effectRef>
-            <a:fontRef idx="minor">
-              <a:schemeClr val="lt1"/>
-            </a:fontRef>
-          </p:style>
-          <p:txBody>
-            <a:bodyPr rtlCol="0" anchor="ctr"/>
-            <a:lstStyle/>
-            <a:p>
-              <a:pPr algn="ctr"/>
-              <a:endParaRPr lang="it-IT"/>
-            </a:p>
-          </p:txBody>
-        </p:sp>
-        <p:grpSp>
-          <p:nvGrpSpPr>
-            <p:cNvPr id="84" name="Gruppo 83">
-              <a:extLst>
-                <a:ext uri="{FF2B5EF4-FFF2-40B4-BE49-F238E27FC236}">
-                  <a16:creationId xmlns:a16="http://schemas.microsoft.com/office/drawing/2014/main" id="{7936D926-6991-B60B-AF6E-6A9D1436F6E1}"/>
-                </a:ext>
-              </a:extLst>
-            </p:cNvPr>
-            <p:cNvGrpSpPr/>
-            <p:nvPr/>
-          </p:nvGrpSpPr>
-          <p:grpSpPr>
-            <a:xfrm rot="3073150">
-              <a:off x="7029432" y="1898668"/>
-              <a:ext cx="578240" cy="187076"/>
-              <a:chOff x="619241" y="2178955"/>
-              <a:chExt cx="578240" cy="187076"/>
-            </a:xfrm>
-          </p:grpSpPr>
-          <p:cxnSp>
-            <p:nvCxnSpPr>
-              <p:cNvPr id="85" name="Connettore 1 55">
-                <a:extLst>
-                  <a:ext uri="{FF2B5EF4-FFF2-40B4-BE49-F238E27FC236}">
-                    <a16:creationId xmlns:a16="http://schemas.microsoft.com/office/drawing/2014/main" id="{2509BCC9-8AF8-2B6C-64F3-FB8184B06577}"/>
-                  </a:ext>
-                </a:extLst>
-              </p:cNvPr>
-              <p:cNvCxnSpPr>
-                <a:cxnSpLocks/>
-              </p:cNvCxnSpPr>
-              <p:nvPr/>
-            </p:nvCxnSpPr>
-            <p:spPr>
-              <a:xfrm>
-                <a:off x="629874" y="2366031"/>
-                <a:ext cx="567607" cy="0"/>
-              </a:xfrm>
-              <a:prstGeom prst="line">
-                <a:avLst/>
-              </a:prstGeom>
-              <a:ln w="12700" cap="rnd">
-                <a:tailEnd type="arrow"/>
-              </a:ln>
-            </p:spPr>
-            <p:style>
-              <a:lnRef idx="1">
-                <a:schemeClr val="dk1"/>
-              </a:lnRef>
-              <a:fillRef idx="0">
-                <a:schemeClr val="dk1"/>
-              </a:fillRef>
-              <a:effectRef idx="0">
-                <a:schemeClr val="dk1"/>
-              </a:effectRef>
-              <a:fontRef idx="minor">
-                <a:schemeClr val="tx1"/>
-              </a:fontRef>
-            </p:style>
-          </p:cxnSp>
-          <p:cxnSp>
-            <p:nvCxnSpPr>
-              <p:cNvPr id="86" name="Connettore 1 55">
-                <a:extLst>
-                  <a:ext uri="{FF2B5EF4-FFF2-40B4-BE49-F238E27FC236}">
-                    <a16:creationId xmlns:a16="http://schemas.microsoft.com/office/drawing/2014/main" id="{5FBB78C0-CD8D-4A8D-A76C-3CDD68F88A8B}"/>
-                  </a:ext>
-                </a:extLst>
-              </p:cNvPr>
-              <p:cNvCxnSpPr>
-                <a:cxnSpLocks/>
-              </p:cNvCxnSpPr>
-              <p:nvPr/>
-            </p:nvCxnSpPr>
-            <p:spPr>
-              <a:xfrm flipH="1">
-                <a:off x="619241" y="2178955"/>
-                <a:ext cx="567607" cy="0"/>
-              </a:xfrm>
-              <a:prstGeom prst="line">
-                <a:avLst/>
-              </a:prstGeom>
-              <a:ln w="12700" cap="rnd">
-                <a:tailEnd type="arrow"/>
-              </a:ln>
-            </p:spPr>
-            <p:style>
-              <a:lnRef idx="1">
-                <a:schemeClr val="dk1"/>
-              </a:lnRef>
-              <a:fillRef idx="0">
-                <a:schemeClr val="dk1"/>
-              </a:fillRef>
-              <a:effectRef idx="0">
-                <a:schemeClr val="dk1"/>
-              </a:effectRef>
-              <a:fontRef idx="minor">
-                <a:schemeClr val="tx1"/>
-              </a:fontRef>
-            </p:style>
-          </p:cxnSp>
-        </p:grpSp>
-        <p:grpSp>
-          <p:nvGrpSpPr>
-            <p:cNvPr id="87" name="Gruppo 86">
-              <a:extLst>
-                <a:ext uri="{FF2B5EF4-FFF2-40B4-BE49-F238E27FC236}">
-                  <a16:creationId xmlns:a16="http://schemas.microsoft.com/office/drawing/2014/main" id="{46ECE29C-7FFA-DC86-CD29-1C51EDC62C45}"/>
-                </a:ext>
-              </a:extLst>
-            </p:cNvPr>
-            <p:cNvGrpSpPr/>
-            <p:nvPr/>
-          </p:nvGrpSpPr>
-          <p:grpSpPr>
-            <a:xfrm rot="7393770">
-              <a:off x="8271079" y="1912637"/>
-              <a:ext cx="578240" cy="187076"/>
-              <a:chOff x="619241" y="2178955"/>
-              <a:chExt cx="578240" cy="187076"/>
-            </a:xfrm>
-          </p:grpSpPr>
-          <p:cxnSp>
-            <p:nvCxnSpPr>
-              <p:cNvPr id="88" name="Connettore 1 55">
-                <a:extLst>
-                  <a:ext uri="{FF2B5EF4-FFF2-40B4-BE49-F238E27FC236}">
-                    <a16:creationId xmlns:a16="http://schemas.microsoft.com/office/drawing/2014/main" id="{11760F67-BBE3-A05C-A1F5-43653A6835B9}"/>
-                  </a:ext>
-                </a:extLst>
-              </p:cNvPr>
-              <p:cNvCxnSpPr>
-                <a:cxnSpLocks/>
-              </p:cNvCxnSpPr>
-              <p:nvPr/>
-            </p:nvCxnSpPr>
-            <p:spPr>
-              <a:xfrm>
-                <a:off x="629874" y="2366031"/>
-                <a:ext cx="567607" cy="0"/>
-              </a:xfrm>
-              <a:prstGeom prst="line">
-                <a:avLst/>
-              </a:prstGeom>
-              <a:ln w="12700" cap="rnd">
-                <a:tailEnd type="arrow"/>
-              </a:ln>
-            </p:spPr>
-            <p:style>
-              <a:lnRef idx="1">
-                <a:schemeClr val="dk1"/>
-              </a:lnRef>
-              <a:fillRef idx="0">
-                <a:schemeClr val="dk1"/>
-              </a:fillRef>
-              <a:effectRef idx="0">
-                <a:schemeClr val="dk1"/>
-              </a:effectRef>
-              <a:fontRef idx="minor">
-                <a:schemeClr val="tx1"/>
-              </a:fontRef>
-            </p:style>
-          </p:cxnSp>
-          <p:cxnSp>
-            <p:nvCxnSpPr>
-              <p:cNvPr id="89" name="Connettore 1 55">
-                <a:extLst>
-                  <a:ext uri="{FF2B5EF4-FFF2-40B4-BE49-F238E27FC236}">
-                    <a16:creationId xmlns:a16="http://schemas.microsoft.com/office/drawing/2014/main" id="{E7B8C120-530E-5550-2CC1-FB25074735F6}"/>
-                  </a:ext>
-                </a:extLst>
-              </p:cNvPr>
-              <p:cNvCxnSpPr>
-                <a:cxnSpLocks/>
-              </p:cNvCxnSpPr>
-              <p:nvPr/>
-            </p:nvCxnSpPr>
-            <p:spPr>
-              <a:xfrm flipH="1">
-                <a:off x="619241" y="2178955"/>
-                <a:ext cx="567607" cy="0"/>
-              </a:xfrm>
-              <a:prstGeom prst="line">
-                <a:avLst/>
-              </a:prstGeom>
-              <a:ln w="12700" cap="rnd">
-                <a:tailEnd type="arrow"/>
-              </a:ln>
-            </p:spPr>
-            <p:style>
-              <a:lnRef idx="1">
-                <a:schemeClr val="dk1"/>
-              </a:lnRef>
-              <a:fillRef idx="0">
-                <a:schemeClr val="dk1"/>
-              </a:fillRef>
-              <a:effectRef idx="0">
-                <a:schemeClr val="dk1"/>
-              </a:effectRef>
-              <a:fontRef idx="minor">
-                <a:schemeClr val="tx1"/>
-              </a:fontRef>
-            </p:style>
-          </p:cxnSp>
-        </p:grpSp>
-        <p:grpSp>
-          <p:nvGrpSpPr>
-            <p:cNvPr id="90" name="Gruppo 89">
-              <a:extLst>
-                <a:ext uri="{FF2B5EF4-FFF2-40B4-BE49-F238E27FC236}">
-                  <a16:creationId xmlns:a16="http://schemas.microsoft.com/office/drawing/2014/main" id="{BF6EBB1A-5059-6DF7-FE6B-5847C1034919}"/>
-                </a:ext>
-              </a:extLst>
-            </p:cNvPr>
-            <p:cNvGrpSpPr/>
-            <p:nvPr/>
-          </p:nvGrpSpPr>
-          <p:grpSpPr>
-            <a:xfrm>
-              <a:off x="7649692" y="993945"/>
-              <a:ext cx="578240" cy="187076"/>
-              <a:chOff x="619241" y="2178955"/>
-              <a:chExt cx="578240" cy="187076"/>
-            </a:xfrm>
-          </p:grpSpPr>
-          <p:cxnSp>
-            <p:nvCxnSpPr>
-              <p:cNvPr id="91" name="Connettore 1 55">
-                <a:extLst>
-                  <a:ext uri="{FF2B5EF4-FFF2-40B4-BE49-F238E27FC236}">
-                    <a16:creationId xmlns:a16="http://schemas.microsoft.com/office/drawing/2014/main" id="{D3447F23-173E-B4F8-50B9-9ED39C59397E}"/>
-                  </a:ext>
-                </a:extLst>
-              </p:cNvPr>
-              <p:cNvCxnSpPr>
-                <a:cxnSpLocks/>
-              </p:cNvCxnSpPr>
-              <p:nvPr/>
-            </p:nvCxnSpPr>
-            <p:spPr>
-              <a:xfrm>
-                <a:off x="629874" y="2366031"/>
-                <a:ext cx="567607" cy="0"/>
-              </a:xfrm>
-              <a:prstGeom prst="line">
-                <a:avLst/>
-              </a:prstGeom>
-              <a:ln w="12700" cap="rnd">
-                <a:tailEnd type="arrow"/>
-              </a:ln>
-            </p:spPr>
-            <p:style>
-              <a:lnRef idx="1">
-                <a:schemeClr val="dk1"/>
-              </a:lnRef>
-              <a:fillRef idx="0">
-                <a:schemeClr val="dk1"/>
-              </a:fillRef>
-              <a:effectRef idx="0">
-                <a:schemeClr val="dk1"/>
-              </a:effectRef>
-              <a:fontRef idx="minor">
-                <a:schemeClr val="tx1"/>
-              </a:fontRef>
-            </p:style>
-          </p:cxnSp>
-          <p:cxnSp>
-            <p:nvCxnSpPr>
-              <p:cNvPr id="92" name="Connettore 1 55">
-                <a:extLst>
-                  <a:ext uri="{FF2B5EF4-FFF2-40B4-BE49-F238E27FC236}">
-                    <a16:creationId xmlns:a16="http://schemas.microsoft.com/office/drawing/2014/main" id="{872EBF9A-F5E5-AE1C-B7F0-00B3D7C8F5CC}"/>
-                  </a:ext>
-                </a:extLst>
-              </p:cNvPr>
-              <p:cNvCxnSpPr>
-                <a:cxnSpLocks/>
-              </p:cNvCxnSpPr>
-              <p:nvPr/>
-            </p:nvCxnSpPr>
-            <p:spPr>
-              <a:xfrm flipH="1">
-                <a:off x="619241" y="2178955"/>
-                <a:ext cx="567607" cy="0"/>
-              </a:xfrm>
-              <a:prstGeom prst="line">
-                <a:avLst/>
-              </a:prstGeom>
-              <a:ln w="12700" cap="rnd">
-                <a:tailEnd type="arrow"/>
-              </a:ln>
-            </p:spPr>
-            <p:style>
-              <a:lnRef idx="1">
-                <a:schemeClr val="dk1"/>
-              </a:lnRef>
-              <a:fillRef idx="0">
-                <a:schemeClr val="dk1"/>
-              </a:fillRef>
-              <a:effectRef idx="0">
-                <a:schemeClr val="dk1"/>
-              </a:effectRef>
-              <a:fontRef idx="minor">
-                <a:schemeClr val="tx1"/>
-              </a:fontRef>
-            </p:style>
-          </p:cxnSp>
-        </p:grpSp>
-        <p:pic>
-          <p:nvPicPr>
-            <p:cNvPr id="93" name="Immagine 92">
-              <a:extLst>
-                <a:ext uri="{FF2B5EF4-FFF2-40B4-BE49-F238E27FC236}">
-                  <a16:creationId xmlns:a16="http://schemas.microsoft.com/office/drawing/2014/main" id="{0FF08CD8-862E-324C-B603-BE02F761C763}"/>
-                </a:ext>
-              </a:extLst>
-            </p:cNvPr>
-            <p:cNvPicPr>
-              <a:picLocks noChangeAspect="1"/>
-            </p:cNvPicPr>
-            <p:nvPr/>
-          </p:nvPicPr>
-          <p:blipFill>
-            <a:blip r:embed="rId5"/>
-            <a:stretch>
-              <a:fillRect/>
-            </a:stretch>
-          </p:blipFill>
-          <p:spPr>
-            <a:xfrm>
-              <a:off x="9504592" y="2200103"/>
-              <a:ext cx="261610" cy="261610"/>
-            </a:xfrm>
-            <a:prstGeom prst="rect">
-              <a:avLst/>
-            </a:prstGeom>
-          </p:spPr>
-        </p:pic>
-        <p:pic>
-          <p:nvPicPr>
-            <p:cNvPr id="94" name="Immagine 93">
-              <a:extLst>
-                <a:ext uri="{FF2B5EF4-FFF2-40B4-BE49-F238E27FC236}">
-                  <a16:creationId xmlns:a16="http://schemas.microsoft.com/office/drawing/2014/main" id="{9A20047C-CF88-01A6-284A-A7BF66F8B5CB}"/>
-                </a:ext>
-              </a:extLst>
-            </p:cNvPr>
-            <p:cNvPicPr>
-              <a:picLocks noChangeAspect="1"/>
-            </p:cNvPicPr>
-            <p:nvPr/>
-          </p:nvPicPr>
-          <p:blipFill>
-            <a:blip r:embed="rId8"/>
-            <a:stretch>
-              <a:fillRect/>
-            </a:stretch>
-          </p:blipFill>
-          <p:spPr>
-            <a:xfrm>
-              <a:off x="7793000" y="1466290"/>
-              <a:ext cx="307777" cy="307777"/>
-            </a:xfrm>
-            <a:prstGeom prst="rect">
-              <a:avLst/>
-            </a:prstGeom>
-          </p:spPr>
-        </p:pic>
-        <p:sp>
-          <p:nvSpPr>
-            <p:cNvPr id="95" name="CasellaDiTesto 94">
-              <a:extLst>
-                <a:ext uri="{FF2B5EF4-FFF2-40B4-BE49-F238E27FC236}">
-                  <a16:creationId xmlns:a16="http://schemas.microsoft.com/office/drawing/2014/main" id="{2D2A1D5C-C120-1400-2B0F-201D84B81831}"/>
-                </a:ext>
-              </a:extLst>
-            </p:cNvPr>
-            <p:cNvSpPr txBox="1"/>
-            <p:nvPr/>
-          </p:nvSpPr>
-          <p:spPr>
-            <a:xfrm>
-              <a:off x="7115073" y="1766727"/>
-              <a:ext cx="1634472" cy="261610"/>
-            </a:xfrm>
-            <a:prstGeom prst="rect">
-              <a:avLst/>
-            </a:prstGeom>
-            <a:noFill/>
-          </p:spPr>
-          <p:txBody>
-            <a:bodyPr wrap="square" rtlCol="0">
-              <a:spAutoFit/>
-            </a:bodyPr>
-            <a:lstStyle/>
-            <a:p>
-              <a:pPr algn="ctr"/>
-              <a:r>
-                <a:rPr lang="it-IT" sz="1100" i="1" dirty="0">
-                  <a:latin typeface="CMU SERIF ROMAN" panose="02000603000000000000" pitchFamily="2" charset="0"/>
-                  <a:ea typeface="CMU SERIF ROMAN" panose="02000603000000000000" pitchFamily="2" charset="0"/>
-                  <a:cs typeface="CMU SERIF ROMAN" panose="02000603000000000000" pitchFamily="2" charset="0"/>
-                </a:rPr>
-                <a:t>Debate</a:t>
-              </a:r>
-            </a:p>
-          </p:txBody>
-        </p:sp>
-        <p:sp>
-          <p:nvSpPr>
-            <p:cNvPr id="96" name="CasellaDiTesto 95">
-              <a:extLst>
-                <a:ext uri="{FF2B5EF4-FFF2-40B4-BE49-F238E27FC236}">
-                  <a16:creationId xmlns:a16="http://schemas.microsoft.com/office/drawing/2014/main" id="{44198563-15BA-D397-DF2C-79BC0E6B51FE}"/>
-                </a:ext>
-              </a:extLst>
-            </p:cNvPr>
-            <p:cNvSpPr txBox="1"/>
-            <p:nvPr/>
-          </p:nvSpPr>
-          <p:spPr>
-            <a:xfrm>
-              <a:off x="9614567" y="1940094"/>
-              <a:ext cx="1634472" cy="307777"/>
-            </a:xfrm>
-            <a:prstGeom prst="rect">
-              <a:avLst/>
-            </a:prstGeom>
-            <a:noFill/>
-          </p:spPr>
-          <p:txBody>
-            <a:bodyPr wrap="square" rtlCol="0">
-              <a:spAutoFit/>
-            </a:bodyPr>
-            <a:lstStyle/>
-            <a:p>
-              <a:pPr algn="ctr"/>
-              <a:r>
-                <a:rPr lang="it-IT" sz="1400" b="1" dirty="0">
-                  <a:latin typeface="CMU SERIF ROMAN" panose="02000603000000000000" pitchFamily="2" charset="0"/>
-                  <a:ea typeface="CMU SERIF ROMAN" panose="02000603000000000000" pitchFamily="2" charset="0"/>
-                  <a:cs typeface="CMU SERIF ROMAN" panose="02000603000000000000" pitchFamily="2" charset="0"/>
-                </a:rPr>
-                <a:t>Tool</a:t>
-              </a:r>
-            </a:p>
-          </p:txBody>
-        </p:sp>
-      </p:grpSp>
+            </a:solidFill>
+            <a:prstDash val="solid"/>
+            <a:extLst>
+              <a:ext uri="{C807C97D-BFC1-408E-A445-0C87EB9F89A2}">
+                <ask:lineSketchStyleProps xmlns:ask="http://schemas.microsoft.com/office/drawing/2018/sketchyshapes">
+                  <ask:type>
+                    <ask:lineSketchNone/>
+                  </ask:type>
+                </ask:lineSketchStyleProps>
+              </a:ext>
+            </a:extLst>
+          </a:ln>
+        </p:spPr>
+        <p:style>
+          <a:lnRef idx="2">
+            <a:schemeClr val="accent1">
+              <a:shade val="15000"/>
+            </a:schemeClr>
+          </a:lnRef>
+          <a:fillRef idx="1">
+            <a:schemeClr val="accent1"/>
+          </a:fillRef>
+          <a:effectRef idx="0">
+            <a:schemeClr val="accent1"/>
+          </a:effectRef>
+          <a:fontRef idx="minor">
+            <a:schemeClr val="lt1"/>
+          </a:fontRef>
+        </p:style>
+        <p:txBody>
+          <a:bodyPr rtlCol="0" anchor="ctr"/>
+          <a:lstStyle/>
+          <a:p>
+            <a:pPr algn="ctr"/>
+            <a:r>
+              <a:rPr lang="it-IT" sz="600" dirty="0">
+                <a:solidFill>
+                  <a:schemeClr val="tx1"/>
+                </a:solidFill>
+                <a:latin typeface="CMU Serif" panose="02000603000000000000" pitchFamily="2" charset="0"/>
+                <a:ea typeface="CMU Serif" panose="02000603000000000000" pitchFamily="2" charset="0"/>
+                <a:cs typeface="CMU Serif" panose="02000603000000000000" pitchFamily="2" charset="0"/>
+              </a:rPr>
+              <a:t>2</a:t>
+            </a:r>
+          </a:p>
+        </p:txBody>
+      </p:sp>
+      <p:sp>
+        <p:nvSpPr>
+          <p:cNvPr id="8" name="Oval 56">
+            <a:extLst>
+              <a:ext uri="{FF2B5EF4-FFF2-40B4-BE49-F238E27FC236}">
+                <a16:creationId xmlns:a16="http://schemas.microsoft.com/office/drawing/2014/main" id="{81972138-33C5-3BA1-DD54-6D14981ED282}"/>
+              </a:ext>
+            </a:extLst>
+          </p:cNvPr>
+          <p:cNvSpPr/>
+          <p:nvPr/>
+        </p:nvSpPr>
+        <p:spPr>
+          <a:xfrm>
+            <a:off x="2694722" y="3837909"/>
+            <a:ext cx="103182" cy="104350"/>
+          </a:xfrm>
+          <a:prstGeom prst="ellipse">
+            <a:avLst/>
+          </a:prstGeom>
+          <a:noFill/>
+          <a:ln w="6350">
+            <a:solidFill>
+              <a:schemeClr val="bg2">
+                <a:lumMod val="10000"/>
+              </a:schemeClr>
+            </a:solidFill>
+            <a:prstDash val="solid"/>
+            <a:extLst>
+              <a:ext uri="{C807C97D-BFC1-408E-A445-0C87EB9F89A2}">
+                <ask:lineSketchStyleProps xmlns:ask="http://schemas.microsoft.com/office/drawing/2018/sketchyshapes">
+                  <ask:type>
+                    <ask:lineSketchNone/>
+                  </ask:type>
+                </ask:lineSketchStyleProps>
+              </a:ext>
+            </a:extLst>
+          </a:ln>
+        </p:spPr>
+        <p:style>
+          <a:lnRef idx="2">
+            <a:schemeClr val="accent1">
+              <a:shade val="15000"/>
+            </a:schemeClr>
+          </a:lnRef>
+          <a:fillRef idx="1">
+            <a:schemeClr val="accent1"/>
+          </a:fillRef>
+          <a:effectRef idx="0">
+            <a:schemeClr val="accent1"/>
+          </a:effectRef>
+          <a:fontRef idx="minor">
+            <a:schemeClr val="lt1"/>
+          </a:fontRef>
+        </p:style>
+        <p:txBody>
+          <a:bodyPr rtlCol="0" anchor="ctr"/>
+          <a:lstStyle/>
+          <a:p>
+            <a:pPr algn="ctr"/>
+            <a:r>
+              <a:rPr lang="it-IT" sz="600" dirty="0">
+                <a:solidFill>
+                  <a:schemeClr val="tx1"/>
+                </a:solidFill>
+                <a:latin typeface="CMU Serif" panose="02000603000000000000" pitchFamily="2" charset="0"/>
+                <a:ea typeface="CMU Serif" panose="02000603000000000000" pitchFamily="2" charset="0"/>
+                <a:cs typeface="CMU Serif" panose="02000603000000000000" pitchFamily="2" charset="0"/>
+              </a:rPr>
+              <a:t>5</a:t>
+            </a:r>
+          </a:p>
+        </p:txBody>
+      </p:sp>
+      <p:sp>
+        <p:nvSpPr>
+          <p:cNvPr id="9" name="Oval 56">
+            <a:extLst>
+              <a:ext uri="{FF2B5EF4-FFF2-40B4-BE49-F238E27FC236}">
+                <a16:creationId xmlns:a16="http://schemas.microsoft.com/office/drawing/2014/main" id="{1CD40869-DF0D-DBD4-47E6-A9001F5C5448}"/>
+              </a:ext>
+            </a:extLst>
+          </p:cNvPr>
+          <p:cNvSpPr/>
+          <p:nvPr/>
+        </p:nvSpPr>
+        <p:spPr>
+          <a:xfrm>
+            <a:off x="2182437" y="3419670"/>
+            <a:ext cx="103182" cy="104350"/>
+          </a:xfrm>
+          <a:prstGeom prst="ellipse">
+            <a:avLst/>
+          </a:prstGeom>
+          <a:noFill/>
+          <a:ln w="6350">
+            <a:solidFill>
+              <a:schemeClr val="bg2">
+                <a:lumMod val="10000"/>
+              </a:schemeClr>
+            </a:solidFill>
+            <a:prstDash val="solid"/>
+            <a:extLst>
+              <a:ext uri="{C807C97D-BFC1-408E-A445-0C87EB9F89A2}">
+                <ask:lineSketchStyleProps xmlns:ask="http://schemas.microsoft.com/office/drawing/2018/sketchyshapes">
+                  <ask:type>
+                    <ask:lineSketchNone/>
+                  </ask:type>
+                </ask:lineSketchStyleProps>
+              </a:ext>
+            </a:extLst>
+          </a:ln>
+        </p:spPr>
+        <p:style>
+          <a:lnRef idx="2">
+            <a:schemeClr val="accent1">
+              <a:shade val="15000"/>
+            </a:schemeClr>
+          </a:lnRef>
+          <a:fillRef idx="1">
+            <a:schemeClr val="accent1"/>
+          </a:fillRef>
+          <a:effectRef idx="0">
+            <a:schemeClr val="accent1"/>
+          </a:effectRef>
+          <a:fontRef idx="minor">
+            <a:schemeClr val="lt1"/>
+          </a:fontRef>
+        </p:style>
+        <p:txBody>
+          <a:bodyPr rtlCol="0" anchor="ctr"/>
+          <a:lstStyle/>
+          <a:p>
+            <a:pPr algn="ctr"/>
+            <a:r>
+              <a:rPr lang="it-IT" sz="600" dirty="0">
+                <a:solidFill>
+                  <a:schemeClr val="tx1"/>
+                </a:solidFill>
+                <a:latin typeface="CMU Serif" panose="02000603000000000000" pitchFamily="2" charset="0"/>
+                <a:ea typeface="CMU Serif" panose="02000603000000000000" pitchFamily="2" charset="0"/>
+                <a:cs typeface="CMU Serif" panose="02000603000000000000" pitchFamily="2" charset="0"/>
+              </a:rPr>
+              <a:t>4</a:t>
+            </a:r>
+          </a:p>
+        </p:txBody>
+      </p:sp>
+      <p:sp>
+        <p:nvSpPr>
+          <p:cNvPr id="10" name="Oval 56">
+            <a:extLst>
+              <a:ext uri="{FF2B5EF4-FFF2-40B4-BE49-F238E27FC236}">
+                <a16:creationId xmlns:a16="http://schemas.microsoft.com/office/drawing/2014/main" id="{B47F36C2-8B65-FDD3-96B4-8595E8F96B83}"/>
+              </a:ext>
+            </a:extLst>
+          </p:cNvPr>
+          <p:cNvSpPr/>
+          <p:nvPr/>
+        </p:nvSpPr>
+        <p:spPr>
+          <a:xfrm>
+            <a:off x="1795217" y="2925064"/>
+            <a:ext cx="103182" cy="104350"/>
+          </a:xfrm>
+          <a:prstGeom prst="ellipse">
+            <a:avLst/>
+          </a:prstGeom>
+          <a:noFill/>
+          <a:ln w="6350">
+            <a:solidFill>
+              <a:schemeClr val="bg2">
+                <a:lumMod val="10000"/>
+              </a:schemeClr>
+            </a:solidFill>
+            <a:prstDash val="solid"/>
+            <a:extLst>
+              <a:ext uri="{C807C97D-BFC1-408E-A445-0C87EB9F89A2}">
+                <ask:lineSketchStyleProps xmlns:ask="http://schemas.microsoft.com/office/drawing/2018/sketchyshapes">
+                  <ask:type>
+                    <ask:lineSketchNone/>
+                  </ask:type>
+                </ask:lineSketchStyleProps>
+              </a:ext>
+            </a:extLst>
+          </a:ln>
+        </p:spPr>
+        <p:style>
+          <a:lnRef idx="2">
+            <a:schemeClr val="accent1">
+              <a:shade val="15000"/>
+            </a:schemeClr>
+          </a:lnRef>
+          <a:fillRef idx="1">
+            <a:schemeClr val="accent1"/>
+          </a:fillRef>
+          <a:effectRef idx="0">
+            <a:schemeClr val="accent1"/>
+          </a:effectRef>
+          <a:fontRef idx="minor">
+            <a:schemeClr val="lt1"/>
+          </a:fontRef>
+        </p:style>
+        <p:txBody>
+          <a:bodyPr rtlCol="0" anchor="ctr"/>
+          <a:lstStyle/>
+          <a:p>
+            <a:pPr algn="ctr"/>
+            <a:r>
+              <a:rPr lang="it-IT" sz="600" dirty="0">
+                <a:solidFill>
+                  <a:schemeClr val="tx1"/>
+                </a:solidFill>
+                <a:latin typeface="CMU Serif" panose="02000603000000000000" pitchFamily="2" charset="0"/>
+                <a:ea typeface="CMU Serif" panose="02000603000000000000" pitchFamily="2" charset="0"/>
+                <a:cs typeface="CMU Serif" panose="02000603000000000000" pitchFamily="2" charset="0"/>
+              </a:rPr>
+              <a:t>3</a:t>
+            </a:r>
+          </a:p>
+        </p:txBody>
+      </p:sp>
+      <p:sp>
+        <p:nvSpPr>
+          <p:cNvPr id="11" name="Oval 56">
+            <a:extLst>
+              <a:ext uri="{FF2B5EF4-FFF2-40B4-BE49-F238E27FC236}">
+                <a16:creationId xmlns:a16="http://schemas.microsoft.com/office/drawing/2014/main" id="{08672155-7F80-996C-15E1-A231DD08D281}"/>
+              </a:ext>
+            </a:extLst>
+          </p:cNvPr>
+          <p:cNvSpPr/>
+          <p:nvPr/>
+        </p:nvSpPr>
+        <p:spPr>
+          <a:xfrm>
+            <a:off x="1995824" y="2615599"/>
+            <a:ext cx="103182" cy="104350"/>
+          </a:xfrm>
+          <a:prstGeom prst="ellipse">
+            <a:avLst/>
+          </a:prstGeom>
+          <a:noFill/>
+          <a:ln w="6350">
+            <a:solidFill>
+              <a:schemeClr val="bg2">
+                <a:lumMod val="10000"/>
+              </a:schemeClr>
+            </a:solidFill>
+            <a:prstDash val="solid"/>
+            <a:extLst>
+              <a:ext uri="{C807C97D-BFC1-408E-A445-0C87EB9F89A2}">
+                <ask:lineSketchStyleProps xmlns:ask="http://schemas.microsoft.com/office/drawing/2018/sketchyshapes">
+                  <ask:type>
+                    <ask:lineSketchNone/>
+                  </ask:type>
+                </ask:lineSketchStyleProps>
+              </a:ext>
+            </a:extLst>
+          </a:ln>
+        </p:spPr>
+        <p:style>
+          <a:lnRef idx="2">
+            <a:schemeClr val="accent1">
+              <a:shade val="15000"/>
+            </a:schemeClr>
+          </a:lnRef>
+          <a:fillRef idx="1">
+            <a:schemeClr val="accent1"/>
+          </a:fillRef>
+          <a:effectRef idx="0">
+            <a:schemeClr val="accent1"/>
+          </a:effectRef>
+          <a:fontRef idx="minor">
+            <a:schemeClr val="lt1"/>
+          </a:fontRef>
+        </p:style>
+        <p:txBody>
+          <a:bodyPr rtlCol="0" anchor="ctr"/>
+          <a:lstStyle/>
+          <a:p>
+            <a:pPr algn="ctr"/>
+            <a:r>
+              <a:rPr lang="it-IT" sz="600" dirty="0">
+                <a:solidFill>
+                  <a:schemeClr val="tx1"/>
+                </a:solidFill>
+                <a:latin typeface="CMU Serif" panose="02000603000000000000" pitchFamily="2" charset="0"/>
+                <a:ea typeface="CMU Serif" panose="02000603000000000000" pitchFamily="2" charset="0"/>
+                <a:cs typeface="CMU Serif" panose="02000603000000000000" pitchFamily="2" charset="0"/>
+              </a:rPr>
+              <a:t>1</a:t>
+            </a:r>
+          </a:p>
+        </p:txBody>
+      </p:sp>
     </p:spTree>
     <p:extLst>
       <p:ext uri="{BB962C8B-B14F-4D97-AF65-F5344CB8AC3E}">
